--- a/AngularJS Tutorial Slides.pptx
+++ b/AngularJS Tutorial Slides.pptx
@@ -1,6 +1,6 @@
 
 <file path=ppt/presentation.xml><?xml version="1.0" encoding="utf-8"?>
-<p:presentation xmlns:a="http://schemas.openxmlformats.org/drawingml/2006/main" xmlns:r="http://schemas.openxmlformats.org/officeDocument/2006/relationships" xmlns:mc="http://schemas.openxmlformats.org/markup-compatibility/2006" xmlns:mv="urn:schemas-microsoft-com:mac:vml" xmlns:p="http://schemas.openxmlformats.org/presentationml/2006/main" xmlns:c="http://schemas.openxmlformats.org/drawingml/2006/chart" xmlns:dgm="http://schemas.openxmlformats.org/drawingml/2006/diagram" xmlns:o="urn:schemas-microsoft-com:office:office" xmlns:v="urn:schemas-microsoft-com:vml" xmlns:pvml="urn:schemas-microsoft-com:office:powerpoint" xmlns:com="http://schemas.openxmlformats.org/drawingml/2006/compatibility" xmlns:p14="http://schemas.microsoft.com/office/powerpoint/2010/main" saveSubsetFonts="1" autoCompressPictures="0" strictFirstAndLastChars="0" showSpecialPlsOnTitleSld="0" firstSlideNum="0">
+<p:presentation xmlns:a="http://schemas.openxmlformats.org/drawingml/2006/main" xmlns:r="http://schemas.openxmlformats.org/officeDocument/2006/relationships" xmlns:mc="http://schemas.openxmlformats.org/markup-compatibility/2006" xmlns:mv="urn:schemas-microsoft-com:mac:vml" xmlns:p="http://schemas.openxmlformats.org/presentationml/2006/main" xmlns:c="http://schemas.openxmlformats.org/drawingml/2006/chart" xmlns:dgm="http://schemas.openxmlformats.org/drawingml/2006/diagram" xmlns:o="urn:schemas-microsoft-com:office:office" xmlns:v="urn:schemas-microsoft-com:vml" xmlns:pvml="urn:schemas-microsoft-com:office:powerpoint" xmlns:com="http://schemas.openxmlformats.org/drawingml/2006/compatibility" xmlns:p14="http://schemas.microsoft.com/office/powerpoint/2010/main" autoCompressPictures="0" strictFirstAndLastChars="0" saveSubsetFonts="1">
   <p:sldMasterIdLst>
     <p:sldMasterId id="2147483660" r:id="rId4"/>
     <p:sldMasterId id="2147483661" r:id="rId5"/>
@@ -28,9 +28,9 @@
     <p:sldId id="272" r:id="rId23"/>
   </p:sldIdLst>
   <p:sldSz cy="5143500" cx="9144000"/>
-  <p:notesSz cy="9144000" cx="6858000"/>
+  <p:notesSz cx="6858000" cy="9144000"/>
   <p:defaultTextStyle>
-    <a:defPPr algn="l" rtl="0" marR="0">
+    <a:defPPr marR="0" rtl="0" algn="l">
       <a:lnSpc>
         <a:spcPct val="100000"/>
       </a:lnSpc>
@@ -41,7 +41,7 @@
         <a:spcPts val="0"/>
       </a:spcAft>
     </a:defPPr>
-    <a:lvl1pPr algn="l" rtl="0" marR="0">
+    <a:lvl1pPr marR="0" rtl="0" algn="l">
       <a:lnSpc>
         <a:spcPct val="100000"/>
       </a:lnSpc>
@@ -52,7 +52,7 @@
         <a:spcPts val="0"/>
       </a:spcAft>
       <a:buNone/>
-      <a:defRPr strike="noStrike" u="none" b="0" cap="none" baseline="0" sz="1400" i="0">
+      <a:defRPr b="0" baseline="0" i="0" sz="1400" u="none" cap="none" strike="noStrike">
         <a:solidFill>
           <a:srgbClr val="000000"/>
         </a:solidFill>
@@ -63,7 +63,7 @@
         <a:rtl val="0"/>
       </a:defRPr>
     </a:lvl1pPr>
-    <a:lvl2pPr algn="l" rtl="0" marR="0">
+    <a:lvl2pPr marR="0" rtl="0" algn="l">
       <a:lnSpc>
         <a:spcPct val="100000"/>
       </a:lnSpc>
@@ -74,7 +74,7 @@
         <a:spcPts val="0"/>
       </a:spcAft>
       <a:buNone/>
-      <a:defRPr strike="noStrike" u="none" b="0" cap="none" baseline="0" sz="1400" i="0">
+      <a:defRPr b="0" baseline="0" i="0" sz="1400" u="none" cap="none" strike="noStrike">
         <a:solidFill>
           <a:srgbClr val="000000"/>
         </a:solidFill>
@@ -85,7 +85,7 @@
         <a:rtl val="0"/>
       </a:defRPr>
     </a:lvl2pPr>
-    <a:lvl3pPr algn="l" rtl="0" marR="0">
+    <a:lvl3pPr marR="0" rtl="0" algn="l">
       <a:lnSpc>
         <a:spcPct val="100000"/>
       </a:lnSpc>
@@ -96,7 +96,7 @@
         <a:spcPts val="0"/>
       </a:spcAft>
       <a:buNone/>
-      <a:defRPr strike="noStrike" u="none" b="0" cap="none" baseline="0" sz="1400" i="0">
+      <a:defRPr b="0" baseline="0" i="0" sz="1400" u="none" cap="none" strike="noStrike">
         <a:solidFill>
           <a:srgbClr val="000000"/>
         </a:solidFill>
@@ -107,7 +107,7 @@
         <a:rtl val="0"/>
       </a:defRPr>
     </a:lvl3pPr>
-    <a:lvl4pPr algn="l" rtl="0" marR="0">
+    <a:lvl4pPr marR="0" rtl="0" algn="l">
       <a:lnSpc>
         <a:spcPct val="100000"/>
       </a:lnSpc>
@@ -118,7 +118,7 @@
         <a:spcPts val="0"/>
       </a:spcAft>
       <a:buNone/>
-      <a:defRPr strike="noStrike" u="none" b="0" cap="none" baseline="0" sz="1400" i="0">
+      <a:defRPr b="0" baseline="0" i="0" sz="1400" u="none" cap="none" strike="noStrike">
         <a:solidFill>
           <a:srgbClr val="000000"/>
         </a:solidFill>
@@ -129,7 +129,7 @@
         <a:rtl val="0"/>
       </a:defRPr>
     </a:lvl4pPr>
-    <a:lvl5pPr algn="l" rtl="0" marR="0">
+    <a:lvl5pPr marR="0" rtl="0" algn="l">
       <a:lnSpc>
         <a:spcPct val="100000"/>
       </a:lnSpc>
@@ -140,7 +140,7 @@
         <a:spcPts val="0"/>
       </a:spcAft>
       <a:buNone/>
-      <a:defRPr strike="noStrike" u="none" b="0" cap="none" baseline="0" sz="1400" i="0">
+      <a:defRPr b="0" baseline="0" i="0" sz="1400" u="none" cap="none" strike="noStrike">
         <a:solidFill>
           <a:srgbClr val="000000"/>
         </a:solidFill>
@@ -151,7 +151,7 @@
         <a:rtl val="0"/>
       </a:defRPr>
     </a:lvl5pPr>
-    <a:lvl6pPr algn="l" rtl="0" marR="0">
+    <a:lvl6pPr marR="0" rtl="0" algn="l">
       <a:lnSpc>
         <a:spcPct val="100000"/>
       </a:lnSpc>
@@ -162,7 +162,7 @@
         <a:spcPts val="0"/>
       </a:spcAft>
       <a:buNone/>
-      <a:defRPr strike="noStrike" u="none" b="0" cap="none" baseline="0" sz="1400" i="0">
+      <a:defRPr b="0" baseline="0" i="0" sz="1400" u="none" cap="none" strike="noStrike">
         <a:solidFill>
           <a:srgbClr val="000000"/>
         </a:solidFill>
@@ -173,7 +173,7 @@
         <a:rtl val="0"/>
       </a:defRPr>
     </a:lvl6pPr>
-    <a:lvl7pPr algn="l" rtl="0" marR="0">
+    <a:lvl7pPr marR="0" rtl="0" algn="l">
       <a:lnSpc>
         <a:spcPct val="100000"/>
       </a:lnSpc>
@@ -184,7 +184,7 @@
         <a:spcPts val="0"/>
       </a:spcAft>
       <a:buNone/>
-      <a:defRPr strike="noStrike" u="none" b="0" cap="none" baseline="0" sz="1400" i="0">
+      <a:defRPr b="0" baseline="0" i="0" sz="1400" u="none" cap="none" strike="noStrike">
         <a:solidFill>
           <a:srgbClr val="000000"/>
         </a:solidFill>
@@ -195,7 +195,7 @@
         <a:rtl val="0"/>
       </a:defRPr>
     </a:lvl7pPr>
-    <a:lvl8pPr algn="l" rtl="0" marR="0">
+    <a:lvl8pPr marR="0" rtl="0" algn="l">
       <a:lnSpc>
         <a:spcPct val="100000"/>
       </a:lnSpc>
@@ -206,7 +206,7 @@
         <a:spcPts val="0"/>
       </a:spcAft>
       <a:buNone/>
-      <a:defRPr strike="noStrike" u="none" b="0" cap="none" baseline="0" sz="1400" i="0">
+      <a:defRPr b="0" baseline="0" i="0" sz="1400" u="none" cap="none" strike="noStrike">
         <a:solidFill>
           <a:srgbClr val="000000"/>
         </a:solidFill>
@@ -217,7 +217,7 @@
         <a:rtl val="0"/>
       </a:defRPr>
     </a:lvl8pPr>
-    <a:lvl9pPr algn="l" rtl="0" marR="0">
+    <a:lvl9pPr marR="0" rtl="0" algn="l">
       <a:lnSpc>
         <a:spcPct val="100000"/>
       </a:lnSpc>
@@ -228,7 +228,7 @@
         <a:spcPts val="0"/>
       </a:spcAft>
       <a:buNone/>
-      <a:defRPr strike="noStrike" u="none" b="0" cap="none" baseline="0" sz="1400" i="0">
+      <a:defRPr b="0" baseline="0" i="0" sz="1400" u="none" cap="none" strike="noStrike">
         <a:solidFill>
           <a:srgbClr val="000000"/>
         </a:solidFill>
@@ -254,10 +254,10 @@
       </p:nvGrpSpPr>
       <p:grpSpPr>
         <a:xfrm>
-          <a:off y="0" x="0"/>
-          <a:ext cy="0" cx="0"/>
-          <a:chOff y="0" x="0"/>
-          <a:chExt cy="0" cx="0"/>
+          <a:off x="0" y="0"/>
+          <a:ext cx="0" cy="0"/>
+          <a:chOff x="0" y="0"/>
+          <a:chExt cx="0" cy="0"/>
         </a:xfrm>
       </p:grpSpPr>
       <p:sp>
@@ -270,37 +270,37 @@
         </p:nvSpPr>
         <p:spPr>
           <a:xfrm>
-            <a:off y="685800" x="381187"/>
-            <a:ext cy="3429000" cx="6096299"/>
+            <a:off x="381187" y="685800"/>
+            <a:ext cx="6096299" cy="3429000"/>
           </a:xfrm>
           <a:custGeom>
             <a:pathLst>
-              <a:path w="120000" extrusionOk="0" h="120000">
+              <a:path extrusionOk="0" h="120000" w="120000">
                 <a:moveTo>
-                  <a:pt y="0" x="0"/>
+                  <a:pt x="0" y="0"/>
                 </a:moveTo>
                 <a:lnTo>
-                  <a:pt y="0" x="120000"/>
+                  <a:pt x="120000" y="0"/>
                 </a:lnTo>
                 <a:lnTo>
-                  <a:pt y="120000" x="120000"/>
+                  <a:pt x="120000" y="120000"/>
                 </a:lnTo>
                 <a:lnTo>
-                  <a:pt y="120000" x="0"/>
+                  <a:pt x="0" y="120000"/>
                 </a:lnTo>
                 <a:close/>
               </a:path>
             </a:pathLst>
           </a:custGeom>
           <a:noFill/>
-          <a:ln w="9525" cap="flat">
+          <a:ln cap="flat" cmpd="sng" w="9525">
             <a:solidFill>
               <a:srgbClr val="000000"/>
             </a:solidFill>
             <a:prstDash val="solid"/>
             <a:round/>
-            <a:headEnd w="med" len="med" type="none"/>
-            <a:tailEnd w="med" len="med" type="none"/>
+            <a:headEnd len="med" w="med" type="none"/>
+            <a:tailEnd len="med" w="med" type="none"/>
           </a:ln>
         </p:spPr>
       </p:sp>
@@ -314,8 +314,8 @@
         </p:nvSpPr>
         <p:spPr>
           <a:xfrm>
-            <a:off y="4343400" x="685800"/>
-            <a:ext cy="4114800" cx="5486399"/>
+            <a:off x="685800" y="4343400"/>
+            <a:ext cx="5486399" cy="4114800"/>
           </a:xfrm>
           <a:prstGeom prst="rect">
             <a:avLst/>
@@ -326,7 +326,7 @@
           </a:ln>
         </p:spPr>
         <p:txBody>
-          <a:bodyPr bIns="91425" rIns="91425" lIns="91425" tIns="91425" anchor="t" anchorCtr="0"/>
+          <a:bodyPr anchorCtr="0" anchor="t" bIns="91425" lIns="91425" rIns="91425" tIns="91425"/>
           <a:lstStyle>
             <a:lvl1pPr>
               <a:spcBef>
@@ -388,12 +388,12 @@
       </p:sp>
     </p:spTree>
   </p:cSld>
-  <p:clrMap accent2="accent2" accent3="accent3" accent4="accent4" accent5="accent5" accent6="accent6" hlink="hlink" tx2="lt2" tx1="dk1" bg2="dk2" bg1="lt1" folHlink="folHlink" accent1="accent1"/>
+  <p:clrMap accent1="accent1" accent2="accent2" accent3="accent3" accent4="accent4" accent5="accent5" accent6="accent6" bg1="lt1" bg2="dk2" tx1="dk1" tx2="lt2" folHlink="folHlink" hlink="hlink"/>
 </p:notesMaster>
 </file>
 
 <file path=ppt/notesSlides/notesSlide1.xml><?xml version="1.0" encoding="utf-8"?>
-<p:notes xmlns:a="http://schemas.openxmlformats.org/drawingml/2006/main" xmlns:r="http://schemas.openxmlformats.org/officeDocument/2006/relationships" xmlns:mc="http://schemas.openxmlformats.org/markup-compatibility/2006" xmlns:mv="urn:schemas-microsoft-com:mac:vml" xmlns:p="http://schemas.openxmlformats.org/presentationml/2006/main" xmlns:c="http://schemas.openxmlformats.org/drawingml/2006/chart" xmlns:dgm="http://schemas.openxmlformats.org/drawingml/2006/diagram" xmlns:o="urn:schemas-microsoft-com:office:office" xmlns:v="urn:schemas-microsoft-com:vml" xmlns:pvml="urn:schemas-microsoft-com:office:powerpoint" xmlns:com="http://schemas.openxmlformats.org/drawingml/2006/compatibility" xmlns:p14="http://schemas.microsoft.com/office/powerpoint/2010/main" showMasterSp="0" showMasterPhAnim="0">
+<p:notes xmlns:a="http://schemas.openxmlformats.org/drawingml/2006/main" xmlns:r="http://schemas.openxmlformats.org/officeDocument/2006/relationships" xmlns:mc="http://schemas.openxmlformats.org/markup-compatibility/2006" xmlns:mv="urn:schemas-microsoft-com:mac:vml" xmlns:p="http://schemas.openxmlformats.org/presentationml/2006/main" xmlns:c="http://schemas.openxmlformats.org/drawingml/2006/chart" xmlns:dgm="http://schemas.openxmlformats.org/drawingml/2006/diagram" xmlns:o="urn:schemas-microsoft-com:office:office" xmlns:v="urn:schemas-microsoft-com:vml" xmlns:pvml="urn:schemas-microsoft-com:office:powerpoint" xmlns:com="http://schemas.openxmlformats.org/drawingml/2006/compatibility" xmlns:p14="http://schemas.microsoft.com/office/powerpoint/2010/main" showMasterPhAnim="0" showMasterSp="0">
   <p:cSld>
     <p:spTree>
       <p:nvGrpSpPr>
@@ -403,10 +403,10 @@
       </p:nvGrpSpPr>
       <p:grpSpPr>
         <a:xfrm>
-          <a:off y="0" x="0"/>
-          <a:ext cy="0" cx="0"/>
-          <a:chOff y="0" x="0"/>
-          <a:chExt cy="0" cx="0"/>
+          <a:off x="0" y="0"/>
+          <a:ext cx="0" cy="0"/>
+          <a:chOff x="0" y="0"/>
+          <a:chExt cx="0" cy="0"/>
         </a:xfrm>
       </p:grpSpPr>
       <p:sp>
@@ -419,37 +419,37 @@
         </p:nvSpPr>
         <p:spPr>
           <a:xfrm>
-            <a:off y="685800" x="381187"/>
-            <a:ext cy="3429000" cx="6096299"/>
+            <a:off x="381187" y="685800"/>
+            <a:ext cx="6096299" cy="3429000"/>
           </a:xfrm>
           <a:custGeom>
             <a:pathLst>
-              <a:path w="120000" extrusionOk="0" h="120000">
+              <a:path extrusionOk="0" h="120000" w="120000">
                 <a:moveTo>
-                  <a:pt y="0" x="0"/>
+                  <a:pt x="0" y="0"/>
                 </a:moveTo>
                 <a:lnTo>
-                  <a:pt y="0" x="120000"/>
+                  <a:pt x="120000" y="0"/>
                 </a:lnTo>
                 <a:lnTo>
-                  <a:pt y="120000" x="120000"/>
+                  <a:pt x="120000" y="120000"/>
                 </a:lnTo>
                 <a:lnTo>
-                  <a:pt y="120000" x="0"/>
+                  <a:pt x="0" y="120000"/>
                 </a:lnTo>
                 <a:close/>
               </a:path>
             </a:pathLst>
           </a:custGeom>
           <a:noFill/>
-          <a:ln w="9525" cap="flat">
+          <a:ln cap="flat" cmpd="sng" w="9525">
             <a:solidFill>
               <a:srgbClr val="000000"/>
             </a:solidFill>
             <a:prstDash val="solid"/>
             <a:round/>
-            <a:headEnd w="med" len="med" type="none"/>
-            <a:tailEnd w="med" len="med" type="none"/>
+            <a:headEnd len="med" w="med" type="none"/>
+            <a:tailEnd len="med" w="med" type="none"/>
           </a:ln>
         </p:spPr>
       </p:sp>
@@ -463,15 +463,15 @@
         </p:nvSpPr>
         <p:spPr>
           <a:xfrm>
-            <a:off y="4343400" x="685800"/>
-            <a:ext cy="4114800" cx="5486399"/>
+            <a:off x="685800" y="4343400"/>
+            <a:ext cx="5486399" cy="4114800"/>
           </a:xfrm>
           <a:prstGeom prst="rect">
             <a:avLst/>
           </a:prstGeom>
         </p:spPr>
         <p:txBody>
-          <a:bodyPr bIns="91425" rIns="91425" lIns="91425" tIns="91425" anchor="t" anchorCtr="0">
+          <a:bodyPr anchorCtr="0" anchor="t" bIns="91425" lIns="91425" rIns="91425" tIns="91425">
             <a:noAutofit/>
           </a:bodyPr>
           <a:lstStyle/>
@@ -498,7 +498,7 @@
 </file>
 
 <file path=ppt/notesSlides/notesSlide10.xml><?xml version="1.0" encoding="utf-8"?>
-<p:notes xmlns:a="http://schemas.openxmlformats.org/drawingml/2006/main" xmlns:r="http://schemas.openxmlformats.org/officeDocument/2006/relationships" xmlns:mc="http://schemas.openxmlformats.org/markup-compatibility/2006" xmlns:mv="urn:schemas-microsoft-com:mac:vml" xmlns:p="http://schemas.openxmlformats.org/presentationml/2006/main" xmlns:c="http://schemas.openxmlformats.org/drawingml/2006/chart" xmlns:dgm="http://schemas.openxmlformats.org/drawingml/2006/diagram" xmlns:o="urn:schemas-microsoft-com:office:office" xmlns:v="urn:schemas-microsoft-com:vml" xmlns:pvml="urn:schemas-microsoft-com:office:powerpoint" xmlns:com="http://schemas.openxmlformats.org/drawingml/2006/compatibility" xmlns:p14="http://schemas.microsoft.com/office/powerpoint/2010/main" showMasterSp="0" showMasterPhAnim="0">
+<p:notes xmlns:a="http://schemas.openxmlformats.org/drawingml/2006/main" xmlns:r="http://schemas.openxmlformats.org/officeDocument/2006/relationships" xmlns:mc="http://schemas.openxmlformats.org/markup-compatibility/2006" xmlns:mv="urn:schemas-microsoft-com:mac:vml" xmlns:p="http://schemas.openxmlformats.org/presentationml/2006/main" xmlns:c="http://schemas.openxmlformats.org/drawingml/2006/chart" xmlns:dgm="http://schemas.openxmlformats.org/drawingml/2006/diagram" xmlns:o="urn:schemas-microsoft-com:office:office" xmlns:v="urn:schemas-microsoft-com:vml" xmlns:pvml="urn:schemas-microsoft-com:office:powerpoint" xmlns:com="http://schemas.openxmlformats.org/drawingml/2006/compatibility" xmlns:p14="http://schemas.microsoft.com/office/powerpoint/2010/main" showMasterPhAnim="0" showMasterSp="0">
   <p:cSld>
     <p:spTree>
       <p:nvGrpSpPr>
@@ -508,10 +508,10 @@
       </p:nvGrpSpPr>
       <p:grpSpPr>
         <a:xfrm>
-          <a:off y="0" x="0"/>
-          <a:ext cy="0" cx="0"/>
-          <a:chOff y="0" x="0"/>
-          <a:chExt cy="0" cx="0"/>
+          <a:off x="0" y="0"/>
+          <a:ext cx="0" cy="0"/>
+          <a:chOff x="0" y="0"/>
+          <a:chExt cx="0" cy="0"/>
         </a:xfrm>
       </p:grpSpPr>
       <p:sp>
@@ -524,37 +524,37 @@
         </p:nvSpPr>
         <p:spPr>
           <a:xfrm>
-            <a:off y="685800" x="381187"/>
-            <a:ext cy="3429000" cx="6096299"/>
+            <a:off x="381187" y="685800"/>
+            <a:ext cx="6096299" cy="3429000"/>
           </a:xfrm>
           <a:custGeom>
             <a:pathLst>
-              <a:path w="120000" extrusionOk="0" h="120000">
+              <a:path extrusionOk="0" h="120000" w="120000">
                 <a:moveTo>
-                  <a:pt y="0" x="0"/>
+                  <a:pt x="0" y="0"/>
                 </a:moveTo>
                 <a:lnTo>
-                  <a:pt y="0" x="120000"/>
+                  <a:pt x="120000" y="0"/>
                 </a:lnTo>
                 <a:lnTo>
-                  <a:pt y="120000" x="120000"/>
+                  <a:pt x="120000" y="120000"/>
                 </a:lnTo>
                 <a:lnTo>
-                  <a:pt y="120000" x="0"/>
+                  <a:pt x="0" y="120000"/>
                 </a:lnTo>
                 <a:close/>
               </a:path>
             </a:pathLst>
           </a:custGeom>
           <a:noFill/>
-          <a:ln w="9525" cap="flat">
+          <a:ln cap="flat" cmpd="sng" w="9525">
             <a:solidFill>
               <a:srgbClr val="000000"/>
             </a:solidFill>
             <a:prstDash val="solid"/>
             <a:round/>
-            <a:headEnd w="med" len="med" type="none"/>
-            <a:tailEnd w="med" len="med" type="none"/>
+            <a:headEnd len="med" w="med" type="none"/>
+            <a:tailEnd len="med" w="med" type="none"/>
           </a:ln>
         </p:spPr>
       </p:sp>
@@ -568,15 +568,15 @@
         </p:nvSpPr>
         <p:spPr>
           <a:xfrm>
-            <a:off y="4343400" x="685800"/>
-            <a:ext cy="4114800" cx="5486399"/>
+            <a:off x="685800" y="4343400"/>
+            <a:ext cx="5486399" cy="4114800"/>
           </a:xfrm>
           <a:prstGeom prst="rect">
             <a:avLst/>
           </a:prstGeom>
         </p:spPr>
         <p:txBody>
-          <a:bodyPr bIns="91425" rIns="91425" lIns="91425" tIns="91425" anchor="t" anchorCtr="0">
+          <a:bodyPr anchorCtr="0" anchor="t" bIns="91425" lIns="91425" rIns="91425" tIns="91425">
             <a:noAutofit/>
           </a:bodyPr>
           <a:lstStyle/>
@@ -603,7 +603,7 @@
 </file>
 
 <file path=ppt/notesSlides/notesSlide11.xml><?xml version="1.0" encoding="utf-8"?>
-<p:notes xmlns:a="http://schemas.openxmlformats.org/drawingml/2006/main" xmlns:r="http://schemas.openxmlformats.org/officeDocument/2006/relationships" xmlns:mc="http://schemas.openxmlformats.org/markup-compatibility/2006" xmlns:mv="urn:schemas-microsoft-com:mac:vml" xmlns:p="http://schemas.openxmlformats.org/presentationml/2006/main" xmlns:c="http://schemas.openxmlformats.org/drawingml/2006/chart" xmlns:dgm="http://schemas.openxmlformats.org/drawingml/2006/diagram" xmlns:o="urn:schemas-microsoft-com:office:office" xmlns:v="urn:schemas-microsoft-com:vml" xmlns:pvml="urn:schemas-microsoft-com:office:powerpoint" xmlns:com="http://schemas.openxmlformats.org/drawingml/2006/compatibility" xmlns:p14="http://schemas.microsoft.com/office/powerpoint/2010/main" showMasterSp="0" showMasterPhAnim="0">
+<p:notes xmlns:a="http://schemas.openxmlformats.org/drawingml/2006/main" xmlns:r="http://schemas.openxmlformats.org/officeDocument/2006/relationships" xmlns:mc="http://schemas.openxmlformats.org/markup-compatibility/2006" xmlns:mv="urn:schemas-microsoft-com:mac:vml" xmlns:p="http://schemas.openxmlformats.org/presentationml/2006/main" xmlns:c="http://schemas.openxmlformats.org/drawingml/2006/chart" xmlns:dgm="http://schemas.openxmlformats.org/drawingml/2006/diagram" xmlns:o="urn:schemas-microsoft-com:office:office" xmlns:v="urn:schemas-microsoft-com:vml" xmlns:pvml="urn:schemas-microsoft-com:office:powerpoint" xmlns:com="http://schemas.openxmlformats.org/drawingml/2006/compatibility" xmlns:p14="http://schemas.microsoft.com/office/powerpoint/2010/main" showMasterPhAnim="0" showMasterSp="0">
   <p:cSld>
     <p:spTree>
       <p:nvGrpSpPr>
@@ -613,10 +613,10 @@
       </p:nvGrpSpPr>
       <p:grpSpPr>
         <a:xfrm>
-          <a:off y="0" x="0"/>
-          <a:ext cy="0" cx="0"/>
-          <a:chOff y="0" x="0"/>
-          <a:chExt cy="0" cx="0"/>
+          <a:off x="0" y="0"/>
+          <a:ext cx="0" cy="0"/>
+          <a:chOff x="0" y="0"/>
+          <a:chExt cx="0" cy="0"/>
         </a:xfrm>
       </p:grpSpPr>
       <p:sp>
@@ -629,37 +629,37 @@
         </p:nvSpPr>
         <p:spPr>
           <a:xfrm>
-            <a:off y="685800" x="381187"/>
-            <a:ext cy="3429000" cx="6096299"/>
+            <a:off x="381187" y="685800"/>
+            <a:ext cx="6096299" cy="3429000"/>
           </a:xfrm>
           <a:custGeom>
             <a:pathLst>
-              <a:path w="120000" extrusionOk="0" h="120000">
+              <a:path extrusionOk="0" h="120000" w="120000">
                 <a:moveTo>
-                  <a:pt y="0" x="0"/>
+                  <a:pt x="0" y="0"/>
                 </a:moveTo>
                 <a:lnTo>
-                  <a:pt y="0" x="120000"/>
+                  <a:pt x="120000" y="0"/>
                 </a:lnTo>
                 <a:lnTo>
-                  <a:pt y="120000" x="120000"/>
+                  <a:pt x="120000" y="120000"/>
                 </a:lnTo>
                 <a:lnTo>
-                  <a:pt y="120000" x="0"/>
+                  <a:pt x="0" y="120000"/>
                 </a:lnTo>
                 <a:close/>
               </a:path>
             </a:pathLst>
           </a:custGeom>
           <a:noFill/>
-          <a:ln w="9525" cap="flat">
+          <a:ln cap="flat" cmpd="sng" w="9525">
             <a:solidFill>
               <a:srgbClr val="000000"/>
             </a:solidFill>
             <a:prstDash val="solid"/>
             <a:round/>
-            <a:headEnd w="med" len="med" type="none"/>
-            <a:tailEnd w="med" len="med" type="none"/>
+            <a:headEnd len="med" w="med" type="none"/>
+            <a:tailEnd len="med" w="med" type="none"/>
           </a:ln>
         </p:spPr>
       </p:sp>
@@ -673,15 +673,15 @@
         </p:nvSpPr>
         <p:spPr>
           <a:xfrm>
-            <a:off y="4343400" x="685800"/>
-            <a:ext cy="4114800" cx="5486399"/>
+            <a:off x="685800" y="4343400"/>
+            <a:ext cx="5486399" cy="4114800"/>
           </a:xfrm>
           <a:prstGeom prst="rect">
             <a:avLst/>
           </a:prstGeom>
         </p:spPr>
         <p:txBody>
-          <a:bodyPr bIns="91425" rIns="91425" lIns="91425" tIns="91425" anchor="t" anchorCtr="0">
+          <a:bodyPr anchorCtr="0" anchor="t" bIns="91425" lIns="91425" rIns="91425" tIns="91425">
             <a:noAutofit/>
           </a:bodyPr>
           <a:lstStyle/>
@@ -708,7 +708,7 @@
 </file>
 
 <file path=ppt/notesSlides/notesSlide12.xml><?xml version="1.0" encoding="utf-8"?>
-<p:notes xmlns:a="http://schemas.openxmlformats.org/drawingml/2006/main" xmlns:r="http://schemas.openxmlformats.org/officeDocument/2006/relationships" xmlns:mc="http://schemas.openxmlformats.org/markup-compatibility/2006" xmlns:mv="urn:schemas-microsoft-com:mac:vml" xmlns:p="http://schemas.openxmlformats.org/presentationml/2006/main" xmlns:c="http://schemas.openxmlformats.org/drawingml/2006/chart" xmlns:dgm="http://schemas.openxmlformats.org/drawingml/2006/diagram" xmlns:o="urn:schemas-microsoft-com:office:office" xmlns:v="urn:schemas-microsoft-com:vml" xmlns:pvml="urn:schemas-microsoft-com:office:powerpoint" xmlns:com="http://schemas.openxmlformats.org/drawingml/2006/compatibility" xmlns:p14="http://schemas.microsoft.com/office/powerpoint/2010/main" showMasterSp="0" showMasterPhAnim="0">
+<p:notes xmlns:a="http://schemas.openxmlformats.org/drawingml/2006/main" xmlns:r="http://schemas.openxmlformats.org/officeDocument/2006/relationships" xmlns:mc="http://schemas.openxmlformats.org/markup-compatibility/2006" xmlns:mv="urn:schemas-microsoft-com:mac:vml" xmlns:p="http://schemas.openxmlformats.org/presentationml/2006/main" xmlns:c="http://schemas.openxmlformats.org/drawingml/2006/chart" xmlns:dgm="http://schemas.openxmlformats.org/drawingml/2006/diagram" xmlns:o="urn:schemas-microsoft-com:office:office" xmlns:v="urn:schemas-microsoft-com:vml" xmlns:pvml="urn:schemas-microsoft-com:office:powerpoint" xmlns:com="http://schemas.openxmlformats.org/drawingml/2006/compatibility" xmlns:p14="http://schemas.microsoft.com/office/powerpoint/2010/main" showMasterPhAnim="0" showMasterSp="0">
   <p:cSld>
     <p:spTree>
       <p:nvGrpSpPr>
@@ -718,10 +718,10 @@
       </p:nvGrpSpPr>
       <p:grpSpPr>
         <a:xfrm>
-          <a:off y="0" x="0"/>
-          <a:ext cy="0" cx="0"/>
-          <a:chOff y="0" x="0"/>
-          <a:chExt cy="0" cx="0"/>
+          <a:off x="0" y="0"/>
+          <a:ext cx="0" cy="0"/>
+          <a:chOff x="0" y="0"/>
+          <a:chExt cx="0" cy="0"/>
         </a:xfrm>
       </p:grpSpPr>
       <p:sp>
@@ -734,37 +734,37 @@
         </p:nvSpPr>
         <p:spPr>
           <a:xfrm>
-            <a:off y="685800" x="381187"/>
-            <a:ext cy="3429000" cx="6096299"/>
+            <a:off x="381187" y="685800"/>
+            <a:ext cx="6096299" cy="3429000"/>
           </a:xfrm>
           <a:custGeom>
             <a:pathLst>
-              <a:path w="120000" extrusionOk="0" h="120000">
+              <a:path extrusionOk="0" h="120000" w="120000">
                 <a:moveTo>
-                  <a:pt y="0" x="0"/>
+                  <a:pt x="0" y="0"/>
                 </a:moveTo>
                 <a:lnTo>
-                  <a:pt y="0" x="120000"/>
+                  <a:pt x="120000" y="0"/>
                 </a:lnTo>
                 <a:lnTo>
-                  <a:pt y="120000" x="120000"/>
+                  <a:pt x="120000" y="120000"/>
                 </a:lnTo>
                 <a:lnTo>
-                  <a:pt y="120000" x="0"/>
+                  <a:pt x="0" y="120000"/>
                 </a:lnTo>
                 <a:close/>
               </a:path>
             </a:pathLst>
           </a:custGeom>
           <a:noFill/>
-          <a:ln w="9525" cap="flat">
+          <a:ln cap="flat" cmpd="sng" w="9525">
             <a:solidFill>
               <a:srgbClr val="000000"/>
             </a:solidFill>
             <a:prstDash val="solid"/>
             <a:round/>
-            <a:headEnd w="med" len="med" type="none"/>
-            <a:tailEnd w="med" len="med" type="none"/>
+            <a:headEnd len="med" w="med" type="none"/>
+            <a:tailEnd len="med" w="med" type="none"/>
           </a:ln>
         </p:spPr>
       </p:sp>
@@ -778,15 +778,15 @@
         </p:nvSpPr>
         <p:spPr>
           <a:xfrm>
-            <a:off y="4343400" x="685800"/>
-            <a:ext cy="4114800" cx="5486399"/>
+            <a:off x="685800" y="4343400"/>
+            <a:ext cx="5486399" cy="4114800"/>
           </a:xfrm>
           <a:prstGeom prst="rect">
             <a:avLst/>
           </a:prstGeom>
         </p:spPr>
         <p:txBody>
-          <a:bodyPr bIns="91425" rIns="91425" lIns="91425" tIns="91425" anchor="t" anchorCtr="0">
+          <a:bodyPr anchorCtr="0" anchor="t" bIns="91425" lIns="91425" rIns="91425" tIns="91425">
             <a:noAutofit/>
           </a:bodyPr>
           <a:lstStyle/>
@@ -813,7 +813,7 @@
 </file>
 
 <file path=ppt/notesSlides/notesSlide13.xml><?xml version="1.0" encoding="utf-8"?>
-<p:notes xmlns:a="http://schemas.openxmlformats.org/drawingml/2006/main" xmlns:r="http://schemas.openxmlformats.org/officeDocument/2006/relationships" xmlns:mc="http://schemas.openxmlformats.org/markup-compatibility/2006" xmlns:mv="urn:schemas-microsoft-com:mac:vml" xmlns:p="http://schemas.openxmlformats.org/presentationml/2006/main" xmlns:c="http://schemas.openxmlformats.org/drawingml/2006/chart" xmlns:dgm="http://schemas.openxmlformats.org/drawingml/2006/diagram" xmlns:o="urn:schemas-microsoft-com:office:office" xmlns:v="urn:schemas-microsoft-com:vml" xmlns:pvml="urn:schemas-microsoft-com:office:powerpoint" xmlns:com="http://schemas.openxmlformats.org/drawingml/2006/compatibility" xmlns:p14="http://schemas.microsoft.com/office/powerpoint/2010/main" showMasterSp="0" showMasterPhAnim="0">
+<p:notes xmlns:a="http://schemas.openxmlformats.org/drawingml/2006/main" xmlns:r="http://schemas.openxmlformats.org/officeDocument/2006/relationships" xmlns:mc="http://schemas.openxmlformats.org/markup-compatibility/2006" xmlns:mv="urn:schemas-microsoft-com:mac:vml" xmlns:p="http://schemas.openxmlformats.org/presentationml/2006/main" xmlns:c="http://schemas.openxmlformats.org/drawingml/2006/chart" xmlns:dgm="http://schemas.openxmlformats.org/drawingml/2006/diagram" xmlns:o="urn:schemas-microsoft-com:office:office" xmlns:v="urn:schemas-microsoft-com:vml" xmlns:pvml="urn:schemas-microsoft-com:office:powerpoint" xmlns:com="http://schemas.openxmlformats.org/drawingml/2006/compatibility" xmlns:p14="http://schemas.microsoft.com/office/powerpoint/2010/main" showMasterPhAnim="0" showMasterSp="0">
   <p:cSld>
     <p:spTree>
       <p:nvGrpSpPr>
@@ -823,10 +823,10 @@
       </p:nvGrpSpPr>
       <p:grpSpPr>
         <a:xfrm>
-          <a:off y="0" x="0"/>
-          <a:ext cy="0" cx="0"/>
-          <a:chOff y="0" x="0"/>
-          <a:chExt cy="0" cx="0"/>
+          <a:off x="0" y="0"/>
+          <a:ext cx="0" cy="0"/>
+          <a:chOff x="0" y="0"/>
+          <a:chExt cx="0" cy="0"/>
         </a:xfrm>
       </p:grpSpPr>
       <p:sp>
@@ -839,37 +839,37 @@
         </p:nvSpPr>
         <p:spPr>
           <a:xfrm>
-            <a:off y="685800" x="381187"/>
-            <a:ext cy="3429000" cx="6096299"/>
+            <a:off x="381187" y="685800"/>
+            <a:ext cx="6096299" cy="3429000"/>
           </a:xfrm>
           <a:custGeom>
             <a:pathLst>
-              <a:path w="120000" extrusionOk="0" h="120000">
+              <a:path extrusionOk="0" h="120000" w="120000">
                 <a:moveTo>
-                  <a:pt y="0" x="0"/>
+                  <a:pt x="0" y="0"/>
                 </a:moveTo>
                 <a:lnTo>
-                  <a:pt y="0" x="120000"/>
+                  <a:pt x="120000" y="0"/>
                 </a:lnTo>
                 <a:lnTo>
-                  <a:pt y="120000" x="120000"/>
+                  <a:pt x="120000" y="120000"/>
                 </a:lnTo>
                 <a:lnTo>
-                  <a:pt y="120000" x="0"/>
+                  <a:pt x="0" y="120000"/>
                 </a:lnTo>
                 <a:close/>
               </a:path>
             </a:pathLst>
           </a:custGeom>
           <a:noFill/>
-          <a:ln w="9525" cap="flat">
+          <a:ln cap="flat" cmpd="sng" w="9525">
             <a:solidFill>
               <a:srgbClr val="000000"/>
             </a:solidFill>
             <a:prstDash val="solid"/>
             <a:round/>
-            <a:headEnd w="med" len="med" type="none"/>
-            <a:tailEnd w="med" len="med" type="none"/>
+            <a:headEnd len="med" w="med" type="none"/>
+            <a:tailEnd len="med" w="med" type="none"/>
           </a:ln>
         </p:spPr>
       </p:sp>
@@ -883,15 +883,15 @@
         </p:nvSpPr>
         <p:spPr>
           <a:xfrm>
-            <a:off y="4343400" x="685800"/>
-            <a:ext cy="4114800" cx="5486399"/>
+            <a:off x="685800" y="4343400"/>
+            <a:ext cx="5486399" cy="4114800"/>
           </a:xfrm>
           <a:prstGeom prst="rect">
             <a:avLst/>
           </a:prstGeom>
         </p:spPr>
         <p:txBody>
-          <a:bodyPr bIns="91425" rIns="91425" lIns="91425" tIns="91425" anchor="t" anchorCtr="0">
+          <a:bodyPr anchorCtr="0" anchor="t" bIns="91425" lIns="91425" rIns="91425" tIns="91425">
             <a:noAutofit/>
           </a:bodyPr>
           <a:lstStyle/>
@@ -918,7 +918,7 @@
 </file>
 
 <file path=ppt/notesSlides/notesSlide14.xml><?xml version="1.0" encoding="utf-8"?>
-<p:notes xmlns:a="http://schemas.openxmlformats.org/drawingml/2006/main" xmlns:r="http://schemas.openxmlformats.org/officeDocument/2006/relationships" xmlns:mc="http://schemas.openxmlformats.org/markup-compatibility/2006" xmlns:mv="urn:schemas-microsoft-com:mac:vml" xmlns:p="http://schemas.openxmlformats.org/presentationml/2006/main" xmlns:c="http://schemas.openxmlformats.org/drawingml/2006/chart" xmlns:dgm="http://schemas.openxmlformats.org/drawingml/2006/diagram" xmlns:o="urn:schemas-microsoft-com:office:office" xmlns:v="urn:schemas-microsoft-com:vml" xmlns:pvml="urn:schemas-microsoft-com:office:powerpoint" xmlns:com="http://schemas.openxmlformats.org/drawingml/2006/compatibility" xmlns:p14="http://schemas.microsoft.com/office/powerpoint/2010/main" showMasterSp="0" showMasterPhAnim="0">
+<p:notes xmlns:a="http://schemas.openxmlformats.org/drawingml/2006/main" xmlns:r="http://schemas.openxmlformats.org/officeDocument/2006/relationships" xmlns:mc="http://schemas.openxmlformats.org/markup-compatibility/2006" xmlns:mv="urn:schemas-microsoft-com:mac:vml" xmlns:p="http://schemas.openxmlformats.org/presentationml/2006/main" xmlns:c="http://schemas.openxmlformats.org/drawingml/2006/chart" xmlns:dgm="http://schemas.openxmlformats.org/drawingml/2006/diagram" xmlns:o="urn:schemas-microsoft-com:office:office" xmlns:v="urn:schemas-microsoft-com:vml" xmlns:pvml="urn:schemas-microsoft-com:office:powerpoint" xmlns:com="http://schemas.openxmlformats.org/drawingml/2006/compatibility" xmlns:p14="http://schemas.microsoft.com/office/powerpoint/2010/main" showMasterPhAnim="0" showMasterSp="0">
   <p:cSld>
     <p:spTree>
       <p:nvGrpSpPr>
@@ -928,10 +928,10 @@
       </p:nvGrpSpPr>
       <p:grpSpPr>
         <a:xfrm>
-          <a:off y="0" x="0"/>
-          <a:ext cy="0" cx="0"/>
-          <a:chOff y="0" x="0"/>
-          <a:chExt cy="0" cx="0"/>
+          <a:off x="0" y="0"/>
+          <a:ext cx="0" cy="0"/>
+          <a:chOff x="0" y="0"/>
+          <a:chExt cx="0" cy="0"/>
         </a:xfrm>
       </p:grpSpPr>
       <p:sp>
@@ -944,37 +944,37 @@
         </p:nvSpPr>
         <p:spPr>
           <a:xfrm>
-            <a:off y="685800" x="381187"/>
-            <a:ext cy="3429000" cx="6096299"/>
+            <a:off x="381187" y="685800"/>
+            <a:ext cx="6096299" cy="3429000"/>
           </a:xfrm>
           <a:custGeom>
             <a:pathLst>
-              <a:path w="120000" extrusionOk="0" h="120000">
+              <a:path extrusionOk="0" h="120000" w="120000">
                 <a:moveTo>
-                  <a:pt y="0" x="0"/>
+                  <a:pt x="0" y="0"/>
                 </a:moveTo>
                 <a:lnTo>
-                  <a:pt y="0" x="120000"/>
+                  <a:pt x="120000" y="0"/>
                 </a:lnTo>
                 <a:lnTo>
-                  <a:pt y="120000" x="120000"/>
+                  <a:pt x="120000" y="120000"/>
                 </a:lnTo>
                 <a:lnTo>
-                  <a:pt y="120000" x="0"/>
+                  <a:pt x="0" y="120000"/>
                 </a:lnTo>
                 <a:close/>
               </a:path>
             </a:pathLst>
           </a:custGeom>
           <a:noFill/>
-          <a:ln w="9525" cap="flat">
+          <a:ln cap="flat" cmpd="sng" w="9525">
             <a:solidFill>
               <a:srgbClr val="000000"/>
             </a:solidFill>
             <a:prstDash val="solid"/>
             <a:round/>
-            <a:headEnd w="med" len="med" type="none"/>
-            <a:tailEnd w="med" len="med" type="none"/>
+            <a:headEnd len="med" w="med" type="none"/>
+            <a:tailEnd len="med" w="med" type="none"/>
           </a:ln>
         </p:spPr>
       </p:sp>
@@ -988,15 +988,15 @@
         </p:nvSpPr>
         <p:spPr>
           <a:xfrm>
-            <a:off y="4343400" x="685800"/>
-            <a:ext cy="4114800" cx="5486399"/>
+            <a:off x="685800" y="4343400"/>
+            <a:ext cx="5486399" cy="4114800"/>
           </a:xfrm>
           <a:prstGeom prst="rect">
             <a:avLst/>
           </a:prstGeom>
         </p:spPr>
         <p:txBody>
-          <a:bodyPr bIns="91425" rIns="91425" lIns="91425" tIns="91425" anchor="t" anchorCtr="0">
+          <a:bodyPr anchorCtr="0" anchor="t" bIns="91425" lIns="91425" rIns="91425" tIns="91425">
             <a:noAutofit/>
           </a:bodyPr>
           <a:lstStyle/>
@@ -1023,7 +1023,7 @@
 </file>
 
 <file path=ppt/notesSlides/notesSlide15.xml><?xml version="1.0" encoding="utf-8"?>
-<p:notes xmlns:a="http://schemas.openxmlformats.org/drawingml/2006/main" xmlns:r="http://schemas.openxmlformats.org/officeDocument/2006/relationships" xmlns:mc="http://schemas.openxmlformats.org/markup-compatibility/2006" xmlns:mv="urn:schemas-microsoft-com:mac:vml" xmlns:p="http://schemas.openxmlformats.org/presentationml/2006/main" xmlns:c="http://schemas.openxmlformats.org/drawingml/2006/chart" xmlns:dgm="http://schemas.openxmlformats.org/drawingml/2006/diagram" xmlns:o="urn:schemas-microsoft-com:office:office" xmlns:v="urn:schemas-microsoft-com:vml" xmlns:pvml="urn:schemas-microsoft-com:office:powerpoint" xmlns:com="http://schemas.openxmlformats.org/drawingml/2006/compatibility" xmlns:p14="http://schemas.microsoft.com/office/powerpoint/2010/main" showMasterSp="0" showMasterPhAnim="0">
+<p:notes xmlns:a="http://schemas.openxmlformats.org/drawingml/2006/main" xmlns:r="http://schemas.openxmlformats.org/officeDocument/2006/relationships" xmlns:mc="http://schemas.openxmlformats.org/markup-compatibility/2006" xmlns:mv="urn:schemas-microsoft-com:mac:vml" xmlns:p="http://schemas.openxmlformats.org/presentationml/2006/main" xmlns:c="http://schemas.openxmlformats.org/drawingml/2006/chart" xmlns:dgm="http://schemas.openxmlformats.org/drawingml/2006/diagram" xmlns:o="urn:schemas-microsoft-com:office:office" xmlns:v="urn:schemas-microsoft-com:vml" xmlns:pvml="urn:schemas-microsoft-com:office:powerpoint" xmlns:com="http://schemas.openxmlformats.org/drawingml/2006/compatibility" xmlns:p14="http://schemas.microsoft.com/office/powerpoint/2010/main" showMasterPhAnim="0" showMasterSp="0">
   <p:cSld>
     <p:spTree>
       <p:nvGrpSpPr>
@@ -1033,10 +1033,10 @@
       </p:nvGrpSpPr>
       <p:grpSpPr>
         <a:xfrm>
-          <a:off y="0" x="0"/>
-          <a:ext cy="0" cx="0"/>
-          <a:chOff y="0" x="0"/>
-          <a:chExt cy="0" cx="0"/>
+          <a:off x="0" y="0"/>
+          <a:ext cx="0" cy="0"/>
+          <a:chOff x="0" y="0"/>
+          <a:chExt cx="0" cy="0"/>
         </a:xfrm>
       </p:grpSpPr>
       <p:sp>
@@ -1049,37 +1049,37 @@
         </p:nvSpPr>
         <p:spPr>
           <a:xfrm>
-            <a:off y="685800" x="381187"/>
-            <a:ext cy="3429000" cx="6096299"/>
+            <a:off x="381187" y="685800"/>
+            <a:ext cx="6096299" cy="3429000"/>
           </a:xfrm>
           <a:custGeom>
             <a:pathLst>
-              <a:path w="120000" extrusionOk="0" h="120000">
+              <a:path extrusionOk="0" h="120000" w="120000">
                 <a:moveTo>
-                  <a:pt y="0" x="0"/>
+                  <a:pt x="0" y="0"/>
                 </a:moveTo>
                 <a:lnTo>
-                  <a:pt y="0" x="120000"/>
+                  <a:pt x="120000" y="0"/>
                 </a:lnTo>
                 <a:lnTo>
-                  <a:pt y="120000" x="120000"/>
+                  <a:pt x="120000" y="120000"/>
                 </a:lnTo>
                 <a:lnTo>
-                  <a:pt y="120000" x="0"/>
+                  <a:pt x="0" y="120000"/>
                 </a:lnTo>
                 <a:close/>
               </a:path>
             </a:pathLst>
           </a:custGeom>
           <a:noFill/>
-          <a:ln w="9525" cap="flat">
+          <a:ln cap="flat" cmpd="sng" w="9525">
             <a:solidFill>
               <a:srgbClr val="000000"/>
             </a:solidFill>
             <a:prstDash val="solid"/>
             <a:round/>
-            <a:headEnd w="med" len="med" type="none"/>
-            <a:tailEnd w="med" len="med" type="none"/>
+            <a:headEnd len="med" w="med" type="none"/>
+            <a:tailEnd len="med" w="med" type="none"/>
           </a:ln>
         </p:spPr>
       </p:sp>
@@ -1093,15 +1093,15 @@
         </p:nvSpPr>
         <p:spPr>
           <a:xfrm>
-            <a:off y="4343400" x="685800"/>
-            <a:ext cy="4114800" cx="5486399"/>
+            <a:off x="685800" y="4343400"/>
+            <a:ext cx="5486399" cy="4114800"/>
           </a:xfrm>
           <a:prstGeom prst="rect">
             <a:avLst/>
           </a:prstGeom>
         </p:spPr>
         <p:txBody>
-          <a:bodyPr bIns="91425" rIns="91425" lIns="91425" tIns="91425" anchor="t" anchorCtr="0">
+          <a:bodyPr anchorCtr="0" anchor="t" bIns="91425" lIns="91425" rIns="91425" tIns="91425">
             <a:noAutofit/>
           </a:bodyPr>
           <a:lstStyle/>
@@ -1128,7 +1128,7 @@
 </file>
 
 <file path=ppt/notesSlides/notesSlide16.xml><?xml version="1.0" encoding="utf-8"?>
-<p:notes xmlns:a="http://schemas.openxmlformats.org/drawingml/2006/main" xmlns:r="http://schemas.openxmlformats.org/officeDocument/2006/relationships" xmlns:mc="http://schemas.openxmlformats.org/markup-compatibility/2006" xmlns:mv="urn:schemas-microsoft-com:mac:vml" xmlns:p="http://schemas.openxmlformats.org/presentationml/2006/main" xmlns:c="http://schemas.openxmlformats.org/drawingml/2006/chart" xmlns:dgm="http://schemas.openxmlformats.org/drawingml/2006/diagram" xmlns:o="urn:schemas-microsoft-com:office:office" xmlns:v="urn:schemas-microsoft-com:vml" xmlns:pvml="urn:schemas-microsoft-com:office:powerpoint" xmlns:com="http://schemas.openxmlformats.org/drawingml/2006/compatibility" xmlns:p14="http://schemas.microsoft.com/office/powerpoint/2010/main" showMasterSp="0" showMasterPhAnim="0">
+<p:notes xmlns:a="http://schemas.openxmlformats.org/drawingml/2006/main" xmlns:r="http://schemas.openxmlformats.org/officeDocument/2006/relationships" xmlns:mc="http://schemas.openxmlformats.org/markup-compatibility/2006" xmlns:mv="urn:schemas-microsoft-com:mac:vml" xmlns:p="http://schemas.openxmlformats.org/presentationml/2006/main" xmlns:c="http://schemas.openxmlformats.org/drawingml/2006/chart" xmlns:dgm="http://schemas.openxmlformats.org/drawingml/2006/diagram" xmlns:o="urn:schemas-microsoft-com:office:office" xmlns:v="urn:schemas-microsoft-com:vml" xmlns:pvml="urn:schemas-microsoft-com:office:powerpoint" xmlns:com="http://schemas.openxmlformats.org/drawingml/2006/compatibility" xmlns:p14="http://schemas.microsoft.com/office/powerpoint/2010/main" showMasterPhAnim="0" showMasterSp="0">
   <p:cSld>
     <p:spTree>
       <p:nvGrpSpPr>
@@ -1138,10 +1138,10 @@
       </p:nvGrpSpPr>
       <p:grpSpPr>
         <a:xfrm>
-          <a:off y="0" x="0"/>
-          <a:ext cy="0" cx="0"/>
-          <a:chOff y="0" x="0"/>
-          <a:chExt cy="0" cx="0"/>
+          <a:off x="0" y="0"/>
+          <a:ext cx="0" cy="0"/>
+          <a:chOff x="0" y="0"/>
+          <a:chExt cx="0" cy="0"/>
         </a:xfrm>
       </p:grpSpPr>
       <p:sp>
@@ -1154,37 +1154,37 @@
         </p:nvSpPr>
         <p:spPr>
           <a:xfrm>
-            <a:off y="685800" x="381187"/>
-            <a:ext cy="3429000" cx="6096299"/>
+            <a:off x="381187" y="685800"/>
+            <a:ext cx="6096299" cy="3429000"/>
           </a:xfrm>
           <a:custGeom>
             <a:pathLst>
-              <a:path w="120000" extrusionOk="0" h="120000">
+              <a:path extrusionOk="0" h="120000" w="120000">
                 <a:moveTo>
-                  <a:pt y="0" x="0"/>
+                  <a:pt x="0" y="0"/>
                 </a:moveTo>
                 <a:lnTo>
-                  <a:pt y="0" x="120000"/>
+                  <a:pt x="120000" y="0"/>
                 </a:lnTo>
                 <a:lnTo>
-                  <a:pt y="120000" x="120000"/>
+                  <a:pt x="120000" y="120000"/>
                 </a:lnTo>
                 <a:lnTo>
-                  <a:pt y="120000" x="0"/>
+                  <a:pt x="0" y="120000"/>
                 </a:lnTo>
                 <a:close/>
               </a:path>
             </a:pathLst>
           </a:custGeom>
           <a:noFill/>
-          <a:ln w="9525" cap="flat">
+          <a:ln cap="flat" cmpd="sng" w="9525">
             <a:solidFill>
               <a:srgbClr val="000000"/>
             </a:solidFill>
             <a:prstDash val="solid"/>
             <a:round/>
-            <a:headEnd w="med" len="med" type="none"/>
-            <a:tailEnd w="med" len="med" type="none"/>
+            <a:headEnd len="med" w="med" type="none"/>
+            <a:tailEnd len="med" w="med" type="none"/>
           </a:ln>
         </p:spPr>
       </p:sp>
@@ -1198,15 +1198,15 @@
         </p:nvSpPr>
         <p:spPr>
           <a:xfrm>
-            <a:off y="4343400" x="685800"/>
-            <a:ext cy="4114800" cx="5486399"/>
+            <a:off x="685800" y="4343400"/>
+            <a:ext cx="5486399" cy="4114800"/>
           </a:xfrm>
           <a:prstGeom prst="rect">
             <a:avLst/>
           </a:prstGeom>
         </p:spPr>
         <p:txBody>
-          <a:bodyPr bIns="91425" rIns="91425" lIns="91425" tIns="91425" anchor="t" anchorCtr="0">
+          <a:bodyPr anchorCtr="0" anchor="t" bIns="91425" lIns="91425" rIns="91425" tIns="91425">
             <a:noAutofit/>
           </a:bodyPr>
           <a:lstStyle/>
@@ -1233,7 +1233,7 @@
 </file>
 
 <file path=ppt/notesSlides/notesSlide17.xml><?xml version="1.0" encoding="utf-8"?>
-<p:notes xmlns:a="http://schemas.openxmlformats.org/drawingml/2006/main" xmlns:r="http://schemas.openxmlformats.org/officeDocument/2006/relationships" xmlns:mc="http://schemas.openxmlformats.org/markup-compatibility/2006" xmlns:mv="urn:schemas-microsoft-com:mac:vml" xmlns:p="http://schemas.openxmlformats.org/presentationml/2006/main" xmlns:c="http://schemas.openxmlformats.org/drawingml/2006/chart" xmlns:dgm="http://schemas.openxmlformats.org/drawingml/2006/diagram" xmlns:o="urn:schemas-microsoft-com:office:office" xmlns:v="urn:schemas-microsoft-com:vml" xmlns:pvml="urn:schemas-microsoft-com:office:powerpoint" xmlns:com="http://schemas.openxmlformats.org/drawingml/2006/compatibility" xmlns:p14="http://schemas.microsoft.com/office/powerpoint/2010/main" showMasterSp="0" showMasterPhAnim="0">
+<p:notes xmlns:a="http://schemas.openxmlformats.org/drawingml/2006/main" xmlns:r="http://schemas.openxmlformats.org/officeDocument/2006/relationships" xmlns:mc="http://schemas.openxmlformats.org/markup-compatibility/2006" xmlns:mv="urn:schemas-microsoft-com:mac:vml" xmlns:p="http://schemas.openxmlformats.org/presentationml/2006/main" xmlns:c="http://schemas.openxmlformats.org/drawingml/2006/chart" xmlns:dgm="http://schemas.openxmlformats.org/drawingml/2006/diagram" xmlns:o="urn:schemas-microsoft-com:office:office" xmlns:v="urn:schemas-microsoft-com:vml" xmlns:pvml="urn:schemas-microsoft-com:office:powerpoint" xmlns:com="http://schemas.openxmlformats.org/drawingml/2006/compatibility" xmlns:p14="http://schemas.microsoft.com/office/powerpoint/2010/main" showMasterPhAnim="0" showMasterSp="0">
   <p:cSld>
     <p:spTree>
       <p:nvGrpSpPr>
@@ -1243,10 +1243,10 @@
       </p:nvGrpSpPr>
       <p:grpSpPr>
         <a:xfrm>
-          <a:off y="0" x="0"/>
-          <a:ext cy="0" cx="0"/>
-          <a:chOff y="0" x="0"/>
-          <a:chExt cy="0" cx="0"/>
+          <a:off x="0" y="0"/>
+          <a:ext cx="0" cy="0"/>
+          <a:chOff x="0" y="0"/>
+          <a:chExt cx="0" cy="0"/>
         </a:xfrm>
       </p:grpSpPr>
       <p:sp>
@@ -1259,37 +1259,37 @@
         </p:nvSpPr>
         <p:spPr>
           <a:xfrm>
-            <a:off y="685800" x="381187"/>
-            <a:ext cy="3429000" cx="6096299"/>
+            <a:off x="381187" y="685800"/>
+            <a:ext cx="6096299" cy="3429000"/>
           </a:xfrm>
           <a:custGeom>
             <a:pathLst>
-              <a:path w="120000" extrusionOk="0" h="120000">
+              <a:path extrusionOk="0" h="120000" w="120000">
                 <a:moveTo>
-                  <a:pt y="0" x="0"/>
+                  <a:pt x="0" y="0"/>
                 </a:moveTo>
                 <a:lnTo>
-                  <a:pt y="0" x="120000"/>
+                  <a:pt x="120000" y="0"/>
                 </a:lnTo>
                 <a:lnTo>
-                  <a:pt y="120000" x="120000"/>
+                  <a:pt x="120000" y="120000"/>
                 </a:lnTo>
                 <a:lnTo>
-                  <a:pt y="120000" x="0"/>
+                  <a:pt x="0" y="120000"/>
                 </a:lnTo>
                 <a:close/>
               </a:path>
             </a:pathLst>
           </a:custGeom>
           <a:noFill/>
-          <a:ln w="9525" cap="flat">
+          <a:ln cap="flat" cmpd="sng" w="9525">
             <a:solidFill>
               <a:srgbClr val="000000"/>
             </a:solidFill>
             <a:prstDash val="solid"/>
             <a:round/>
-            <a:headEnd w="med" len="med" type="none"/>
-            <a:tailEnd w="med" len="med" type="none"/>
+            <a:headEnd len="med" w="med" type="none"/>
+            <a:tailEnd len="med" w="med" type="none"/>
           </a:ln>
         </p:spPr>
       </p:sp>
@@ -1303,15 +1303,15 @@
         </p:nvSpPr>
         <p:spPr>
           <a:xfrm>
-            <a:off y="4343400" x="685800"/>
-            <a:ext cy="4114800" cx="5486399"/>
+            <a:off x="685800" y="4343400"/>
+            <a:ext cx="5486399" cy="4114800"/>
           </a:xfrm>
           <a:prstGeom prst="rect">
             <a:avLst/>
           </a:prstGeom>
         </p:spPr>
         <p:txBody>
-          <a:bodyPr bIns="91425" rIns="91425" lIns="91425" tIns="91425" anchor="t" anchorCtr="0">
+          <a:bodyPr anchorCtr="0" anchor="t" bIns="91425" lIns="91425" rIns="91425" tIns="91425">
             <a:noAutofit/>
           </a:bodyPr>
           <a:lstStyle/>
@@ -1338,7 +1338,7 @@
 </file>
 
 <file path=ppt/notesSlides/notesSlide2.xml><?xml version="1.0" encoding="utf-8"?>
-<p:notes xmlns:a="http://schemas.openxmlformats.org/drawingml/2006/main" xmlns:r="http://schemas.openxmlformats.org/officeDocument/2006/relationships" xmlns:mc="http://schemas.openxmlformats.org/markup-compatibility/2006" xmlns:mv="urn:schemas-microsoft-com:mac:vml" xmlns:p="http://schemas.openxmlformats.org/presentationml/2006/main" xmlns:c="http://schemas.openxmlformats.org/drawingml/2006/chart" xmlns:dgm="http://schemas.openxmlformats.org/drawingml/2006/diagram" xmlns:o="urn:schemas-microsoft-com:office:office" xmlns:v="urn:schemas-microsoft-com:vml" xmlns:pvml="urn:schemas-microsoft-com:office:powerpoint" xmlns:com="http://schemas.openxmlformats.org/drawingml/2006/compatibility" xmlns:p14="http://schemas.microsoft.com/office/powerpoint/2010/main" showMasterSp="0" showMasterPhAnim="0">
+<p:notes xmlns:a="http://schemas.openxmlformats.org/drawingml/2006/main" xmlns:r="http://schemas.openxmlformats.org/officeDocument/2006/relationships" xmlns:mc="http://schemas.openxmlformats.org/markup-compatibility/2006" xmlns:mv="urn:schemas-microsoft-com:mac:vml" xmlns:p="http://schemas.openxmlformats.org/presentationml/2006/main" xmlns:c="http://schemas.openxmlformats.org/drawingml/2006/chart" xmlns:dgm="http://schemas.openxmlformats.org/drawingml/2006/diagram" xmlns:o="urn:schemas-microsoft-com:office:office" xmlns:v="urn:schemas-microsoft-com:vml" xmlns:pvml="urn:schemas-microsoft-com:office:powerpoint" xmlns:com="http://schemas.openxmlformats.org/drawingml/2006/compatibility" xmlns:p14="http://schemas.microsoft.com/office/powerpoint/2010/main" showMasterPhAnim="0" showMasterSp="0">
   <p:cSld>
     <p:spTree>
       <p:nvGrpSpPr>
@@ -1348,10 +1348,10 @@
       </p:nvGrpSpPr>
       <p:grpSpPr>
         <a:xfrm>
-          <a:off y="0" x="0"/>
-          <a:ext cy="0" cx="0"/>
-          <a:chOff y="0" x="0"/>
-          <a:chExt cy="0" cx="0"/>
+          <a:off x="0" y="0"/>
+          <a:ext cx="0" cy="0"/>
+          <a:chOff x="0" y="0"/>
+          <a:chExt cx="0" cy="0"/>
         </a:xfrm>
       </p:grpSpPr>
       <p:sp>
@@ -1364,37 +1364,37 @@
         </p:nvSpPr>
         <p:spPr>
           <a:xfrm>
-            <a:off y="685800" x="381187"/>
-            <a:ext cy="3429000" cx="6096299"/>
+            <a:off x="381187" y="685800"/>
+            <a:ext cx="6096299" cy="3429000"/>
           </a:xfrm>
           <a:custGeom>
             <a:pathLst>
-              <a:path w="120000" extrusionOk="0" h="120000">
+              <a:path extrusionOk="0" h="120000" w="120000">
                 <a:moveTo>
-                  <a:pt y="0" x="0"/>
+                  <a:pt x="0" y="0"/>
                 </a:moveTo>
                 <a:lnTo>
-                  <a:pt y="0" x="120000"/>
+                  <a:pt x="120000" y="0"/>
                 </a:lnTo>
                 <a:lnTo>
-                  <a:pt y="120000" x="120000"/>
+                  <a:pt x="120000" y="120000"/>
                 </a:lnTo>
                 <a:lnTo>
-                  <a:pt y="120000" x="0"/>
+                  <a:pt x="0" y="120000"/>
                 </a:lnTo>
                 <a:close/>
               </a:path>
             </a:pathLst>
           </a:custGeom>
           <a:noFill/>
-          <a:ln w="9525" cap="flat">
+          <a:ln cap="flat" cmpd="sng" w="9525">
             <a:solidFill>
               <a:srgbClr val="000000"/>
             </a:solidFill>
             <a:prstDash val="solid"/>
             <a:round/>
-            <a:headEnd w="med" len="med" type="none"/>
-            <a:tailEnd w="med" len="med" type="none"/>
+            <a:headEnd len="med" w="med" type="none"/>
+            <a:tailEnd len="med" w="med" type="none"/>
           </a:ln>
         </p:spPr>
       </p:sp>
@@ -1408,15 +1408,15 @@
         </p:nvSpPr>
         <p:spPr>
           <a:xfrm>
-            <a:off y="4343400" x="685800"/>
-            <a:ext cy="4114800" cx="5486399"/>
+            <a:off x="685800" y="4343400"/>
+            <a:ext cx="5486399" cy="4114800"/>
           </a:xfrm>
           <a:prstGeom prst="rect">
             <a:avLst/>
           </a:prstGeom>
         </p:spPr>
         <p:txBody>
-          <a:bodyPr bIns="91425" rIns="91425" lIns="91425" tIns="91425" anchor="t" anchorCtr="0">
+          <a:bodyPr anchorCtr="0" anchor="t" bIns="91425" lIns="91425" rIns="91425" tIns="91425">
             <a:noAutofit/>
           </a:bodyPr>
           <a:lstStyle/>
@@ -1443,7 +1443,7 @@
 </file>
 
 <file path=ppt/notesSlides/notesSlide3.xml><?xml version="1.0" encoding="utf-8"?>
-<p:notes xmlns:a="http://schemas.openxmlformats.org/drawingml/2006/main" xmlns:r="http://schemas.openxmlformats.org/officeDocument/2006/relationships" xmlns:mc="http://schemas.openxmlformats.org/markup-compatibility/2006" xmlns:mv="urn:schemas-microsoft-com:mac:vml" xmlns:p="http://schemas.openxmlformats.org/presentationml/2006/main" xmlns:c="http://schemas.openxmlformats.org/drawingml/2006/chart" xmlns:dgm="http://schemas.openxmlformats.org/drawingml/2006/diagram" xmlns:o="urn:schemas-microsoft-com:office:office" xmlns:v="urn:schemas-microsoft-com:vml" xmlns:pvml="urn:schemas-microsoft-com:office:powerpoint" xmlns:com="http://schemas.openxmlformats.org/drawingml/2006/compatibility" xmlns:p14="http://schemas.microsoft.com/office/powerpoint/2010/main" showMasterSp="0" showMasterPhAnim="0">
+<p:notes xmlns:a="http://schemas.openxmlformats.org/drawingml/2006/main" xmlns:r="http://schemas.openxmlformats.org/officeDocument/2006/relationships" xmlns:mc="http://schemas.openxmlformats.org/markup-compatibility/2006" xmlns:mv="urn:schemas-microsoft-com:mac:vml" xmlns:p="http://schemas.openxmlformats.org/presentationml/2006/main" xmlns:c="http://schemas.openxmlformats.org/drawingml/2006/chart" xmlns:dgm="http://schemas.openxmlformats.org/drawingml/2006/diagram" xmlns:o="urn:schemas-microsoft-com:office:office" xmlns:v="urn:schemas-microsoft-com:vml" xmlns:pvml="urn:schemas-microsoft-com:office:powerpoint" xmlns:com="http://schemas.openxmlformats.org/drawingml/2006/compatibility" xmlns:p14="http://schemas.microsoft.com/office/powerpoint/2010/main" showMasterPhAnim="0" showMasterSp="0">
   <p:cSld>
     <p:spTree>
       <p:nvGrpSpPr>
@@ -1453,10 +1453,10 @@
       </p:nvGrpSpPr>
       <p:grpSpPr>
         <a:xfrm>
-          <a:off y="0" x="0"/>
-          <a:ext cy="0" cx="0"/>
-          <a:chOff y="0" x="0"/>
-          <a:chExt cy="0" cx="0"/>
+          <a:off x="0" y="0"/>
+          <a:ext cx="0" cy="0"/>
+          <a:chOff x="0" y="0"/>
+          <a:chExt cx="0" cy="0"/>
         </a:xfrm>
       </p:grpSpPr>
       <p:sp>
@@ -1469,37 +1469,37 @@
         </p:nvSpPr>
         <p:spPr>
           <a:xfrm>
-            <a:off y="685800" x="381187"/>
-            <a:ext cy="3429000" cx="6096299"/>
+            <a:off x="381187" y="685800"/>
+            <a:ext cx="6096299" cy="3429000"/>
           </a:xfrm>
           <a:custGeom>
             <a:pathLst>
-              <a:path w="120000" extrusionOk="0" h="120000">
+              <a:path extrusionOk="0" h="120000" w="120000">
                 <a:moveTo>
-                  <a:pt y="0" x="0"/>
+                  <a:pt x="0" y="0"/>
                 </a:moveTo>
                 <a:lnTo>
-                  <a:pt y="0" x="120000"/>
+                  <a:pt x="120000" y="0"/>
                 </a:lnTo>
                 <a:lnTo>
-                  <a:pt y="120000" x="120000"/>
+                  <a:pt x="120000" y="120000"/>
                 </a:lnTo>
                 <a:lnTo>
-                  <a:pt y="120000" x="0"/>
+                  <a:pt x="0" y="120000"/>
                 </a:lnTo>
                 <a:close/>
               </a:path>
             </a:pathLst>
           </a:custGeom>
           <a:noFill/>
-          <a:ln w="9525" cap="flat">
+          <a:ln cap="flat" cmpd="sng" w="9525">
             <a:solidFill>
               <a:srgbClr val="000000"/>
             </a:solidFill>
             <a:prstDash val="solid"/>
             <a:round/>
-            <a:headEnd w="med" len="med" type="none"/>
-            <a:tailEnd w="med" len="med" type="none"/>
+            <a:headEnd len="med" w="med" type="none"/>
+            <a:tailEnd len="med" w="med" type="none"/>
           </a:ln>
         </p:spPr>
       </p:sp>
@@ -1513,15 +1513,15 @@
         </p:nvSpPr>
         <p:spPr>
           <a:xfrm>
-            <a:off y="4343400" x="685800"/>
-            <a:ext cy="4114800" cx="5486399"/>
+            <a:off x="685800" y="4343400"/>
+            <a:ext cx="5486399" cy="4114800"/>
           </a:xfrm>
           <a:prstGeom prst="rect">
             <a:avLst/>
           </a:prstGeom>
         </p:spPr>
         <p:txBody>
-          <a:bodyPr bIns="91425" rIns="91425" lIns="91425" tIns="91425" anchor="t" anchorCtr="0">
+          <a:bodyPr anchorCtr="0" anchor="t" bIns="91425" lIns="91425" rIns="91425" tIns="91425">
             <a:noAutofit/>
           </a:bodyPr>
           <a:lstStyle/>
@@ -1548,7 +1548,7 @@
 </file>
 
 <file path=ppt/notesSlides/notesSlide4.xml><?xml version="1.0" encoding="utf-8"?>
-<p:notes xmlns:a="http://schemas.openxmlformats.org/drawingml/2006/main" xmlns:r="http://schemas.openxmlformats.org/officeDocument/2006/relationships" xmlns:mc="http://schemas.openxmlformats.org/markup-compatibility/2006" xmlns:mv="urn:schemas-microsoft-com:mac:vml" xmlns:p="http://schemas.openxmlformats.org/presentationml/2006/main" xmlns:c="http://schemas.openxmlformats.org/drawingml/2006/chart" xmlns:dgm="http://schemas.openxmlformats.org/drawingml/2006/diagram" xmlns:o="urn:schemas-microsoft-com:office:office" xmlns:v="urn:schemas-microsoft-com:vml" xmlns:pvml="urn:schemas-microsoft-com:office:powerpoint" xmlns:com="http://schemas.openxmlformats.org/drawingml/2006/compatibility" xmlns:p14="http://schemas.microsoft.com/office/powerpoint/2010/main" showMasterSp="0" showMasterPhAnim="0">
+<p:notes xmlns:a="http://schemas.openxmlformats.org/drawingml/2006/main" xmlns:r="http://schemas.openxmlformats.org/officeDocument/2006/relationships" xmlns:mc="http://schemas.openxmlformats.org/markup-compatibility/2006" xmlns:mv="urn:schemas-microsoft-com:mac:vml" xmlns:p="http://schemas.openxmlformats.org/presentationml/2006/main" xmlns:c="http://schemas.openxmlformats.org/drawingml/2006/chart" xmlns:dgm="http://schemas.openxmlformats.org/drawingml/2006/diagram" xmlns:o="urn:schemas-microsoft-com:office:office" xmlns:v="urn:schemas-microsoft-com:vml" xmlns:pvml="urn:schemas-microsoft-com:office:powerpoint" xmlns:com="http://schemas.openxmlformats.org/drawingml/2006/compatibility" xmlns:p14="http://schemas.microsoft.com/office/powerpoint/2010/main" showMasterPhAnim="0" showMasterSp="0">
   <p:cSld>
     <p:spTree>
       <p:nvGrpSpPr>
@@ -1558,10 +1558,10 @@
       </p:nvGrpSpPr>
       <p:grpSpPr>
         <a:xfrm>
-          <a:off y="0" x="0"/>
-          <a:ext cy="0" cx="0"/>
-          <a:chOff y="0" x="0"/>
-          <a:chExt cy="0" cx="0"/>
+          <a:off x="0" y="0"/>
+          <a:ext cx="0" cy="0"/>
+          <a:chOff x="0" y="0"/>
+          <a:chExt cx="0" cy="0"/>
         </a:xfrm>
       </p:grpSpPr>
       <p:sp>
@@ -1574,37 +1574,37 @@
         </p:nvSpPr>
         <p:spPr>
           <a:xfrm>
-            <a:off y="685800" x="381187"/>
-            <a:ext cy="3429000" cx="6096299"/>
+            <a:off x="381187" y="685800"/>
+            <a:ext cx="6096299" cy="3429000"/>
           </a:xfrm>
           <a:custGeom>
             <a:pathLst>
-              <a:path w="120000" extrusionOk="0" h="120000">
+              <a:path extrusionOk="0" h="120000" w="120000">
                 <a:moveTo>
-                  <a:pt y="0" x="0"/>
+                  <a:pt x="0" y="0"/>
                 </a:moveTo>
                 <a:lnTo>
-                  <a:pt y="0" x="120000"/>
+                  <a:pt x="120000" y="0"/>
                 </a:lnTo>
                 <a:lnTo>
-                  <a:pt y="120000" x="120000"/>
+                  <a:pt x="120000" y="120000"/>
                 </a:lnTo>
                 <a:lnTo>
-                  <a:pt y="120000" x="0"/>
+                  <a:pt x="0" y="120000"/>
                 </a:lnTo>
                 <a:close/>
               </a:path>
             </a:pathLst>
           </a:custGeom>
           <a:noFill/>
-          <a:ln w="9525" cap="flat">
+          <a:ln cap="flat" cmpd="sng" w="9525">
             <a:solidFill>
               <a:srgbClr val="000000"/>
             </a:solidFill>
             <a:prstDash val="solid"/>
             <a:round/>
-            <a:headEnd w="med" len="med" type="none"/>
-            <a:tailEnd w="med" len="med" type="none"/>
+            <a:headEnd len="med" w="med" type="none"/>
+            <a:tailEnd len="med" w="med" type="none"/>
           </a:ln>
         </p:spPr>
       </p:sp>
@@ -1618,15 +1618,15 @@
         </p:nvSpPr>
         <p:spPr>
           <a:xfrm>
-            <a:off y="4343400" x="685800"/>
-            <a:ext cy="4114800" cx="5486399"/>
+            <a:off x="685800" y="4343400"/>
+            <a:ext cx="5486399" cy="4114800"/>
           </a:xfrm>
           <a:prstGeom prst="rect">
             <a:avLst/>
           </a:prstGeom>
         </p:spPr>
         <p:txBody>
-          <a:bodyPr bIns="91425" rIns="91425" lIns="91425" tIns="91425" anchor="t" anchorCtr="0">
+          <a:bodyPr anchorCtr="0" anchor="t" bIns="91425" lIns="91425" rIns="91425" tIns="91425">
             <a:noAutofit/>
           </a:bodyPr>
           <a:lstStyle/>
@@ -1653,7 +1653,7 @@
 </file>
 
 <file path=ppt/notesSlides/notesSlide5.xml><?xml version="1.0" encoding="utf-8"?>
-<p:notes xmlns:a="http://schemas.openxmlformats.org/drawingml/2006/main" xmlns:r="http://schemas.openxmlformats.org/officeDocument/2006/relationships" xmlns:mc="http://schemas.openxmlformats.org/markup-compatibility/2006" xmlns:mv="urn:schemas-microsoft-com:mac:vml" xmlns:p="http://schemas.openxmlformats.org/presentationml/2006/main" xmlns:c="http://schemas.openxmlformats.org/drawingml/2006/chart" xmlns:dgm="http://schemas.openxmlformats.org/drawingml/2006/diagram" xmlns:o="urn:schemas-microsoft-com:office:office" xmlns:v="urn:schemas-microsoft-com:vml" xmlns:pvml="urn:schemas-microsoft-com:office:powerpoint" xmlns:com="http://schemas.openxmlformats.org/drawingml/2006/compatibility" xmlns:p14="http://schemas.microsoft.com/office/powerpoint/2010/main" showMasterSp="0" showMasterPhAnim="0">
+<p:notes xmlns:a="http://schemas.openxmlformats.org/drawingml/2006/main" xmlns:r="http://schemas.openxmlformats.org/officeDocument/2006/relationships" xmlns:mc="http://schemas.openxmlformats.org/markup-compatibility/2006" xmlns:mv="urn:schemas-microsoft-com:mac:vml" xmlns:p="http://schemas.openxmlformats.org/presentationml/2006/main" xmlns:c="http://schemas.openxmlformats.org/drawingml/2006/chart" xmlns:dgm="http://schemas.openxmlformats.org/drawingml/2006/diagram" xmlns:o="urn:schemas-microsoft-com:office:office" xmlns:v="urn:schemas-microsoft-com:vml" xmlns:pvml="urn:schemas-microsoft-com:office:powerpoint" xmlns:com="http://schemas.openxmlformats.org/drawingml/2006/compatibility" xmlns:p14="http://schemas.microsoft.com/office/powerpoint/2010/main" showMasterPhAnim="0" showMasterSp="0">
   <p:cSld>
     <p:spTree>
       <p:nvGrpSpPr>
@@ -1663,10 +1663,10 @@
       </p:nvGrpSpPr>
       <p:grpSpPr>
         <a:xfrm>
-          <a:off y="0" x="0"/>
-          <a:ext cy="0" cx="0"/>
-          <a:chOff y="0" x="0"/>
-          <a:chExt cy="0" cx="0"/>
+          <a:off x="0" y="0"/>
+          <a:ext cx="0" cy="0"/>
+          <a:chOff x="0" y="0"/>
+          <a:chExt cx="0" cy="0"/>
         </a:xfrm>
       </p:grpSpPr>
       <p:sp>
@@ -1679,37 +1679,37 @@
         </p:nvSpPr>
         <p:spPr>
           <a:xfrm>
-            <a:off y="685800" x="381187"/>
-            <a:ext cy="3429000" cx="6096299"/>
+            <a:off x="381187" y="685800"/>
+            <a:ext cx="6096299" cy="3429000"/>
           </a:xfrm>
           <a:custGeom>
             <a:pathLst>
-              <a:path w="120000" extrusionOk="0" h="120000">
+              <a:path extrusionOk="0" h="120000" w="120000">
                 <a:moveTo>
-                  <a:pt y="0" x="0"/>
+                  <a:pt x="0" y="0"/>
                 </a:moveTo>
                 <a:lnTo>
-                  <a:pt y="0" x="120000"/>
+                  <a:pt x="120000" y="0"/>
                 </a:lnTo>
                 <a:lnTo>
-                  <a:pt y="120000" x="120000"/>
+                  <a:pt x="120000" y="120000"/>
                 </a:lnTo>
                 <a:lnTo>
-                  <a:pt y="120000" x="0"/>
+                  <a:pt x="0" y="120000"/>
                 </a:lnTo>
                 <a:close/>
               </a:path>
             </a:pathLst>
           </a:custGeom>
           <a:noFill/>
-          <a:ln w="9525" cap="flat">
+          <a:ln cap="flat" cmpd="sng" w="9525">
             <a:solidFill>
               <a:srgbClr val="000000"/>
             </a:solidFill>
             <a:prstDash val="solid"/>
             <a:round/>
-            <a:headEnd w="med" len="med" type="none"/>
-            <a:tailEnd w="med" len="med" type="none"/>
+            <a:headEnd len="med" w="med" type="none"/>
+            <a:tailEnd len="med" w="med" type="none"/>
           </a:ln>
         </p:spPr>
       </p:sp>
@@ -1723,15 +1723,15 @@
         </p:nvSpPr>
         <p:spPr>
           <a:xfrm>
-            <a:off y="4343400" x="685800"/>
-            <a:ext cy="4114800" cx="5486399"/>
+            <a:off x="685800" y="4343400"/>
+            <a:ext cx="5486399" cy="4114800"/>
           </a:xfrm>
           <a:prstGeom prst="rect">
             <a:avLst/>
           </a:prstGeom>
         </p:spPr>
         <p:txBody>
-          <a:bodyPr bIns="91425" rIns="91425" lIns="91425" tIns="91425" anchor="t" anchorCtr="0">
+          <a:bodyPr anchorCtr="0" anchor="t" bIns="91425" lIns="91425" rIns="91425" tIns="91425">
             <a:noAutofit/>
           </a:bodyPr>
           <a:lstStyle/>
@@ -1758,7 +1758,7 @@
 </file>
 
 <file path=ppt/notesSlides/notesSlide6.xml><?xml version="1.0" encoding="utf-8"?>
-<p:notes xmlns:a="http://schemas.openxmlformats.org/drawingml/2006/main" xmlns:r="http://schemas.openxmlformats.org/officeDocument/2006/relationships" xmlns:mc="http://schemas.openxmlformats.org/markup-compatibility/2006" xmlns:mv="urn:schemas-microsoft-com:mac:vml" xmlns:p="http://schemas.openxmlformats.org/presentationml/2006/main" xmlns:c="http://schemas.openxmlformats.org/drawingml/2006/chart" xmlns:dgm="http://schemas.openxmlformats.org/drawingml/2006/diagram" xmlns:o="urn:schemas-microsoft-com:office:office" xmlns:v="urn:schemas-microsoft-com:vml" xmlns:pvml="urn:schemas-microsoft-com:office:powerpoint" xmlns:com="http://schemas.openxmlformats.org/drawingml/2006/compatibility" xmlns:p14="http://schemas.microsoft.com/office/powerpoint/2010/main" showMasterSp="0" showMasterPhAnim="0">
+<p:notes xmlns:a="http://schemas.openxmlformats.org/drawingml/2006/main" xmlns:r="http://schemas.openxmlformats.org/officeDocument/2006/relationships" xmlns:mc="http://schemas.openxmlformats.org/markup-compatibility/2006" xmlns:mv="urn:schemas-microsoft-com:mac:vml" xmlns:p="http://schemas.openxmlformats.org/presentationml/2006/main" xmlns:c="http://schemas.openxmlformats.org/drawingml/2006/chart" xmlns:dgm="http://schemas.openxmlformats.org/drawingml/2006/diagram" xmlns:o="urn:schemas-microsoft-com:office:office" xmlns:v="urn:schemas-microsoft-com:vml" xmlns:pvml="urn:schemas-microsoft-com:office:powerpoint" xmlns:com="http://schemas.openxmlformats.org/drawingml/2006/compatibility" xmlns:p14="http://schemas.microsoft.com/office/powerpoint/2010/main" showMasterPhAnim="0" showMasterSp="0">
   <p:cSld>
     <p:spTree>
       <p:nvGrpSpPr>
@@ -1768,10 +1768,10 @@
       </p:nvGrpSpPr>
       <p:grpSpPr>
         <a:xfrm>
-          <a:off y="0" x="0"/>
-          <a:ext cy="0" cx="0"/>
-          <a:chOff y="0" x="0"/>
-          <a:chExt cy="0" cx="0"/>
+          <a:off x="0" y="0"/>
+          <a:ext cx="0" cy="0"/>
+          <a:chOff x="0" y="0"/>
+          <a:chExt cx="0" cy="0"/>
         </a:xfrm>
       </p:grpSpPr>
       <p:sp>
@@ -1784,37 +1784,37 @@
         </p:nvSpPr>
         <p:spPr>
           <a:xfrm>
-            <a:off y="685800" x="381187"/>
-            <a:ext cy="3429000" cx="6096299"/>
+            <a:off x="381187" y="685800"/>
+            <a:ext cx="6096299" cy="3429000"/>
           </a:xfrm>
           <a:custGeom>
             <a:pathLst>
-              <a:path w="120000" extrusionOk="0" h="120000">
+              <a:path extrusionOk="0" h="120000" w="120000">
                 <a:moveTo>
-                  <a:pt y="0" x="0"/>
+                  <a:pt x="0" y="0"/>
                 </a:moveTo>
                 <a:lnTo>
-                  <a:pt y="0" x="120000"/>
+                  <a:pt x="120000" y="0"/>
                 </a:lnTo>
                 <a:lnTo>
-                  <a:pt y="120000" x="120000"/>
+                  <a:pt x="120000" y="120000"/>
                 </a:lnTo>
                 <a:lnTo>
-                  <a:pt y="120000" x="0"/>
+                  <a:pt x="0" y="120000"/>
                 </a:lnTo>
                 <a:close/>
               </a:path>
             </a:pathLst>
           </a:custGeom>
           <a:noFill/>
-          <a:ln w="9525" cap="flat">
+          <a:ln cap="flat" cmpd="sng" w="9525">
             <a:solidFill>
               <a:srgbClr val="000000"/>
             </a:solidFill>
             <a:prstDash val="solid"/>
             <a:round/>
-            <a:headEnd w="med" len="med" type="none"/>
-            <a:tailEnd w="med" len="med" type="none"/>
+            <a:headEnd len="med" w="med" type="none"/>
+            <a:tailEnd len="med" w="med" type="none"/>
           </a:ln>
         </p:spPr>
       </p:sp>
@@ -1828,15 +1828,15 @@
         </p:nvSpPr>
         <p:spPr>
           <a:xfrm>
-            <a:off y="4343400" x="685800"/>
-            <a:ext cy="4114800" cx="5486399"/>
+            <a:off x="685800" y="4343400"/>
+            <a:ext cx="5486399" cy="4114800"/>
           </a:xfrm>
           <a:prstGeom prst="rect">
             <a:avLst/>
           </a:prstGeom>
         </p:spPr>
         <p:txBody>
-          <a:bodyPr bIns="91425" rIns="91425" lIns="91425" tIns="91425" anchor="t" anchorCtr="0">
+          <a:bodyPr anchorCtr="0" anchor="t" bIns="91425" lIns="91425" rIns="91425" tIns="91425">
             <a:noAutofit/>
           </a:bodyPr>
           <a:lstStyle/>
@@ -1863,7 +1863,7 @@
 </file>
 
 <file path=ppt/notesSlides/notesSlide7.xml><?xml version="1.0" encoding="utf-8"?>
-<p:notes xmlns:a="http://schemas.openxmlformats.org/drawingml/2006/main" xmlns:r="http://schemas.openxmlformats.org/officeDocument/2006/relationships" xmlns:mc="http://schemas.openxmlformats.org/markup-compatibility/2006" xmlns:mv="urn:schemas-microsoft-com:mac:vml" xmlns:p="http://schemas.openxmlformats.org/presentationml/2006/main" xmlns:c="http://schemas.openxmlformats.org/drawingml/2006/chart" xmlns:dgm="http://schemas.openxmlformats.org/drawingml/2006/diagram" xmlns:o="urn:schemas-microsoft-com:office:office" xmlns:v="urn:schemas-microsoft-com:vml" xmlns:pvml="urn:schemas-microsoft-com:office:powerpoint" xmlns:com="http://schemas.openxmlformats.org/drawingml/2006/compatibility" xmlns:p14="http://schemas.microsoft.com/office/powerpoint/2010/main" showMasterSp="0" showMasterPhAnim="0">
+<p:notes xmlns:a="http://schemas.openxmlformats.org/drawingml/2006/main" xmlns:r="http://schemas.openxmlformats.org/officeDocument/2006/relationships" xmlns:mc="http://schemas.openxmlformats.org/markup-compatibility/2006" xmlns:mv="urn:schemas-microsoft-com:mac:vml" xmlns:p="http://schemas.openxmlformats.org/presentationml/2006/main" xmlns:c="http://schemas.openxmlformats.org/drawingml/2006/chart" xmlns:dgm="http://schemas.openxmlformats.org/drawingml/2006/diagram" xmlns:o="urn:schemas-microsoft-com:office:office" xmlns:v="urn:schemas-microsoft-com:vml" xmlns:pvml="urn:schemas-microsoft-com:office:powerpoint" xmlns:com="http://schemas.openxmlformats.org/drawingml/2006/compatibility" xmlns:p14="http://schemas.microsoft.com/office/powerpoint/2010/main" showMasterPhAnim="0" showMasterSp="0">
   <p:cSld>
     <p:spTree>
       <p:nvGrpSpPr>
@@ -1873,10 +1873,10 @@
       </p:nvGrpSpPr>
       <p:grpSpPr>
         <a:xfrm>
-          <a:off y="0" x="0"/>
-          <a:ext cy="0" cx="0"/>
-          <a:chOff y="0" x="0"/>
-          <a:chExt cy="0" cx="0"/>
+          <a:off x="0" y="0"/>
+          <a:ext cx="0" cy="0"/>
+          <a:chOff x="0" y="0"/>
+          <a:chExt cx="0" cy="0"/>
         </a:xfrm>
       </p:grpSpPr>
       <p:sp>
@@ -1889,37 +1889,37 @@
         </p:nvSpPr>
         <p:spPr>
           <a:xfrm>
-            <a:off y="685800" x="381187"/>
-            <a:ext cy="3429000" cx="6096299"/>
+            <a:off x="381187" y="685800"/>
+            <a:ext cx="6096299" cy="3429000"/>
           </a:xfrm>
           <a:custGeom>
             <a:pathLst>
-              <a:path w="120000" extrusionOk="0" h="120000">
+              <a:path extrusionOk="0" h="120000" w="120000">
                 <a:moveTo>
-                  <a:pt y="0" x="0"/>
+                  <a:pt x="0" y="0"/>
                 </a:moveTo>
                 <a:lnTo>
-                  <a:pt y="0" x="120000"/>
+                  <a:pt x="120000" y="0"/>
                 </a:lnTo>
                 <a:lnTo>
-                  <a:pt y="120000" x="120000"/>
+                  <a:pt x="120000" y="120000"/>
                 </a:lnTo>
                 <a:lnTo>
-                  <a:pt y="120000" x="0"/>
+                  <a:pt x="0" y="120000"/>
                 </a:lnTo>
                 <a:close/>
               </a:path>
             </a:pathLst>
           </a:custGeom>
           <a:noFill/>
-          <a:ln w="9525" cap="flat">
+          <a:ln cap="flat" cmpd="sng" w="9525">
             <a:solidFill>
               <a:srgbClr val="000000"/>
             </a:solidFill>
             <a:prstDash val="solid"/>
             <a:round/>
-            <a:headEnd w="med" len="med" type="none"/>
-            <a:tailEnd w="med" len="med" type="none"/>
+            <a:headEnd len="med" w="med" type="none"/>
+            <a:tailEnd len="med" w="med" type="none"/>
           </a:ln>
         </p:spPr>
       </p:sp>
@@ -1933,15 +1933,15 @@
         </p:nvSpPr>
         <p:spPr>
           <a:xfrm>
-            <a:off y="4343400" x="685800"/>
-            <a:ext cy="4114800" cx="5486399"/>
+            <a:off x="685800" y="4343400"/>
+            <a:ext cx="5486399" cy="4114800"/>
           </a:xfrm>
           <a:prstGeom prst="rect">
             <a:avLst/>
           </a:prstGeom>
         </p:spPr>
         <p:txBody>
-          <a:bodyPr bIns="91425" rIns="91425" lIns="91425" tIns="91425" anchor="t" anchorCtr="0">
+          <a:bodyPr anchorCtr="0" anchor="t" bIns="91425" lIns="91425" rIns="91425" tIns="91425">
             <a:noAutofit/>
           </a:bodyPr>
           <a:lstStyle/>
@@ -1968,7 +1968,7 @@
 </file>
 
 <file path=ppt/notesSlides/notesSlide8.xml><?xml version="1.0" encoding="utf-8"?>
-<p:notes xmlns:a="http://schemas.openxmlformats.org/drawingml/2006/main" xmlns:r="http://schemas.openxmlformats.org/officeDocument/2006/relationships" xmlns:mc="http://schemas.openxmlformats.org/markup-compatibility/2006" xmlns:mv="urn:schemas-microsoft-com:mac:vml" xmlns:p="http://schemas.openxmlformats.org/presentationml/2006/main" xmlns:c="http://schemas.openxmlformats.org/drawingml/2006/chart" xmlns:dgm="http://schemas.openxmlformats.org/drawingml/2006/diagram" xmlns:o="urn:schemas-microsoft-com:office:office" xmlns:v="urn:schemas-microsoft-com:vml" xmlns:pvml="urn:schemas-microsoft-com:office:powerpoint" xmlns:com="http://schemas.openxmlformats.org/drawingml/2006/compatibility" xmlns:p14="http://schemas.microsoft.com/office/powerpoint/2010/main" showMasterSp="0" showMasterPhAnim="0">
+<p:notes xmlns:a="http://schemas.openxmlformats.org/drawingml/2006/main" xmlns:r="http://schemas.openxmlformats.org/officeDocument/2006/relationships" xmlns:mc="http://schemas.openxmlformats.org/markup-compatibility/2006" xmlns:mv="urn:schemas-microsoft-com:mac:vml" xmlns:p="http://schemas.openxmlformats.org/presentationml/2006/main" xmlns:c="http://schemas.openxmlformats.org/drawingml/2006/chart" xmlns:dgm="http://schemas.openxmlformats.org/drawingml/2006/diagram" xmlns:o="urn:schemas-microsoft-com:office:office" xmlns:v="urn:schemas-microsoft-com:vml" xmlns:pvml="urn:schemas-microsoft-com:office:powerpoint" xmlns:com="http://schemas.openxmlformats.org/drawingml/2006/compatibility" xmlns:p14="http://schemas.microsoft.com/office/powerpoint/2010/main" showMasterPhAnim="0" showMasterSp="0">
   <p:cSld>
     <p:spTree>
       <p:nvGrpSpPr>
@@ -1978,10 +1978,10 @@
       </p:nvGrpSpPr>
       <p:grpSpPr>
         <a:xfrm>
-          <a:off y="0" x="0"/>
-          <a:ext cy="0" cx="0"/>
-          <a:chOff y="0" x="0"/>
-          <a:chExt cy="0" cx="0"/>
+          <a:off x="0" y="0"/>
+          <a:ext cx="0" cy="0"/>
+          <a:chOff x="0" y="0"/>
+          <a:chExt cx="0" cy="0"/>
         </a:xfrm>
       </p:grpSpPr>
       <p:sp>
@@ -1994,37 +1994,37 @@
         </p:nvSpPr>
         <p:spPr>
           <a:xfrm>
-            <a:off y="685800" x="381187"/>
-            <a:ext cy="3429000" cx="6096299"/>
+            <a:off x="381187" y="685800"/>
+            <a:ext cx="6096299" cy="3429000"/>
           </a:xfrm>
           <a:custGeom>
             <a:pathLst>
-              <a:path w="120000" extrusionOk="0" h="120000">
+              <a:path extrusionOk="0" h="120000" w="120000">
                 <a:moveTo>
-                  <a:pt y="0" x="0"/>
+                  <a:pt x="0" y="0"/>
                 </a:moveTo>
                 <a:lnTo>
-                  <a:pt y="0" x="120000"/>
+                  <a:pt x="120000" y="0"/>
                 </a:lnTo>
                 <a:lnTo>
-                  <a:pt y="120000" x="120000"/>
+                  <a:pt x="120000" y="120000"/>
                 </a:lnTo>
                 <a:lnTo>
-                  <a:pt y="120000" x="0"/>
+                  <a:pt x="0" y="120000"/>
                 </a:lnTo>
                 <a:close/>
               </a:path>
             </a:pathLst>
           </a:custGeom>
           <a:noFill/>
-          <a:ln w="9525" cap="flat">
+          <a:ln cap="flat" cmpd="sng" w="9525">
             <a:solidFill>
               <a:srgbClr val="000000"/>
             </a:solidFill>
             <a:prstDash val="solid"/>
             <a:round/>
-            <a:headEnd w="med" len="med" type="none"/>
-            <a:tailEnd w="med" len="med" type="none"/>
+            <a:headEnd len="med" w="med" type="none"/>
+            <a:tailEnd len="med" w="med" type="none"/>
           </a:ln>
         </p:spPr>
       </p:sp>
@@ -2038,15 +2038,15 @@
         </p:nvSpPr>
         <p:spPr>
           <a:xfrm>
-            <a:off y="4343400" x="685800"/>
-            <a:ext cy="4114800" cx="5486399"/>
+            <a:off x="685800" y="4343400"/>
+            <a:ext cx="5486399" cy="4114800"/>
           </a:xfrm>
           <a:prstGeom prst="rect">
             <a:avLst/>
           </a:prstGeom>
         </p:spPr>
         <p:txBody>
-          <a:bodyPr bIns="91425" rIns="91425" lIns="91425" tIns="91425" anchor="t" anchorCtr="0">
+          <a:bodyPr anchorCtr="0" anchor="t" bIns="91425" lIns="91425" rIns="91425" tIns="91425">
             <a:noAutofit/>
           </a:bodyPr>
           <a:lstStyle/>
@@ -2073,7 +2073,7 @@
 </file>
 
 <file path=ppt/notesSlides/notesSlide9.xml><?xml version="1.0" encoding="utf-8"?>
-<p:notes xmlns:a="http://schemas.openxmlformats.org/drawingml/2006/main" xmlns:r="http://schemas.openxmlformats.org/officeDocument/2006/relationships" xmlns:mc="http://schemas.openxmlformats.org/markup-compatibility/2006" xmlns:mv="urn:schemas-microsoft-com:mac:vml" xmlns:p="http://schemas.openxmlformats.org/presentationml/2006/main" xmlns:c="http://schemas.openxmlformats.org/drawingml/2006/chart" xmlns:dgm="http://schemas.openxmlformats.org/drawingml/2006/diagram" xmlns:o="urn:schemas-microsoft-com:office:office" xmlns:v="urn:schemas-microsoft-com:vml" xmlns:pvml="urn:schemas-microsoft-com:office:powerpoint" xmlns:com="http://schemas.openxmlformats.org/drawingml/2006/compatibility" xmlns:p14="http://schemas.microsoft.com/office/powerpoint/2010/main" showMasterSp="0" showMasterPhAnim="0">
+<p:notes xmlns:a="http://schemas.openxmlformats.org/drawingml/2006/main" xmlns:r="http://schemas.openxmlformats.org/officeDocument/2006/relationships" xmlns:mc="http://schemas.openxmlformats.org/markup-compatibility/2006" xmlns:mv="urn:schemas-microsoft-com:mac:vml" xmlns:p="http://schemas.openxmlformats.org/presentationml/2006/main" xmlns:c="http://schemas.openxmlformats.org/drawingml/2006/chart" xmlns:dgm="http://schemas.openxmlformats.org/drawingml/2006/diagram" xmlns:o="urn:schemas-microsoft-com:office:office" xmlns:v="urn:schemas-microsoft-com:vml" xmlns:pvml="urn:schemas-microsoft-com:office:powerpoint" xmlns:com="http://schemas.openxmlformats.org/drawingml/2006/compatibility" xmlns:p14="http://schemas.microsoft.com/office/powerpoint/2010/main" showMasterPhAnim="0" showMasterSp="0">
   <p:cSld>
     <p:spTree>
       <p:nvGrpSpPr>
@@ -2083,10 +2083,10 @@
       </p:nvGrpSpPr>
       <p:grpSpPr>
         <a:xfrm>
-          <a:off y="0" x="0"/>
-          <a:ext cy="0" cx="0"/>
-          <a:chOff y="0" x="0"/>
-          <a:chExt cy="0" cx="0"/>
+          <a:off x="0" y="0"/>
+          <a:ext cx="0" cy="0"/>
+          <a:chOff x="0" y="0"/>
+          <a:chExt cx="0" cy="0"/>
         </a:xfrm>
       </p:grpSpPr>
       <p:sp>
@@ -2099,37 +2099,37 @@
         </p:nvSpPr>
         <p:spPr>
           <a:xfrm>
-            <a:off y="685800" x="381187"/>
-            <a:ext cy="3429000" cx="6096299"/>
+            <a:off x="381187" y="685800"/>
+            <a:ext cx="6096299" cy="3429000"/>
           </a:xfrm>
           <a:custGeom>
             <a:pathLst>
-              <a:path w="120000" extrusionOk="0" h="120000">
+              <a:path extrusionOk="0" h="120000" w="120000">
                 <a:moveTo>
-                  <a:pt y="0" x="0"/>
+                  <a:pt x="0" y="0"/>
                 </a:moveTo>
                 <a:lnTo>
-                  <a:pt y="0" x="120000"/>
+                  <a:pt x="120000" y="0"/>
                 </a:lnTo>
                 <a:lnTo>
-                  <a:pt y="120000" x="120000"/>
+                  <a:pt x="120000" y="120000"/>
                 </a:lnTo>
                 <a:lnTo>
-                  <a:pt y="120000" x="0"/>
+                  <a:pt x="0" y="120000"/>
                 </a:lnTo>
                 <a:close/>
               </a:path>
             </a:pathLst>
           </a:custGeom>
           <a:noFill/>
-          <a:ln w="9525" cap="flat">
+          <a:ln cap="flat" cmpd="sng" w="9525">
             <a:solidFill>
               <a:srgbClr val="000000"/>
             </a:solidFill>
             <a:prstDash val="solid"/>
             <a:round/>
-            <a:headEnd w="med" len="med" type="none"/>
-            <a:tailEnd w="med" len="med" type="none"/>
+            <a:headEnd len="med" w="med" type="none"/>
+            <a:tailEnd len="med" w="med" type="none"/>
           </a:ln>
         </p:spPr>
       </p:sp>
@@ -2143,15 +2143,15 @@
         </p:nvSpPr>
         <p:spPr>
           <a:xfrm>
-            <a:off y="4343400" x="685800"/>
-            <a:ext cy="4114800" cx="5486399"/>
+            <a:off x="685800" y="4343400"/>
+            <a:ext cx="5486399" cy="4114800"/>
           </a:xfrm>
           <a:prstGeom prst="rect">
             <a:avLst/>
           </a:prstGeom>
         </p:spPr>
         <p:txBody>
-          <a:bodyPr bIns="91425" rIns="91425" lIns="91425" tIns="91425" anchor="t" anchorCtr="0">
+          <a:bodyPr anchorCtr="0" anchor="t" bIns="91425" lIns="91425" rIns="91425" tIns="91425">
             <a:noAutofit/>
           </a:bodyPr>
           <a:lstStyle/>
@@ -2188,10 +2188,10 @@
       </p:nvGrpSpPr>
       <p:grpSpPr>
         <a:xfrm>
-          <a:off y="0" x="0"/>
-          <a:ext cy="0" cx="0"/>
-          <a:chOff y="0" x="0"/>
-          <a:chExt cy="0" cx="0"/>
+          <a:off x="0" y="0"/>
+          <a:ext cx="0" cy="0"/>
+          <a:chOff x="0" y="0"/>
+          <a:chExt cx="0" cy="0"/>
         </a:xfrm>
       </p:grpSpPr>
       <p:sp>
@@ -2204,15 +2204,15 @@
         </p:nvSpPr>
         <p:spPr>
           <a:xfrm>
-            <a:off y="1583342" x="685800"/>
-            <a:ext cy="1159856" cx="7772400"/>
+            <a:off x="685800" y="1583342"/>
+            <a:ext cx="7772400" cy="1159856"/>
           </a:xfrm>
           <a:prstGeom prst="rect">
             <a:avLst/>
           </a:prstGeom>
         </p:spPr>
         <p:txBody>
-          <a:bodyPr bIns="91425" rIns="91425" lIns="91425" tIns="91425" anchor="b" anchorCtr="0"/>
+          <a:bodyPr anchorCtr="0" anchor="b" bIns="91425" lIns="91425" rIns="91425" tIns="91425"/>
           <a:lstStyle>
             <a:lvl1pPr algn="ctr">
               <a:spcBef>
@@ -2291,15 +2291,15 @@
         </p:nvSpPr>
         <p:spPr>
           <a:xfrm>
-            <a:off y="2840053" x="685800"/>
-            <a:ext cy="784737" cx="7772400"/>
+            <a:off x="685800" y="2840053"/>
+            <a:ext cx="7772400" cy="784737"/>
           </a:xfrm>
           <a:prstGeom prst="rect">
             <a:avLst/>
           </a:prstGeom>
         </p:spPr>
         <p:txBody>
-          <a:bodyPr bIns="91425" rIns="91425" lIns="91425" tIns="91425" anchor="t" anchorCtr="0"/>
+          <a:bodyPr anchorCtr="0" anchor="t" bIns="91425" lIns="91425" rIns="91425" tIns="91425"/>
           <a:lstStyle>
             <a:lvl1pPr algn="ctr">
               <a:spcBef>
@@ -2458,10 +2458,10 @@
       </p:nvGrpSpPr>
       <p:grpSpPr>
         <a:xfrm>
-          <a:off y="0" x="0"/>
-          <a:ext cy="0" cx="0"/>
-          <a:chOff y="0" x="0"/>
-          <a:chExt cy="0" cx="0"/>
+          <a:off x="0" y="0"/>
+          <a:ext cx="0" cy="0"/>
+          <a:chOff x="0" y="0"/>
+          <a:chExt cx="0" cy="0"/>
         </a:xfrm>
       </p:grpSpPr>
       <p:sp>
@@ -2474,15 +2474,15 @@
         </p:nvSpPr>
         <p:spPr>
           <a:xfrm>
-            <a:off y="205978" x="457200"/>
-            <a:ext cy="857400" cx="8229600"/>
+            <a:off x="457200" y="205978"/>
+            <a:ext cx="8229600" cy="857400"/>
           </a:xfrm>
           <a:prstGeom prst="rect">
             <a:avLst/>
           </a:prstGeom>
         </p:spPr>
         <p:txBody>
-          <a:bodyPr bIns="91425" rIns="91425" lIns="91425" tIns="91425" anchor="b" anchorCtr="0"/>
+          <a:bodyPr anchorCtr="0" anchor="b" bIns="91425" lIns="91425" rIns="91425" tIns="91425"/>
           <a:lstStyle>
             <a:lvl1pPr rtl="0">
               <a:spcBef>
@@ -2561,10 +2561,10 @@
       </p:nvGrpSpPr>
       <p:grpSpPr>
         <a:xfrm>
-          <a:off y="0" x="0"/>
-          <a:ext cy="0" cx="0"/>
-          <a:chOff y="0" x="0"/>
-          <a:chExt cy="0" cx="0"/>
+          <a:off x="0" y="0"/>
+          <a:ext cx="0" cy="0"/>
+          <a:chOff x="0" y="0"/>
+          <a:chExt cx="0" cy="0"/>
         </a:xfrm>
       </p:grpSpPr>
       <p:sp>
@@ -2577,17 +2577,17 @@
         </p:nvSpPr>
         <p:spPr>
           <a:xfrm>
-            <a:off y="4406309" x="457200"/>
-            <a:ext cy="519599" cx="8229600"/>
+            <a:off x="457200" y="4406309"/>
+            <a:ext cx="8229600" cy="519599"/>
           </a:xfrm>
           <a:prstGeom prst="rect">
             <a:avLst/>
           </a:prstGeom>
         </p:spPr>
         <p:txBody>
-          <a:bodyPr bIns="91425" rIns="91425" lIns="91425" tIns="91425" anchor="t" anchorCtr="0"/>
+          <a:bodyPr anchorCtr="0" anchor="t" bIns="91425" lIns="91425" rIns="91425" tIns="91425"/>
           <a:lstStyle>
-            <a:lvl1pPr algn="ctr" rtl="0">
+            <a:lvl1pPr rtl="0" algn="ctr">
               <a:spcBef>
                 <a:spcPts val="360"/>
               </a:spcBef>
@@ -2618,10 +2618,10 @@
       </p:nvGrpSpPr>
       <p:grpSpPr>
         <a:xfrm>
-          <a:off y="0" x="0"/>
-          <a:ext cy="0" cx="0"/>
-          <a:chOff y="0" x="0"/>
-          <a:chExt cy="0" cx="0"/>
+          <a:off x="0" y="0"/>
+          <a:ext cx="0" cy="0"/>
+          <a:chOff x="0" y="0"/>
+          <a:chExt cx="0" cy="0"/>
         </a:xfrm>
       </p:grpSpPr>
     </p:spTree>
@@ -2643,10 +2643,10 @@
       </p:nvGrpSpPr>
       <p:grpSpPr>
         <a:xfrm>
-          <a:off y="0" x="0"/>
-          <a:ext cy="0" cx="0"/>
-          <a:chOff y="0" x="0"/>
-          <a:chExt cy="0" cx="0"/>
+          <a:off x="0" y="0"/>
+          <a:ext cx="0" cy="0"/>
+          <a:chOff x="0" y="0"/>
+          <a:chExt cx="0" cy="0"/>
         </a:xfrm>
       </p:grpSpPr>
       <p:sp>
@@ -2659,15 +2659,15 @@
         </p:nvSpPr>
         <p:spPr>
           <a:xfrm>
-            <a:off y="205978" x="457200"/>
-            <a:ext cy="857250" cx="8229600"/>
+            <a:off x="457200" y="205978"/>
+            <a:ext cx="8229600" cy="857250"/>
           </a:xfrm>
           <a:prstGeom prst="rect">
             <a:avLst/>
           </a:prstGeom>
         </p:spPr>
         <p:txBody>
-          <a:bodyPr bIns="91425" rIns="91425" lIns="91425" tIns="91425" anchor="b" anchorCtr="0"/>
+          <a:bodyPr anchorCtr="0" anchor="b" bIns="91425" lIns="91425" rIns="91425" tIns="91425"/>
           <a:lstStyle>
             <a:lvl1pPr>
               <a:spcBef>
@@ -2737,15 +2737,15 @@
         </p:nvSpPr>
         <p:spPr>
           <a:xfrm>
-            <a:off y="1200150" x="457200"/>
-            <a:ext cy="3725680" cx="8229600"/>
+            <a:off x="457200" y="1200150"/>
+            <a:ext cx="8229600" cy="3725680"/>
           </a:xfrm>
           <a:prstGeom prst="rect">
             <a:avLst/>
           </a:prstGeom>
         </p:spPr>
         <p:txBody>
-          <a:bodyPr bIns="91425" rIns="91425" lIns="91425" tIns="91425" anchor="t" anchorCtr="0"/>
+          <a:bodyPr anchorCtr="0" anchor="t" bIns="91425" lIns="91425" rIns="91425" tIns="91425"/>
           <a:lstStyle>
             <a:lvl1pPr>
               <a:spcBef>
@@ -2824,10 +2824,10 @@
       </p:nvGrpSpPr>
       <p:grpSpPr>
         <a:xfrm>
-          <a:off y="0" x="0"/>
-          <a:ext cy="0" cx="0"/>
-          <a:chOff y="0" x="0"/>
-          <a:chExt cy="0" cx="0"/>
+          <a:off x="0" y="0"/>
+          <a:ext cx="0" cy="0"/>
+          <a:chOff x="0" y="0"/>
+          <a:chExt cx="0" cy="0"/>
         </a:xfrm>
       </p:grpSpPr>
       <p:sp>
@@ -2840,15 +2840,15 @@
         </p:nvSpPr>
         <p:spPr>
           <a:xfrm>
-            <a:off y="205978" x="457200"/>
-            <a:ext cy="857250" cx="8229600"/>
+            <a:off x="457200" y="205978"/>
+            <a:ext cx="8229600" cy="857250"/>
           </a:xfrm>
           <a:prstGeom prst="rect">
             <a:avLst/>
           </a:prstGeom>
         </p:spPr>
         <p:txBody>
-          <a:bodyPr bIns="91425" rIns="91425" lIns="91425" tIns="91425" anchor="b" anchorCtr="0"/>
+          <a:bodyPr anchorCtr="0" anchor="b" bIns="91425" lIns="91425" rIns="91425" tIns="91425"/>
           <a:lstStyle>
             <a:lvl1pPr>
               <a:spcBef>
@@ -2918,15 +2918,15 @@
         </p:nvSpPr>
         <p:spPr>
           <a:xfrm>
-            <a:off y="1200150" x="457200"/>
-            <a:ext cy="3725680" cx="3994525"/>
+            <a:off x="457200" y="1200150"/>
+            <a:ext cx="3994525" cy="3725680"/>
           </a:xfrm>
           <a:prstGeom prst="rect">
             <a:avLst/>
           </a:prstGeom>
         </p:spPr>
         <p:txBody>
-          <a:bodyPr bIns="91425" rIns="91425" lIns="91425" tIns="91425" anchor="t" anchorCtr="0"/>
+          <a:bodyPr anchorCtr="0" anchor="t" bIns="91425" lIns="91425" rIns="91425" tIns="91425"/>
           <a:lstStyle>
             <a:lvl1pPr>
               <a:spcBef>
@@ -2996,15 +2996,15 @@
         </p:nvSpPr>
         <p:spPr>
           <a:xfrm>
-            <a:off y="1200150" x="4692273"/>
-            <a:ext cy="3725680" cx="3994525"/>
+            <a:off x="4692273" y="1200150"/>
+            <a:ext cx="3994525" cy="3725680"/>
           </a:xfrm>
           <a:prstGeom prst="rect">
             <a:avLst/>
           </a:prstGeom>
         </p:spPr>
         <p:txBody>
-          <a:bodyPr bIns="91425" rIns="91425" lIns="91425" tIns="91425" anchor="t" anchorCtr="0"/>
+          <a:bodyPr anchorCtr="0" anchor="t" bIns="91425" lIns="91425" rIns="91425" tIns="91425"/>
           <a:lstStyle>
             <a:lvl1pPr>
               <a:spcBef>
@@ -3083,10 +3083,10 @@
       </p:nvGrpSpPr>
       <p:grpSpPr>
         <a:xfrm>
-          <a:off y="0" x="0"/>
-          <a:ext cy="0" cx="0"/>
-          <a:chOff y="0" x="0"/>
-          <a:chExt cy="0" cx="0"/>
+          <a:off x="0" y="0"/>
+          <a:ext cx="0" cy="0"/>
+          <a:chOff x="0" y="0"/>
+          <a:chExt cx="0" cy="0"/>
         </a:xfrm>
       </p:grpSpPr>
       <p:sp>
@@ -3099,15 +3099,15 @@
         </p:nvSpPr>
         <p:spPr>
           <a:xfrm>
-            <a:off y="205978" x="457200"/>
-            <a:ext cy="857250" cx="8229600"/>
+            <a:off x="457200" y="205978"/>
+            <a:ext cx="8229600" cy="857250"/>
           </a:xfrm>
           <a:prstGeom prst="rect">
             <a:avLst/>
           </a:prstGeom>
         </p:spPr>
         <p:txBody>
-          <a:bodyPr bIns="91425" rIns="91425" lIns="91425" tIns="91425" anchor="b" anchorCtr="0"/>
+          <a:bodyPr anchorCtr="0" anchor="b" bIns="91425" lIns="91425" rIns="91425" tIns="91425"/>
           <a:lstStyle>
             <a:lvl1pPr>
               <a:spcBef>
@@ -3186,10 +3186,10 @@
       </p:nvGrpSpPr>
       <p:grpSpPr>
         <a:xfrm>
-          <a:off y="0" x="0"/>
-          <a:ext cy="0" cx="0"/>
-          <a:chOff y="0" x="0"/>
-          <a:chExt cy="0" cx="0"/>
+          <a:off x="0" y="0"/>
+          <a:ext cx="0" cy="0"/>
+          <a:chOff x="0" y="0"/>
+          <a:chExt cx="0" cy="0"/>
         </a:xfrm>
       </p:grpSpPr>
       <p:sp>
@@ -3202,15 +3202,15 @@
         </p:nvSpPr>
         <p:spPr>
           <a:xfrm>
-            <a:off y="4406309" x="457200"/>
-            <a:ext cy="519520" cx="8229600"/>
+            <a:off x="457200" y="4406309"/>
+            <a:ext cx="8229600" cy="519520"/>
           </a:xfrm>
           <a:prstGeom prst="rect">
             <a:avLst/>
           </a:prstGeom>
         </p:spPr>
         <p:txBody>
-          <a:bodyPr bIns="91425" rIns="91425" lIns="91425" tIns="91425" anchor="t" anchorCtr="0"/>
+          <a:bodyPr anchorCtr="0" anchor="t" bIns="91425" lIns="91425" rIns="91425" tIns="91425"/>
           <a:lstStyle>
             <a:lvl1pPr algn="ctr">
               <a:spcBef>
@@ -3243,10 +3243,10 @@
       </p:nvGrpSpPr>
       <p:grpSpPr>
         <a:xfrm>
-          <a:off y="0" x="0"/>
-          <a:ext cy="0" cx="0"/>
-          <a:chOff y="0" x="0"/>
-          <a:chExt cy="0" cx="0"/>
+          <a:off x="0" y="0"/>
+          <a:ext cx="0" cy="0"/>
+          <a:chOff x="0" y="0"/>
+          <a:chExt cx="0" cy="0"/>
         </a:xfrm>
       </p:grpSpPr>
     </p:spTree>
@@ -3268,10 +3268,10 @@
       </p:nvGrpSpPr>
       <p:grpSpPr>
         <a:xfrm>
-          <a:off y="0" x="0"/>
-          <a:ext cy="0" cx="0"/>
-          <a:chOff y="0" x="0"/>
-          <a:chExt cy="0" cx="0"/>
+          <a:off x="0" y="0"/>
+          <a:ext cx="0" cy="0"/>
+          <a:chOff x="0" y="0"/>
+          <a:chExt cx="0" cy="0"/>
         </a:xfrm>
       </p:grpSpPr>
       <p:sp>
@@ -3284,73 +3284,73 @@
         </p:nvSpPr>
         <p:spPr>
           <a:xfrm>
-            <a:off y="1583342" x="685800"/>
-            <a:ext cy="1159799" cx="7772400"/>
+            <a:off x="685800" y="1583342"/>
+            <a:ext cx="7772400" cy="1159799"/>
           </a:xfrm>
           <a:prstGeom prst="rect">
             <a:avLst/>
           </a:prstGeom>
         </p:spPr>
         <p:txBody>
-          <a:bodyPr bIns="91425" rIns="91425" lIns="91425" tIns="91425" anchor="b" anchorCtr="0"/>
+          <a:bodyPr anchorCtr="0" anchor="b" bIns="91425" lIns="91425" rIns="91425" tIns="91425"/>
           <a:lstStyle>
-            <a:lvl1pPr algn="ctr" rtl="0">
+            <a:lvl1pPr rtl="0" algn="ctr">
               <a:spcBef>
                 <a:spcPts val="0"/>
               </a:spcBef>
               <a:buSzPct val="100000"/>
               <a:defRPr sz="4800"/>
             </a:lvl1pPr>
-            <a:lvl2pPr algn="ctr" rtl="0">
+            <a:lvl2pPr rtl="0" algn="ctr">
               <a:spcBef>
                 <a:spcPts val="0"/>
               </a:spcBef>
               <a:buSzPct val="100000"/>
               <a:defRPr sz="4800"/>
             </a:lvl2pPr>
-            <a:lvl3pPr algn="ctr" rtl="0">
+            <a:lvl3pPr rtl="0" algn="ctr">
               <a:spcBef>
                 <a:spcPts val="0"/>
               </a:spcBef>
               <a:buSzPct val="100000"/>
               <a:defRPr sz="4800"/>
             </a:lvl3pPr>
-            <a:lvl4pPr algn="ctr" rtl="0">
+            <a:lvl4pPr rtl="0" algn="ctr">
               <a:spcBef>
                 <a:spcPts val="0"/>
               </a:spcBef>
               <a:buSzPct val="100000"/>
               <a:defRPr sz="4800"/>
             </a:lvl4pPr>
-            <a:lvl5pPr algn="ctr" rtl="0">
+            <a:lvl5pPr rtl="0" algn="ctr">
               <a:spcBef>
                 <a:spcPts val="0"/>
               </a:spcBef>
               <a:buSzPct val="100000"/>
               <a:defRPr sz="4800"/>
             </a:lvl5pPr>
-            <a:lvl6pPr algn="ctr" rtl="0">
+            <a:lvl6pPr rtl="0" algn="ctr">
               <a:spcBef>
                 <a:spcPts val="0"/>
               </a:spcBef>
               <a:buSzPct val="100000"/>
               <a:defRPr sz="4800"/>
             </a:lvl6pPr>
-            <a:lvl7pPr algn="ctr" rtl="0">
+            <a:lvl7pPr rtl="0" algn="ctr">
               <a:spcBef>
                 <a:spcPts val="0"/>
               </a:spcBef>
               <a:buSzPct val="100000"/>
               <a:defRPr sz="4800"/>
             </a:lvl7pPr>
-            <a:lvl8pPr algn="ctr" rtl="0">
+            <a:lvl8pPr rtl="0" algn="ctr">
               <a:spcBef>
                 <a:spcPts val="0"/>
               </a:spcBef>
               <a:buSzPct val="100000"/>
               <a:defRPr sz="4800"/>
             </a:lvl8pPr>
-            <a:lvl9pPr algn="ctr" rtl="0">
+            <a:lvl9pPr rtl="0" algn="ctr">
               <a:spcBef>
                 <a:spcPts val="0"/>
               </a:spcBef>
@@ -3371,17 +3371,17 @@
         </p:nvSpPr>
         <p:spPr>
           <a:xfrm>
-            <a:off y="2840053" x="685800"/>
-            <a:ext cy="784799" cx="7772400"/>
+            <a:off x="685800" y="2840053"/>
+            <a:ext cx="7772400" cy="784799"/>
           </a:xfrm>
           <a:prstGeom prst="rect">
             <a:avLst/>
           </a:prstGeom>
         </p:spPr>
         <p:txBody>
-          <a:bodyPr bIns="91425" rIns="91425" lIns="91425" tIns="91425" anchor="t" anchorCtr="0"/>
+          <a:bodyPr anchorCtr="0" anchor="t" bIns="91425" lIns="91425" rIns="91425" tIns="91425"/>
           <a:lstStyle>
-            <a:lvl1pPr algn="ctr" rtl="0">
+            <a:lvl1pPr rtl="0" algn="ctr">
               <a:spcBef>
                 <a:spcPts val="0"/>
               </a:spcBef>
@@ -3395,7 +3395,7 @@
                 </a:solidFill>
               </a:defRPr>
             </a:lvl1pPr>
-            <a:lvl2pPr algn="ctr" rtl="0">
+            <a:lvl2pPr rtl="0" algn="ctr">
               <a:spcBef>
                 <a:spcPts val="0"/>
               </a:spcBef>
@@ -3410,7 +3410,7 @@
                 </a:solidFill>
               </a:defRPr>
             </a:lvl2pPr>
-            <a:lvl3pPr algn="ctr" rtl="0">
+            <a:lvl3pPr rtl="0" algn="ctr">
               <a:spcBef>
                 <a:spcPts val="0"/>
               </a:spcBef>
@@ -3425,7 +3425,7 @@
                 </a:solidFill>
               </a:defRPr>
             </a:lvl3pPr>
-            <a:lvl4pPr algn="ctr" rtl="0">
+            <a:lvl4pPr rtl="0" algn="ctr">
               <a:spcBef>
                 <a:spcPts val="0"/>
               </a:spcBef>
@@ -3440,7 +3440,7 @@
                 </a:solidFill>
               </a:defRPr>
             </a:lvl4pPr>
-            <a:lvl5pPr algn="ctr" rtl="0">
+            <a:lvl5pPr rtl="0" algn="ctr">
               <a:spcBef>
                 <a:spcPts val="0"/>
               </a:spcBef>
@@ -3455,7 +3455,7 @@
                 </a:solidFill>
               </a:defRPr>
             </a:lvl5pPr>
-            <a:lvl6pPr algn="ctr" rtl="0">
+            <a:lvl6pPr rtl="0" algn="ctr">
               <a:spcBef>
                 <a:spcPts val="0"/>
               </a:spcBef>
@@ -3470,7 +3470,7 @@
                 </a:solidFill>
               </a:defRPr>
             </a:lvl6pPr>
-            <a:lvl7pPr algn="ctr" rtl="0">
+            <a:lvl7pPr rtl="0" algn="ctr">
               <a:spcBef>
                 <a:spcPts val="0"/>
               </a:spcBef>
@@ -3485,7 +3485,7 @@
                 </a:solidFill>
               </a:defRPr>
             </a:lvl7pPr>
-            <a:lvl8pPr algn="ctr" rtl="0">
+            <a:lvl8pPr rtl="0" algn="ctr">
               <a:spcBef>
                 <a:spcPts val="0"/>
               </a:spcBef>
@@ -3500,7 +3500,7 @@
                 </a:solidFill>
               </a:defRPr>
             </a:lvl8pPr>
-            <a:lvl9pPr algn="ctr" rtl="0">
+            <a:lvl9pPr rtl="0" algn="ctr">
               <a:spcBef>
                 <a:spcPts val="0"/>
               </a:spcBef>
@@ -3538,10 +3538,10 @@
       </p:nvGrpSpPr>
       <p:grpSpPr>
         <a:xfrm>
-          <a:off y="0" x="0"/>
-          <a:ext cy="0" cx="0"/>
-          <a:chOff y="0" x="0"/>
-          <a:chExt cy="0" cx="0"/>
+          <a:off x="0" y="0"/>
+          <a:ext cx="0" cy="0"/>
+          <a:chOff x="0" y="0"/>
+          <a:chExt cx="0" cy="0"/>
         </a:xfrm>
       </p:grpSpPr>
       <p:sp>
@@ -3554,15 +3554,15 @@
         </p:nvSpPr>
         <p:spPr>
           <a:xfrm>
-            <a:off y="205978" x="457200"/>
-            <a:ext cy="857400" cx="8229600"/>
+            <a:off x="457200" y="205978"/>
+            <a:ext cx="8229600" cy="857400"/>
           </a:xfrm>
           <a:prstGeom prst="rect">
             <a:avLst/>
           </a:prstGeom>
         </p:spPr>
         <p:txBody>
-          <a:bodyPr bIns="91425" rIns="91425" lIns="91425" tIns="91425" anchor="b" anchorCtr="0"/>
+          <a:bodyPr anchorCtr="0" anchor="b" bIns="91425" lIns="91425" rIns="91425" tIns="91425"/>
           <a:lstStyle>
             <a:lvl1pPr rtl="0">
               <a:spcBef>
@@ -3632,15 +3632,15 @@
         </p:nvSpPr>
         <p:spPr>
           <a:xfrm>
-            <a:off y="1200150" x="457200"/>
-            <a:ext cy="3725699" cx="8229600"/>
+            <a:off x="457200" y="1200150"/>
+            <a:ext cx="8229600" cy="3725699"/>
           </a:xfrm>
           <a:prstGeom prst="rect">
             <a:avLst/>
           </a:prstGeom>
         </p:spPr>
         <p:txBody>
-          <a:bodyPr bIns="91425" rIns="91425" lIns="91425" tIns="91425" anchor="t" anchorCtr="0"/>
+          <a:bodyPr anchorCtr="0" anchor="t" bIns="91425" lIns="91425" rIns="91425" tIns="91425"/>
           <a:lstStyle>
             <a:lvl1pPr rtl="0">
               <a:spcBef>
@@ -3719,10 +3719,10 @@
       </p:nvGrpSpPr>
       <p:grpSpPr>
         <a:xfrm>
-          <a:off y="0" x="0"/>
-          <a:ext cy="0" cx="0"/>
-          <a:chOff y="0" x="0"/>
-          <a:chExt cy="0" cx="0"/>
+          <a:off x="0" y="0"/>
+          <a:ext cx="0" cy="0"/>
+          <a:chOff x="0" y="0"/>
+          <a:chExt cx="0" cy="0"/>
         </a:xfrm>
       </p:grpSpPr>
       <p:sp>
@@ -3735,15 +3735,15 @@
         </p:nvSpPr>
         <p:spPr>
           <a:xfrm>
-            <a:off y="205978" x="457200"/>
-            <a:ext cy="857400" cx="8229600"/>
+            <a:off x="457200" y="205978"/>
+            <a:ext cx="8229600" cy="857400"/>
           </a:xfrm>
           <a:prstGeom prst="rect">
             <a:avLst/>
           </a:prstGeom>
         </p:spPr>
         <p:txBody>
-          <a:bodyPr bIns="91425" rIns="91425" lIns="91425" tIns="91425" anchor="b" anchorCtr="0"/>
+          <a:bodyPr anchorCtr="0" anchor="b" bIns="91425" lIns="91425" rIns="91425" tIns="91425"/>
           <a:lstStyle>
             <a:lvl1pPr rtl="0">
               <a:spcBef>
@@ -3813,15 +3813,15 @@
         </p:nvSpPr>
         <p:spPr>
           <a:xfrm>
-            <a:off y="1200150" x="457200"/>
-            <a:ext cy="3725699" cx="3994500"/>
+            <a:off x="457200" y="1200150"/>
+            <a:ext cx="3994500" cy="3725699"/>
           </a:xfrm>
           <a:prstGeom prst="rect">
             <a:avLst/>
           </a:prstGeom>
         </p:spPr>
         <p:txBody>
-          <a:bodyPr bIns="91425" rIns="91425" lIns="91425" tIns="91425" anchor="t" anchorCtr="0"/>
+          <a:bodyPr anchorCtr="0" anchor="t" bIns="91425" lIns="91425" rIns="91425" tIns="91425"/>
           <a:lstStyle>
             <a:lvl1pPr rtl="0">
               <a:spcBef>
@@ -3891,15 +3891,15 @@
         </p:nvSpPr>
         <p:spPr>
           <a:xfrm>
-            <a:off y="1200150" x="4692273"/>
-            <a:ext cy="3725699" cx="3994500"/>
+            <a:off x="4692273" y="1200150"/>
+            <a:ext cx="3994500" cy="3725699"/>
           </a:xfrm>
           <a:prstGeom prst="rect">
             <a:avLst/>
           </a:prstGeom>
         </p:spPr>
         <p:txBody>
-          <a:bodyPr bIns="91425" rIns="91425" lIns="91425" tIns="91425" anchor="t" anchorCtr="0"/>
+          <a:bodyPr anchorCtr="0" anchor="t" bIns="91425" lIns="91425" rIns="91425" tIns="91425"/>
           <a:lstStyle>
             <a:lvl1pPr rtl="0">
               <a:spcBef>
@@ -3985,10 +3985,10 @@
       </p:nvGrpSpPr>
       <p:grpSpPr>
         <a:xfrm>
-          <a:off y="0" x="0"/>
-          <a:ext cy="0" cx="0"/>
-          <a:chOff y="0" x="0"/>
-          <a:chExt cy="0" cx="0"/>
+          <a:off x="0" y="0"/>
+          <a:ext cx="0" cy="0"/>
+          <a:chOff x="0" y="0"/>
+          <a:chExt cx="0" cy="0"/>
         </a:xfrm>
       </p:grpSpPr>
       <p:sp>
@@ -4001,8 +4001,8 @@
         </p:nvSpPr>
         <p:spPr>
           <a:xfrm>
-            <a:off y="205978" x="457200"/>
-            <a:ext cy="857250" cx="8229600"/>
+            <a:off x="457200" y="205978"/>
+            <a:ext cx="8229600" cy="857250"/>
           </a:xfrm>
           <a:prstGeom prst="rect">
             <a:avLst/>
@@ -4013,7 +4013,7 @@
           </a:ln>
         </p:spPr>
         <p:txBody>
-          <a:bodyPr bIns="91425" rIns="91425" lIns="91425" tIns="91425" anchor="b" anchorCtr="0"/>
+          <a:bodyPr anchorCtr="0" anchor="b" bIns="91425" lIns="91425" rIns="91425" tIns="91425"/>
           <a:lstStyle>
             <a:lvl1pPr>
               <a:spcBef>
@@ -4164,8 +4164,8 @@
         </p:nvSpPr>
         <p:spPr>
           <a:xfrm>
-            <a:off y="1200150" x="457200"/>
-            <a:ext cy="3725680" cx="8229600"/>
+            <a:off x="457200" y="1200150"/>
+            <a:ext cx="8229600" cy="3725680"/>
           </a:xfrm>
           <a:prstGeom prst="rect">
             <a:avLst/>
@@ -4176,7 +4176,7 @@
           </a:ln>
         </p:spPr>
         <p:txBody>
-          <a:bodyPr bIns="91425" rIns="91425" lIns="91425" tIns="91425" anchor="t" anchorCtr="0"/>
+          <a:bodyPr anchorCtr="0" anchor="t" bIns="91425" lIns="91425" rIns="91425" tIns="91425"/>
           <a:lstStyle>
             <a:lvl1pPr>
               <a:spcBef>
@@ -4310,7 +4310,7 @@
       </p:sp>
     </p:spTree>
   </p:cSld>
-  <p:clrMap accent2="accent2" accent3="accent3" accent4="accent4" accent5="accent5" accent6="accent6" hlink="hlink" tx2="lt2" tx1="dk1" bg2="dk2" bg1="lt1" folHlink="folHlink" accent1="accent1"/>
+  <p:clrMap accent1="accent1" accent2="accent2" accent3="accent3" accent4="accent4" accent5="accent5" accent6="accent6" bg1="lt1" bg2="dk2" tx1="dk1" tx2="lt2" folHlink="folHlink" hlink="hlink"/>
   <p:sldLayoutIdLst>
     <p:sldLayoutId id="2147483648" r:id="rId1"/>
     <p:sldLayoutId id="2147483649" r:id="rId2"/>
@@ -4319,9 +4319,10 @@
     <p:sldLayoutId id="2147483652" r:id="rId5"/>
     <p:sldLayoutId id="2147483653" r:id="rId6"/>
   </p:sldLayoutIdLst>
+  <p:hf dt="0" ftr="0" hdr="0" sldNum="0"/>
   <p:txStyles>
     <p:titleStyle>
-      <a:defPPr algn="l" rtl="0" marR="0">
+      <a:defPPr marR="0" rtl="0" algn="l">
         <a:lnSpc>
           <a:spcPct val="100000"/>
         </a:lnSpc>
@@ -4332,7 +4333,7 @@
           <a:spcPts val="0"/>
         </a:spcAft>
       </a:defPPr>
-      <a:lvl1pPr algn="l" rtl="0" marR="0">
+      <a:lvl1pPr marR="0" rtl="0" algn="l">
         <a:lnSpc>
           <a:spcPct val="100000"/>
         </a:lnSpc>
@@ -4343,7 +4344,7 @@
           <a:spcPts val="0"/>
         </a:spcAft>
         <a:buNone/>
-        <a:defRPr strike="noStrike" u="none" b="0" cap="none" baseline="0" sz="1400" i="0">
+        <a:defRPr b="0" baseline="0" i="0" sz="1400" u="none" cap="none" strike="noStrike">
           <a:solidFill>
             <a:srgbClr val="000000"/>
           </a:solidFill>
@@ -4354,7 +4355,7 @@
           <a:rtl val="0"/>
         </a:defRPr>
       </a:lvl1pPr>
-      <a:lvl2pPr algn="l" rtl="0" marR="0">
+      <a:lvl2pPr marR="0" rtl="0" algn="l">
         <a:lnSpc>
           <a:spcPct val="100000"/>
         </a:lnSpc>
@@ -4365,7 +4366,7 @@
           <a:spcPts val="0"/>
         </a:spcAft>
         <a:buNone/>
-        <a:defRPr strike="noStrike" u="none" b="0" cap="none" baseline="0" sz="1400" i="0">
+        <a:defRPr b="0" baseline="0" i="0" sz="1400" u="none" cap="none" strike="noStrike">
           <a:solidFill>
             <a:srgbClr val="000000"/>
           </a:solidFill>
@@ -4378,7 +4379,7 @@
       </a:lvl2pPr>
     </p:titleStyle>
     <p:bodyStyle>
-      <a:defPPr algn="l" rtl="0" marR="0">
+      <a:defPPr marR="0" rtl="0" algn="l">
         <a:lnSpc>
           <a:spcPct val="100000"/>
         </a:lnSpc>
@@ -4389,7 +4390,7 @@
           <a:spcPts val="0"/>
         </a:spcAft>
       </a:defPPr>
-      <a:lvl1pPr algn="l" rtl="0" marR="0">
+      <a:lvl1pPr marR="0" rtl="0" algn="l">
         <a:lnSpc>
           <a:spcPct val="100000"/>
         </a:lnSpc>
@@ -4400,7 +4401,7 @@
           <a:spcPts val="0"/>
         </a:spcAft>
         <a:buNone/>
-        <a:defRPr strike="noStrike" u="none" b="0" cap="none" baseline="0" sz="1400" i="0">
+        <a:defRPr b="0" baseline="0" i="0" sz="1400" u="none" cap="none" strike="noStrike">
           <a:solidFill>
             <a:srgbClr val="000000"/>
           </a:solidFill>
@@ -4411,7 +4412,7 @@
           <a:rtl val="0"/>
         </a:defRPr>
       </a:lvl1pPr>
-      <a:lvl2pPr algn="l" rtl="0" marR="0">
+      <a:lvl2pPr marR="0" rtl="0" algn="l">
         <a:lnSpc>
           <a:spcPct val="100000"/>
         </a:lnSpc>
@@ -4422,7 +4423,7 @@
           <a:spcPts val="0"/>
         </a:spcAft>
         <a:buNone/>
-        <a:defRPr strike="noStrike" u="none" b="0" cap="none" baseline="0" sz="1400" i="0">
+        <a:defRPr b="0" baseline="0" i="0" sz="1400" u="none" cap="none" strike="noStrike">
           <a:solidFill>
             <a:srgbClr val="000000"/>
           </a:solidFill>
@@ -4433,7 +4434,7 @@
           <a:rtl val="0"/>
         </a:defRPr>
       </a:lvl2pPr>
-      <a:lvl3pPr algn="l" rtl="0" marR="0">
+      <a:lvl3pPr marR="0" rtl="0" algn="l">
         <a:lnSpc>
           <a:spcPct val="100000"/>
         </a:lnSpc>
@@ -4444,7 +4445,7 @@
           <a:spcPts val="0"/>
         </a:spcAft>
         <a:buNone/>
-        <a:defRPr strike="noStrike" u="none" b="0" cap="none" baseline="0" sz="1400" i="0">
+        <a:defRPr b="0" baseline="0" i="0" sz="1400" u="none" cap="none" strike="noStrike">
           <a:solidFill>
             <a:srgbClr val="000000"/>
           </a:solidFill>
@@ -4455,7 +4456,7 @@
           <a:rtl val="0"/>
         </a:defRPr>
       </a:lvl3pPr>
-      <a:lvl4pPr algn="l" rtl="0" marR="0">
+      <a:lvl4pPr marR="0" rtl="0" algn="l">
         <a:lnSpc>
           <a:spcPct val="100000"/>
         </a:lnSpc>
@@ -4466,7 +4467,7 @@
           <a:spcPts val="0"/>
         </a:spcAft>
         <a:buNone/>
-        <a:defRPr strike="noStrike" u="none" b="0" cap="none" baseline="0" sz="1400" i="0">
+        <a:defRPr b="0" baseline="0" i="0" sz="1400" u="none" cap="none" strike="noStrike">
           <a:solidFill>
             <a:srgbClr val="000000"/>
           </a:solidFill>
@@ -4477,7 +4478,7 @@
           <a:rtl val="0"/>
         </a:defRPr>
       </a:lvl4pPr>
-      <a:lvl5pPr algn="l" rtl="0" marR="0">
+      <a:lvl5pPr marR="0" rtl="0" algn="l">
         <a:lnSpc>
           <a:spcPct val="100000"/>
         </a:lnSpc>
@@ -4488,7 +4489,7 @@
           <a:spcPts val="0"/>
         </a:spcAft>
         <a:buNone/>
-        <a:defRPr strike="noStrike" u="none" b="0" cap="none" baseline="0" sz="1400" i="0">
+        <a:defRPr b="0" baseline="0" i="0" sz="1400" u="none" cap="none" strike="noStrike">
           <a:solidFill>
             <a:srgbClr val="000000"/>
           </a:solidFill>
@@ -4499,7 +4500,7 @@
           <a:rtl val="0"/>
         </a:defRPr>
       </a:lvl5pPr>
-      <a:lvl6pPr algn="l" rtl="0" marR="0">
+      <a:lvl6pPr marR="0" rtl="0" algn="l">
         <a:lnSpc>
           <a:spcPct val="100000"/>
         </a:lnSpc>
@@ -4510,7 +4511,7 @@
           <a:spcPts val="0"/>
         </a:spcAft>
         <a:buNone/>
-        <a:defRPr strike="noStrike" u="none" b="0" cap="none" baseline="0" sz="1400" i="0">
+        <a:defRPr b="0" baseline="0" i="0" sz="1400" u="none" cap="none" strike="noStrike">
           <a:solidFill>
             <a:srgbClr val="000000"/>
           </a:solidFill>
@@ -4521,7 +4522,7 @@
           <a:rtl val="0"/>
         </a:defRPr>
       </a:lvl6pPr>
-      <a:lvl7pPr algn="l" rtl="0" marR="0">
+      <a:lvl7pPr marR="0" rtl="0" algn="l">
         <a:lnSpc>
           <a:spcPct val="100000"/>
         </a:lnSpc>
@@ -4532,7 +4533,7 @@
           <a:spcPts val="0"/>
         </a:spcAft>
         <a:buNone/>
-        <a:defRPr strike="noStrike" u="none" b="0" cap="none" baseline="0" sz="1400" i="0">
+        <a:defRPr b="0" baseline="0" i="0" sz="1400" u="none" cap="none" strike="noStrike">
           <a:solidFill>
             <a:srgbClr val="000000"/>
           </a:solidFill>
@@ -4543,7 +4544,7 @@
           <a:rtl val="0"/>
         </a:defRPr>
       </a:lvl7pPr>
-      <a:lvl8pPr algn="l" rtl="0" marR="0">
+      <a:lvl8pPr marR="0" rtl="0" algn="l">
         <a:lnSpc>
           <a:spcPct val="100000"/>
         </a:lnSpc>
@@ -4554,7 +4555,7 @@
           <a:spcPts val="0"/>
         </a:spcAft>
         <a:buNone/>
-        <a:defRPr strike="noStrike" u="none" b="0" cap="none" baseline="0" sz="1400" i="0">
+        <a:defRPr b="0" baseline="0" i="0" sz="1400" u="none" cap="none" strike="noStrike">
           <a:solidFill>
             <a:srgbClr val="000000"/>
           </a:solidFill>
@@ -4565,7 +4566,7 @@
           <a:rtl val="0"/>
         </a:defRPr>
       </a:lvl8pPr>
-      <a:lvl9pPr algn="l" rtl="0" marR="0">
+      <a:lvl9pPr marR="0" rtl="0" algn="l">
         <a:lnSpc>
           <a:spcPct val="100000"/>
         </a:lnSpc>
@@ -4576,7 +4577,7 @@
           <a:spcPts val="0"/>
         </a:spcAft>
         <a:buNone/>
-        <a:defRPr strike="noStrike" u="none" b="0" cap="none" baseline="0" sz="1400" i="0">
+        <a:defRPr b="0" baseline="0" i="0" sz="1400" u="none" cap="none" strike="noStrike">
           <a:solidFill>
             <a:srgbClr val="000000"/>
           </a:solidFill>
@@ -4589,7 +4590,7 @@
       </a:lvl9pPr>
     </p:bodyStyle>
     <p:otherStyle>
-      <a:defPPr algn="l" rtl="0" marR="0">
+      <a:defPPr marR="0" rtl="0" algn="l">
         <a:lnSpc>
           <a:spcPct val="100000"/>
         </a:lnSpc>
@@ -4600,7 +4601,7 @@
           <a:spcPts val="0"/>
         </a:spcAft>
       </a:defPPr>
-      <a:lvl1pPr algn="l" rtl="0" marR="0">
+      <a:lvl1pPr marR="0" rtl="0" algn="l">
         <a:lnSpc>
           <a:spcPct val="100000"/>
         </a:lnSpc>
@@ -4611,7 +4612,7 @@
           <a:spcPts val="0"/>
         </a:spcAft>
         <a:buNone/>
-        <a:defRPr strike="noStrike" u="none" b="0" cap="none" baseline="0" sz="1400" i="0">
+        <a:defRPr b="0" baseline="0" i="0" sz="1400" u="none" cap="none" strike="noStrike">
           <a:solidFill>
             <a:srgbClr val="000000"/>
           </a:solidFill>
@@ -4622,7 +4623,7 @@
           <a:rtl val="0"/>
         </a:defRPr>
       </a:lvl1pPr>
-      <a:lvl2pPr algn="l" rtl="0" marR="0">
+      <a:lvl2pPr marR="0" rtl="0" algn="l">
         <a:lnSpc>
           <a:spcPct val="100000"/>
         </a:lnSpc>
@@ -4633,7 +4634,7 @@
           <a:spcPts val="0"/>
         </a:spcAft>
         <a:buNone/>
-        <a:defRPr strike="noStrike" u="none" b="0" cap="none" baseline="0" sz="1400" i="0">
+        <a:defRPr b="0" baseline="0" i="0" sz="1400" u="none" cap="none" strike="noStrike">
           <a:solidFill>
             <a:srgbClr val="000000"/>
           </a:solidFill>
@@ -4644,7 +4645,7 @@
           <a:rtl val="0"/>
         </a:defRPr>
       </a:lvl2pPr>
-      <a:lvl3pPr algn="l" rtl="0" marR="0">
+      <a:lvl3pPr marR="0" rtl="0" algn="l">
         <a:lnSpc>
           <a:spcPct val="100000"/>
         </a:lnSpc>
@@ -4655,7 +4656,7 @@
           <a:spcPts val="0"/>
         </a:spcAft>
         <a:buNone/>
-        <a:defRPr strike="noStrike" u="none" b="0" cap="none" baseline="0" sz="1400" i="0">
+        <a:defRPr b="0" baseline="0" i="0" sz="1400" u="none" cap="none" strike="noStrike">
           <a:solidFill>
             <a:srgbClr val="000000"/>
           </a:solidFill>
@@ -4666,7 +4667,7 @@
           <a:rtl val="0"/>
         </a:defRPr>
       </a:lvl3pPr>
-      <a:lvl4pPr algn="l" rtl="0" marR="0">
+      <a:lvl4pPr marR="0" rtl="0" algn="l">
         <a:lnSpc>
           <a:spcPct val="100000"/>
         </a:lnSpc>
@@ -4677,7 +4678,7 @@
           <a:spcPts val="0"/>
         </a:spcAft>
         <a:buNone/>
-        <a:defRPr strike="noStrike" u="none" b="0" cap="none" baseline="0" sz="1400" i="0">
+        <a:defRPr b="0" baseline="0" i="0" sz="1400" u="none" cap="none" strike="noStrike">
           <a:solidFill>
             <a:srgbClr val="000000"/>
           </a:solidFill>
@@ -4688,7 +4689,7 @@
           <a:rtl val="0"/>
         </a:defRPr>
       </a:lvl4pPr>
-      <a:lvl5pPr algn="l" rtl="0" marR="0">
+      <a:lvl5pPr marR="0" rtl="0" algn="l">
         <a:lnSpc>
           <a:spcPct val="100000"/>
         </a:lnSpc>
@@ -4699,7 +4700,7 @@
           <a:spcPts val="0"/>
         </a:spcAft>
         <a:buNone/>
-        <a:defRPr strike="noStrike" u="none" b="0" cap="none" baseline="0" sz="1400" i="0">
+        <a:defRPr b="0" baseline="0" i="0" sz="1400" u="none" cap="none" strike="noStrike">
           <a:solidFill>
             <a:srgbClr val="000000"/>
           </a:solidFill>
@@ -4710,7 +4711,7 @@
           <a:rtl val="0"/>
         </a:defRPr>
       </a:lvl5pPr>
-      <a:lvl6pPr algn="l" rtl="0" marR="0">
+      <a:lvl6pPr marR="0" rtl="0" algn="l">
         <a:lnSpc>
           <a:spcPct val="100000"/>
         </a:lnSpc>
@@ -4721,7 +4722,7 @@
           <a:spcPts val="0"/>
         </a:spcAft>
         <a:buNone/>
-        <a:defRPr strike="noStrike" u="none" b="0" cap="none" baseline="0" sz="1400" i="0">
+        <a:defRPr b="0" baseline="0" i="0" sz="1400" u="none" cap="none" strike="noStrike">
           <a:solidFill>
             <a:srgbClr val="000000"/>
           </a:solidFill>
@@ -4732,7 +4733,7 @@
           <a:rtl val="0"/>
         </a:defRPr>
       </a:lvl6pPr>
-      <a:lvl7pPr algn="l" rtl="0" marR="0">
+      <a:lvl7pPr marR="0" rtl="0" algn="l">
         <a:lnSpc>
           <a:spcPct val="100000"/>
         </a:lnSpc>
@@ -4743,7 +4744,7 @@
           <a:spcPts val="0"/>
         </a:spcAft>
         <a:buNone/>
-        <a:defRPr strike="noStrike" u="none" b="0" cap="none" baseline="0" sz="1400" i="0">
+        <a:defRPr b="0" baseline="0" i="0" sz="1400" u="none" cap="none" strike="noStrike">
           <a:solidFill>
             <a:srgbClr val="000000"/>
           </a:solidFill>
@@ -4754,7 +4755,7 @@
           <a:rtl val="0"/>
         </a:defRPr>
       </a:lvl7pPr>
-      <a:lvl8pPr algn="l" rtl="0" marR="0">
+      <a:lvl8pPr marR="0" rtl="0" algn="l">
         <a:lnSpc>
           <a:spcPct val="100000"/>
         </a:lnSpc>
@@ -4765,7 +4766,7 @@
           <a:spcPts val="0"/>
         </a:spcAft>
         <a:buNone/>
-        <a:defRPr strike="noStrike" u="none" b="0" cap="none" baseline="0" sz="1400" i="0">
+        <a:defRPr b="0" baseline="0" i="0" sz="1400" u="none" cap="none" strike="noStrike">
           <a:solidFill>
             <a:srgbClr val="000000"/>
           </a:solidFill>
@@ -4776,7 +4777,7 @@
           <a:rtl val="0"/>
         </a:defRPr>
       </a:lvl8pPr>
-      <a:lvl9pPr algn="l" rtl="0" marR="0">
+      <a:lvl9pPr marR="0" rtl="0" algn="l">
         <a:lnSpc>
           <a:spcPct val="100000"/>
         </a:lnSpc>
@@ -4787,7 +4788,7 @@
           <a:spcPts val="0"/>
         </a:spcAft>
         <a:buNone/>
-        <a:defRPr strike="noStrike" u="none" b="0" cap="none" baseline="0" sz="1400" i="0">
+        <a:defRPr b="0" baseline="0" i="0" sz="1400" u="none" cap="none" strike="noStrike">
           <a:solidFill>
             <a:srgbClr val="000000"/>
           </a:solidFill>
@@ -4821,10 +4822,10 @@
       </p:nvGrpSpPr>
       <p:grpSpPr>
         <a:xfrm>
-          <a:off y="0" x="0"/>
-          <a:ext cy="0" cx="0"/>
-          <a:chOff y="0" x="0"/>
-          <a:chExt cy="0" cx="0"/>
+          <a:off x="0" y="0"/>
+          <a:ext cx="0" cy="0"/>
+          <a:chOff x="0" y="0"/>
+          <a:chExt cx="0" cy="0"/>
         </a:xfrm>
       </p:grpSpPr>
       <p:sp>
@@ -4837,8 +4838,8 @@
         </p:nvSpPr>
         <p:spPr>
           <a:xfrm>
-            <a:off y="205978" x="457200"/>
-            <a:ext cy="857400" cx="8229600"/>
+            <a:off x="457200" y="205978"/>
+            <a:ext cx="8229600" cy="857400"/>
           </a:xfrm>
           <a:prstGeom prst="rect">
             <a:avLst/>
@@ -4849,7 +4850,7 @@
           </a:ln>
         </p:spPr>
         <p:txBody>
-          <a:bodyPr bIns="91425" rIns="91425" lIns="91425" tIns="91425" anchor="b" anchorCtr="0"/>
+          <a:bodyPr anchorCtr="0" anchor="b" bIns="91425" lIns="91425" rIns="91425" tIns="91425"/>
           <a:lstStyle>
             <a:lvl1pPr rtl="0">
               <a:spcBef>
@@ -5000,8 +5001,8 @@
         </p:nvSpPr>
         <p:spPr>
           <a:xfrm>
-            <a:off y="1200150" x="457200"/>
-            <a:ext cy="3725699" cx="8229600"/>
+            <a:off x="457200" y="1200150"/>
+            <a:ext cx="8229600" cy="3725699"/>
           </a:xfrm>
           <a:prstGeom prst="rect">
             <a:avLst/>
@@ -5012,7 +5013,7 @@
           </a:ln>
         </p:spPr>
         <p:txBody>
-          <a:bodyPr bIns="91425" rIns="91425" lIns="91425" tIns="91425" anchor="t" anchorCtr="0"/>
+          <a:bodyPr anchorCtr="0" anchor="t" bIns="91425" lIns="91425" rIns="91425" tIns="91425"/>
           <a:lstStyle>
             <a:lvl1pPr rtl="0">
               <a:spcBef>
@@ -5146,7 +5147,7 @@
       </p:sp>
     </p:spTree>
   </p:cSld>
-  <p:clrMap accent2="accent2" accent3="accent3" accent4="accent4" accent5="accent5" accent6="accent6" hlink="hlink" tx2="lt2" tx1="dk1" bg2="dk2" bg1="lt1" folHlink="folHlink" accent1="accent1"/>
+  <p:clrMap accent1="accent1" accent2="accent2" accent3="accent3" accent4="accent4" accent5="accent5" accent6="accent6" bg1="lt1" bg2="dk2" tx1="dk1" tx2="lt2" folHlink="folHlink" hlink="hlink"/>
   <p:sldLayoutIdLst>
     <p:sldLayoutId id="2147483654" r:id="rId1"/>
     <p:sldLayoutId id="2147483655" r:id="rId2"/>
@@ -5155,9 +5156,10 @@
     <p:sldLayoutId id="2147483658" r:id="rId5"/>
     <p:sldLayoutId id="2147483659" r:id="rId6"/>
   </p:sldLayoutIdLst>
+  <p:hf dt="0" ftr="0" hdr="0" sldNum="0"/>
   <p:txStyles>
     <p:titleStyle>
-      <a:defPPr algn="l" rtl="0" marR="0">
+      <a:defPPr marR="0" rtl="0" algn="l">
         <a:lnSpc>
           <a:spcPct val="100000"/>
         </a:lnSpc>
@@ -5168,7 +5170,7 @@
           <a:spcPts val="0"/>
         </a:spcAft>
       </a:defPPr>
-      <a:lvl1pPr algn="l" rtl="0" marR="0">
+      <a:lvl1pPr marR="0" rtl="0" algn="l">
         <a:lnSpc>
           <a:spcPct val="100000"/>
         </a:lnSpc>
@@ -5179,7 +5181,7 @@
           <a:spcPts val="0"/>
         </a:spcAft>
         <a:buNone/>
-        <a:defRPr strike="noStrike" u="none" b="0" cap="none" baseline="0" sz="1400" i="0">
+        <a:defRPr b="0" baseline="0" i="0" sz="1400" u="none" cap="none" strike="noStrike">
           <a:solidFill>
             <a:srgbClr val="000000"/>
           </a:solidFill>
@@ -5190,7 +5192,7 @@
           <a:rtl val="0"/>
         </a:defRPr>
       </a:lvl1pPr>
-      <a:lvl2pPr algn="l" rtl="0" marR="0">
+      <a:lvl2pPr marR="0" rtl="0" algn="l">
         <a:lnSpc>
           <a:spcPct val="100000"/>
         </a:lnSpc>
@@ -5201,7 +5203,7 @@
           <a:spcPts val="0"/>
         </a:spcAft>
         <a:buNone/>
-        <a:defRPr strike="noStrike" u="none" b="0" cap="none" baseline="0" sz="1400" i="0">
+        <a:defRPr b="0" baseline="0" i="0" sz="1400" u="none" cap="none" strike="noStrike">
           <a:solidFill>
             <a:srgbClr val="000000"/>
           </a:solidFill>
@@ -5214,7 +5216,7 @@
       </a:lvl2pPr>
     </p:titleStyle>
     <p:bodyStyle>
-      <a:defPPr algn="l" rtl="0" marR="0">
+      <a:defPPr marR="0" rtl="0" algn="l">
         <a:lnSpc>
           <a:spcPct val="100000"/>
         </a:lnSpc>
@@ -5225,7 +5227,7 @@
           <a:spcPts val="0"/>
         </a:spcAft>
       </a:defPPr>
-      <a:lvl1pPr algn="l" rtl="0" marR="0">
+      <a:lvl1pPr marR="0" rtl="0" algn="l">
         <a:lnSpc>
           <a:spcPct val="100000"/>
         </a:lnSpc>
@@ -5236,7 +5238,7 @@
           <a:spcPts val="0"/>
         </a:spcAft>
         <a:buNone/>
-        <a:defRPr strike="noStrike" u="none" b="0" cap="none" baseline="0" sz="1400" i="0">
+        <a:defRPr b="0" baseline="0" i="0" sz="1400" u="none" cap="none" strike="noStrike">
           <a:solidFill>
             <a:srgbClr val="000000"/>
           </a:solidFill>
@@ -5247,7 +5249,7 @@
           <a:rtl val="0"/>
         </a:defRPr>
       </a:lvl1pPr>
-      <a:lvl2pPr algn="l" rtl="0" marR="0">
+      <a:lvl2pPr marR="0" rtl="0" algn="l">
         <a:lnSpc>
           <a:spcPct val="100000"/>
         </a:lnSpc>
@@ -5258,7 +5260,7 @@
           <a:spcPts val="0"/>
         </a:spcAft>
         <a:buNone/>
-        <a:defRPr strike="noStrike" u="none" b="0" cap="none" baseline="0" sz="1400" i="0">
+        <a:defRPr b="0" baseline="0" i="0" sz="1400" u="none" cap="none" strike="noStrike">
           <a:solidFill>
             <a:srgbClr val="000000"/>
           </a:solidFill>
@@ -5269,7 +5271,7 @@
           <a:rtl val="0"/>
         </a:defRPr>
       </a:lvl2pPr>
-      <a:lvl3pPr algn="l" rtl="0" marR="0">
+      <a:lvl3pPr marR="0" rtl="0" algn="l">
         <a:lnSpc>
           <a:spcPct val="100000"/>
         </a:lnSpc>
@@ -5280,7 +5282,7 @@
           <a:spcPts val="0"/>
         </a:spcAft>
         <a:buNone/>
-        <a:defRPr strike="noStrike" u="none" b="0" cap="none" baseline="0" sz="1400" i="0">
+        <a:defRPr b="0" baseline="0" i="0" sz="1400" u="none" cap="none" strike="noStrike">
           <a:solidFill>
             <a:srgbClr val="000000"/>
           </a:solidFill>
@@ -5291,7 +5293,7 @@
           <a:rtl val="0"/>
         </a:defRPr>
       </a:lvl3pPr>
-      <a:lvl4pPr algn="l" rtl="0" marR="0">
+      <a:lvl4pPr marR="0" rtl="0" algn="l">
         <a:lnSpc>
           <a:spcPct val="100000"/>
         </a:lnSpc>
@@ -5302,7 +5304,7 @@
           <a:spcPts val="0"/>
         </a:spcAft>
         <a:buNone/>
-        <a:defRPr strike="noStrike" u="none" b="0" cap="none" baseline="0" sz="1400" i="0">
+        <a:defRPr b="0" baseline="0" i="0" sz="1400" u="none" cap="none" strike="noStrike">
           <a:solidFill>
             <a:srgbClr val="000000"/>
           </a:solidFill>
@@ -5313,7 +5315,7 @@
           <a:rtl val="0"/>
         </a:defRPr>
       </a:lvl4pPr>
-      <a:lvl5pPr algn="l" rtl="0" marR="0">
+      <a:lvl5pPr marR="0" rtl="0" algn="l">
         <a:lnSpc>
           <a:spcPct val="100000"/>
         </a:lnSpc>
@@ -5324,7 +5326,7 @@
           <a:spcPts val="0"/>
         </a:spcAft>
         <a:buNone/>
-        <a:defRPr strike="noStrike" u="none" b="0" cap="none" baseline="0" sz="1400" i="0">
+        <a:defRPr b="0" baseline="0" i="0" sz="1400" u="none" cap="none" strike="noStrike">
           <a:solidFill>
             <a:srgbClr val="000000"/>
           </a:solidFill>
@@ -5335,7 +5337,7 @@
           <a:rtl val="0"/>
         </a:defRPr>
       </a:lvl5pPr>
-      <a:lvl6pPr algn="l" rtl="0" marR="0">
+      <a:lvl6pPr marR="0" rtl="0" algn="l">
         <a:lnSpc>
           <a:spcPct val="100000"/>
         </a:lnSpc>
@@ -5346,7 +5348,7 @@
           <a:spcPts val="0"/>
         </a:spcAft>
         <a:buNone/>
-        <a:defRPr strike="noStrike" u="none" b="0" cap="none" baseline="0" sz="1400" i="0">
+        <a:defRPr b="0" baseline="0" i="0" sz="1400" u="none" cap="none" strike="noStrike">
           <a:solidFill>
             <a:srgbClr val="000000"/>
           </a:solidFill>
@@ -5357,7 +5359,7 @@
           <a:rtl val="0"/>
         </a:defRPr>
       </a:lvl6pPr>
-      <a:lvl7pPr algn="l" rtl="0" marR="0">
+      <a:lvl7pPr marR="0" rtl="0" algn="l">
         <a:lnSpc>
           <a:spcPct val="100000"/>
         </a:lnSpc>
@@ -5368,7 +5370,7 @@
           <a:spcPts val="0"/>
         </a:spcAft>
         <a:buNone/>
-        <a:defRPr strike="noStrike" u="none" b="0" cap="none" baseline="0" sz="1400" i="0">
+        <a:defRPr b="0" baseline="0" i="0" sz="1400" u="none" cap="none" strike="noStrike">
           <a:solidFill>
             <a:srgbClr val="000000"/>
           </a:solidFill>
@@ -5379,7 +5381,7 @@
           <a:rtl val="0"/>
         </a:defRPr>
       </a:lvl7pPr>
-      <a:lvl8pPr algn="l" rtl="0" marR="0">
+      <a:lvl8pPr marR="0" rtl="0" algn="l">
         <a:lnSpc>
           <a:spcPct val="100000"/>
         </a:lnSpc>
@@ -5390,7 +5392,7 @@
           <a:spcPts val="0"/>
         </a:spcAft>
         <a:buNone/>
-        <a:defRPr strike="noStrike" u="none" b="0" cap="none" baseline="0" sz="1400" i="0">
+        <a:defRPr b="0" baseline="0" i="0" sz="1400" u="none" cap="none" strike="noStrike">
           <a:solidFill>
             <a:srgbClr val="000000"/>
           </a:solidFill>
@@ -5401,7 +5403,7 @@
           <a:rtl val="0"/>
         </a:defRPr>
       </a:lvl8pPr>
-      <a:lvl9pPr algn="l" rtl="0" marR="0">
+      <a:lvl9pPr marR="0" rtl="0" algn="l">
         <a:lnSpc>
           <a:spcPct val="100000"/>
         </a:lnSpc>
@@ -5412,7 +5414,7 @@
           <a:spcPts val="0"/>
         </a:spcAft>
         <a:buNone/>
-        <a:defRPr strike="noStrike" u="none" b="0" cap="none" baseline="0" sz="1400" i="0">
+        <a:defRPr b="0" baseline="0" i="0" sz="1400" u="none" cap="none" strike="noStrike">
           <a:solidFill>
             <a:srgbClr val="000000"/>
           </a:solidFill>
@@ -5425,7 +5427,7 @@
       </a:lvl9pPr>
     </p:bodyStyle>
     <p:otherStyle>
-      <a:defPPr algn="l" rtl="0" marR="0">
+      <a:defPPr marR="0" rtl="0" algn="l">
         <a:lnSpc>
           <a:spcPct val="100000"/>
         </a:lnSpc>
@@ -5436,7 +5438,7 @@
           <a:spcPts val="0"/>
         </a:spcAft>
       </a:defPPr>
-      <a:lvl1pPr algn="l" rtl="0" marR="0">
+      <a:lvl1pPr marR="0" rtl="0" algn="l">
         <a:lnSpc>
           <a:spcPct val="100000"/>
         </a:lnSpc>
@@ -5447,7 +5449,7 @@
           <a:spcPts val="0"/>
         </a:spcAft>
         <a:buNone/>
-        <a:defRPr strike="noStrike" u="none" b="0" cap="none" baseline="0" sz="1400" i="0">
+        <a:defRPr b="0" baseline="0" i="0" sz="1400" u="none" cap="none" strike="noStrike">
           <a:solidFill>
             <a:srgbClr val="000000"/>
           </a:solidFill>
@@ -5458,7 +5460,7 @@
           <a:rtl val="0"/>
         </a:defRPr>
       </a:lvl1pPr>
-      <a:lvl2pPr algn="l" rtl="0" marR="0">
+      <a:lvl2pPr marR="0" rtl="0" algn="l">
         <a:lnSpc>
           <a:spcPct val="100000"/>
         </a:lnSpc>
@@ -5469,7 +5471,7 @@
           <a:spcPts val="0"/>
         </a:spcAft>
         <a:buNone/>
-        <a:defRPr strike="noStrike" u="none" b="0" cap="none" baseline="0" sz="1400" i="0">
+        <a:defRPr b="0" baseline="0" i="0" sz="1400" u="none" cap="none" strike="noStrike">
           <a:solidFill>
             <a:srgbClr val="000000"/>
           </a:solidFill>
@@ -5480,7 +5482,7 @@
           <a:rtl val="0"/>
         </a:defRPr>
       </a:lvl2pPr>
-      <a:lvl3pPr algn="l" rtl="0" marR="0">
+      <a:lvl3pPr marR="0" rtl="0" algn="l">
         <a:lnSpc>
           <a:spcPct val="100000"/>
         </a:lnSpc>
@@ -5491,7 +5493,7 @@
           <a:spcPts val="0"/>
         </a:spcAft>
         <a:buNone/>
-        <a:defRPr strike="noStrike" u="none" b="0" cap="none" baseline="0" sz="1400" i="0">
+        <a:defRPr b="0" baseline="0" i="0" sz="1400" u="none" cap="none" strike="noStrike">
           <a:solidFill>
             <a:srgbClr val="000000"/>
           </a:solidFill>
@@ -5502,7 +5504,7 @@
           <a:rtl val="0"/>
         </a:defRPr>
       </a:lvl3pPr>
-      <a:lvl4pPr algn="l" rtl="0" marR="0">
+      <a:lvl4pPr marR="0" rtl="0" algn="l">
         <a:lnSpc>
           <a:spcPct val="100000"/>
         </a:lnSpc>
@@ -5513,7 +5515,7 @@
           <a:spcPts val="0"/>
         </a:spcAft>
         <a:buNone/>
-        <a:defRPr strike="noStrike" u="none" b="0" cap="none" baseline="0" sz="1400" i="0">
+        <a:defRPr b="0" baseline="0" i="0" sz="1400" u="none" cap="none" strike="noStrike">
           <a:solidFill>
             <a:srgbClr val="000000"/>
           </a:solidFill>
@@ -5524,7 +5526,7 @@
           <a:rtl val="0"/>
         </a:defRPr>
       </a:lvl4pPr>
-      <a:lvl5pPr algn="l" rtl="0" marR="0">
+      <a:lvl5pPr marR="0" rtl="0" algn="l">
         <a:lnSpc>
           <a:spcPct val="100000"/>
         </a:lnSpc>
@@ -5535,7 +5537,7 @@
           <a:spcPts val="0"/>
         </a:spcAft>
         <a:buNone/>
-        <a:defRPr strike="noStrike" u="none" b="0" cap="none" baseline="0" sz="1400" i="0">
+        <a:defRPr b="0" baseline="0" i="0" sz="1400" u="none" cap="none" strike="noStrike">
           <a:solidFill>
             <a:srgbClr val="000000"/>
           </a:solidFill>
@@ -5546,7 +5548,7 @@
           <a:rtl val="0"/>
         </a:defRPr>
       </a:lvl5pPr>
-      <a:lvl6pPr algn="l" rtl="0" marR="0">
+      <a:lvl6pPr marR="0" rtl="0" algn="l">
         <a:lnSpc>
           <a:spcPct val="100000"/>
         </a:lnSpc>
@@ -5557,7 +5559,7 @@
           <a:spcPts val="0"/>
         </a:spcAft>
         <a:buNone/>
-        <a:defRPr strike="noStrike" u="none" b="0" cap="none" baseline="0" sz="1400" i="0">
+        <a:defRPr b="0" baseline="0" i="0" sz="1400" u="none" cap="none" strike="noStrike">
           <a:solidFill>
             <a:srgbClr val="000000"/>
           </a:solidFill>
@@ -5568,7 +5570,7 @@
           <a:rtl val="0"/>
         </a:defRPr>
       </a:lvl6pPr>
-      <a:lvl7pPr algn="l" rtl="0" marR="0">
+      <a:lvl7pPr marR="0" rtl="0" algn="l">
         <a:lnSpc>
           <a:spcPct val="100000"/>
         </a:lnSpc>
@@ -5579,7 +5581,7 @@
           <a:spcPts val="0"/>
         </a:spcAft>
         <a:buNone/>
-        <a:defRPr strike="noStrike" u="none" b="0" cap="none" baseline="0" sz="1400" i="0">
+        <a:defRPr b="0" baseline="0" i="0" sz="1400" u="none" cap="none" strike="noStrike">
           <a:solidFill>
             <a:srgbClr val="000000"/>
           </a:solidFill>
@@ -5590,7 +5592,7 @@
           <a:rtl val="0"/>
         </a:defRPr>
       </a:lvl7pPr>
-      <a:lvl8pPr algn="l" rtl="0" marR="0">
+      <a:lvl8pPr marR="0" rtl="0" algn="l">
         <a:lnSpc>
           <a:spcPct val="100000"/>
         </a:lnSpc>
@@ -5601,7 +5603,7 @@
           <a:spcPts val="0"/>
         </a:spcAft>
         <a:buNone/>
-        <a:defRPr strike="noStrike" u="none" b="0" cap="none" baseline="0" sz="1400" i="0">
+        <a:defRPr b="0" baseline="0" i="0" sz="1400" u="none" cap="none" strike="noStrike">
           <a:solidFill>
             <a:srgbClr val="000000"/>
           </a:solidFill>
@@ -5612,7 +5614,7 @@
           <a:rtl val="0"/>
         </a:defRPr>
       </a:lvl8pPr>
-      <a:lvl9pPr algn="l" rtl="0" marR="0">
+      <a:lvl9pPr marR="0" rtl="0" algn="l">
         <a:lnSpc>
           <a:spcPct val="100000"/>
         </a:lnSpc>
@@ -5623,7 +5625,7 @@
           <a:spcPts val="0"/>
         </a:spcAft>
         <a:buNone/>
-        <a:defRPr strike="noStrike" u="none" b="0" cap="none" baseline="0" sz="1400" i="0">
+        <a:defRPr b="0" baseline="0" i="0" sz="1400" u="none" cap="none" strike="noStrike">
           <a:solidFill>
             <a:srgbClr val="000000"/>
           </a:solidFill>
@@ -5650,10 +5652,10 @@
       </p:nvGrpSpPr>
       <p:grpSpPr>
         <a:xfrm>
-          <a:off y="0" x="0"/>
-          <a:ext cy="0" cx="0"/>
-          <a:chOff y="0" x="0"/>
-          <a:chExt cy="0" cx="0"/>
+          <a:off x="0" y="0"/>
+          <a:ext cx="0" cy="0"/>
+          <a:chOff x="0" y="0"/>
+          <a:chExt cx="0" cy="0"/>
         </a:xfrm>
       </p:grpSpPr>
       <p:sp>
@@ -5666,20 +5668,20 @@
         </p:nvSpPr>
         <p:spPr>
           <a:xfrm>
-            <a:off y="1254517" x="685800"/>
-            <a:ext cy="1159799" cx="7772400"/>
+            <a:off x="685800" y="1254517"/>
+            <a:ext cx="7772400" cy="1159799"/>
           </a:xfrm>
           <a:prstGeom prst="rect">
             <a:avLst/>
           </a:prstGeom>
         </p:spPr>
         <p:txBody>
-          <a:bodyPr bIns="91425" rIns="91425" lIns="91425" tIns="91425" anchor="b" anchorCtr="0">
+          <a:bodyPr anchorCtr="0" anchor="b" bIns="91425" lIns="91425" rIns="91425" tIns="91425">
             <a:noAutofit/>
           </a:bodyPr>
           <a:lstStyle/>
           <a:p>
-            <a:pPr rtl="0" lvl="0">
+            <a:pPr lvl="0" rtl="0">
               <a:spcBef>
                 <a:spcPts val="0"/>
               </a:spcBef>
@@ -5704,8 +5706,8 @@
         </p:nvSpPr>
         <p:spPr>
           <a:xfrm>
-            <a:off y="2937950" x="2839800"/>
-            <a:ext cy="457200" cx="3464400"/>
+            <a:off x="2839800" y="2937950"/>
+            <a:ext cx="3464400" cy="457200"/>
           </a:xfrm>
           <a:prstGeom prst="rect">
             <a:avLst/>
@@ -5716,12 +5718,12 @@
           </a:ln>
         </p:spPr>
         <p:txBody>
-          <a:bodyPr bIns="91425" rIns="91425" lIns="91425" tIns="91425" anchor="t" anchorCtr="0">
+          <a:bodyPr anchorCtr="0" anchor="t" bIns="91425" lIns="91425" rIns="91425" tIns="91425">
             <a:noAutofit/>
           </a:bodyPr>
           <a:lstStyle/>
           <a:p>
-            <a:pPr algn="ctr" rtl="0" lvl="0">
+            <a:pPr lvl="0" rtl="0" algn="ctr">
               <a:lnSpc>
                 <a:spcPct val="150000"/>
               </a:lnSpc>
@@ -5731,7 +5733,7 @@
               <a:buNone/>
             </a:pPr>
             <a:r>
-              <a:rPr sz="1600" lang="en">
+              <a:rPr lang="en" sz="1600">
                 <a:solidFill>
                   <a:srgbClr val="EFEFEF"/>
                 </a:solidFill>
@@ -5740,7 +5742,7 @@
             </a:r>
           </a:p>
           <a:p>
-            <a:pPr algn="ctr" rtl="0" lvl="0">
+            <a:pPr lvl="0" rtl="0" algn="ctr">
               <a:lnSpc>
                 <a:spcPct val="150000"/>
               </a:lnSpc>
@@ -5750,7 +5752,7 @@
               <a:buNone/>
             </a:pPr>
             <a:r>
-              <a:rPr sz="1600" lang="en">
+              <a:rPr lang="en" sz="1600">
                 <a:solidFill>
                   <a:srgbClr val="EFEFEF"/>
                 </a:solidFill>
@@ -5782,10 +5784,10 @@
       </p:nvGrpSpPr>
       <p:grpSpPr>
         <a:xfrm>
-          <a:off y="0" x="0"/>
-          <a:ext cy="0" cx="0"/>
-          <a:chOff y="0" x="0"/>
-          <a:chExt cy="0" cx="0"/>
+          <a:off x="0" y="0"/>
+          <a:ext cx="0" cy="0"/>
+          <a:chOff x="0" y="0"/>
+          <a:chExt cx="0" cy="0"/>
         </a:xfrm>
       </p:grpSpPr>
       <p:sp>
@@ -5798,15 +5800,15 @@
         </p:nvSpPr>
         <p:spPr>
           <a:xfrm>
-            <a:off y="205978" x="457200"/>
-            <a:ext cy="857400" cx="8229600"/>
+            <a:off x="457200" y="205978"/>
+            <a:ext cx="8229600" cy="857400"/>
           </a:xfrm>
           <a:prstGeom prst="rect">
             <a:avLst/>
           </a:prstGeom>
         </p:spPr>
         <p:txBody>
-          <a:bodyPr bIns="91425" rIns="91425" lIns="91425" tIns="91425" anchor="b" anchorCtr="0">
+          <a:bodyPr anchorCtr="0" anchor="b" bIns="91425" lIns="91425" rIns="91425" tIns="91425">
             <a:noAutofit/>
           </a:bodyPr>
           <a:lstStyle/>
@@ -5835,15 +5837,17 @@
           <p:nvPr/>
         </p:nvPicPr>
         <p:blipFill>
-          <a:blip r:embed="rId3"/>
+          <a:blip r:embed="rId3">
+            <a:alphaModFix/>
+          </a:blip>
           <a:stretch>
             <a:fillRect/>
           </a:stretch>
         </p:blipFill>
         <p:spPr>
           <a:xfrm>
-            <a:off y="3009600" x="431178"/>
-            <a:ext cy="924550" cx="4748307"/>
+            <a:off x="431178" y="3009600"/>
+            <a:ext cx="4748307" cy="924550"/>
           </a:xfrm>
           <a:prstGeom prst="rect">
             <a:avLst/>
@@ -5861,15 +5865,17 @@
           <p:nvPr/>
         </p:nvPicPr>
         <p:blipFill>
-          <a:blip r:embed="rId4"/>
+          <a:blip r:embed="rId4">
+            <a:alphaModFix/>
+          </a:blip>
           <a:stretch>
             <a:fillRect/>
           </a:stretch>
         </p:blipFill>
         <p:spPr>
           <a:xfrm>
-            <a:off y="1612800" x="457200"/>
-            <a:ext cy="924550" cx="4442699"/>
+            <a:off x="457200" y="1612800"/>
+            <a:ext cx="4442699" cy="924550"/>
           </a:xfrm>
           <a:prstGeom prst="rect">
             <a:avLst/>
@@ -5902,10 +5908,10 @@
       </p:nvGrpSpPr>
       <p:grpSpPr>
         <a:xfrm>
-          <a:off y="0" x="0"/>
-          <a:ext cy="0" cx="0"/>
-          <a:chOff y="0" x="0"/>
-          <a:chExt cy="0" cx="0"/>
+          <a:off x="0" y="0"/>
+          <a:ext cx="0" cy="0"/>
+          <a:chOff x="0" y="0"/>
+          <a:chExt cx="0" cy="0"/>
         </a:xfrm>
       </p:grpSpPr>
       <p:sp>
@@ -5918,15 +5924,15 @@
         </p:nvSpPr>
         <p:spPr>
           <a:xfrm>
-            <a:off y="205978" x="457200"/>
-            <a:ext cy="857400" cx="8229600"/>
+            <a:off x="457200" y="205978"/>
+            <a:ext cx="8229600" cy="857400"/>
           </a:xfrm>
           <a:prstGeom prst="rect">
             <a:avLst/>
           </a:prstGeom>
         </p:spPr>
         <p:txBody>
-          <a:bodyPr bIns="91425" rIns="91425" lIns="91425" tIns="91425" anchor="b" anchorCtr="0">
+          <a:bodyPr anchorCtr="0" anchor="b" bIns="91425" lIns="91425" rIns="91425" tIns="91425">
             <a:noAutofit/>
           </a:bodyPr>
           <a:lstStyle/>
@@ -5955,15 +5961,17 @@
           <p:nvPr/>
         </p:nvPicPr>
         <p:blipFill>
-          <a:blip r:embed="rId3"/>
+          <a:blip r:embed="rId3">
+            <a:alphaModFix/>
+          </a:blip>
           <a:stretch>
             <a:fillRect/>
           </a:stretch>
         </p:blipFill>
         <p:spPr>
           <a:xfrm>
-            <a:off y="1488975" x="457200"/>
-            <a:ext cy="2656299" cx="7392499"/>
+            <a:off x="457200" y="1488975"/>
+            <a:ext cx="7392499" cy="2656299"/>
           </a:xfrm>
           <a:prstGeom prst="rect">
             <a:avLst/>
@@ -5996,10 +6004,10 @@
       </p:nvGrpSpPr>
       <p:grpSpPr>
         <a:xfrm>
-          <a:off y="0" x="0"/>
-          <a:ext cy="0" cx="0"/>
-          <a:chOff y="0" x="0"/>
-          <a:chExt cy="0" cx="0"/>
+          <a:off x="0" y="0"/>
+          <a:ext cx="0" cy="0"/>
+          <a:chOff x="0" y="0"/>
+          <a:chExt cx="0" cy="0"/>
         </a:xfrm>
       </p:grpSpPr>
       <p:sp>
@@ -6012,15 +6020,15 @@
         </p:nvSpPr>
         <p:spPr>
           <a:xfrm>
-            <a:off y="205978" x="457200"/>
-            <a:ext cy="857400" cx="8229600"/>
+            <a:off x="457200" y="205978"/>
+            <a:ext cx="8229600" cy="857400"/>
           </a:xfrm>
           <a:prstGeom prst="rect">
             <a:avLst/>
           </a:prstGeom>
         </p:spPr>
         <p:txBody>
-          <a:bodyPr bIns="91425" rIns="91425" lIns="91425" tIns="91425" anchor="b" anchorCtr="0">
+          <a:bodyPr anchorCtr="0" anchor="b" bIns="91425" lIns="91425" rIns="91425" tIns="91425">
             <a:noAutofit/>
           </a:bodyPr>
           <a:lstStyle/>
@@ -6037,7 +6045,7 @@
                   <a:srgbClr val="EFEFEF"/>
                 </a:solidFill>
               </a:rPr>
-              <a:t>More...</a:t>
+              <a:t>Useful Libraries / Modules</a:t>
             </a:r>
           </a:p>
         </p:txBody>
@@ -6052,23 +6060,20 @@
         </p:nvSpPr>
         <p:spPr>
           <a:xfrm>
-            <a:off y="1200150" x="457200"/>
-            <a:ext cy="3725699" cx="8229600"/>
+            <a:off x="457200" y="1200150"/>
+            <a:ext cx="8229600" cy="3725699"/>
           </a:xfrm>
           <a:prstGeom prst="rect">
             <a:avLst/>
           </a:prstGeom>
         </p:spPr>
         <p:txBody>
-          <a:bodyPr bIns="91425" rIns="91425" lIns="91425" tIns="91425" anchor="t" anchorCtr="0">
+          <a:bodyPr anchorCtr="0" anchor="t" bIns="91425" lIns="91425" rIns="91425" tIns="91425">
             <a:noAutofit/>
           </a:bodyPr>
           <a:lstStyle/>
           <a:p>
-            <a:pPr rtl="0" lvl="0" indent="-419100" marL="457200">
-              <a:lnSpc>
-                <a:spcPct val="150000"/>
-              </a:lnSpc>
+            <a:pPr indent="-419100" lvl="0" marL="457200" rtl="0">
               <a:spcBef>
                 <a:spcPts val="0"/>
               </a:spcBef>
@@ -6080,19 +6085,38 @@
               <a:buChar char="●"/>
             </a:pPr>
             <a:r>
-              <a:rPr lang="en">
-                <a:solidFill>
-                  <a:srgbClr val="EFEFEF"/>
-                </a:solidFill>
+              <a:rPr lang="en" u="sng">
+                <a:solidFill>
+                  <a:schemeClr val="hlink"/>
+                </a:solidFill>
+                <a:hlinkClick r:id="rId3"/>
               </a:rPr>
-              <a:t>Testing</a:t>
+              <a:t>ngResource</a:t>
             </a:r>
           </a:p>
           <a:p>
-            <a:pPr rtl="0" lvl="0" indent="-419100" marL="457200">
-              <a:lnSpc>
-                <a:spcPct val="150000"/>
-              </a:lnSpc>
+            <a:pPr indent="-381000" lvl="1" marL="914400" rtl="0">
+              <a:spcBef>
+                <a:spcPts val="0"/>
+              </a:spcBef>
+              <a:buClr>
+                <a:srgbClr val="EFEFEF"/>
+              </a:buClr>
+              <a:buSzPct val="80000"/>
+              <a:buFont typeface="Courier New"/>
+              <a:buChar char="o"/>
+            </a:pPr>
+            <a:r>
+              <a:rPr lang="en">
+                <a:solidFill>
+                  <a:srgbClr val="EFEFEF"/>
+                </a:solidFill>
+              </a:rPr>
+              <a:t>module for creating RESTful models</a:t>
+            </a:r>
+          </a:p>
+          <a:p>
+            <a:pPr indent="-419100" lvl="0" marL="457200" rtl="0">
               <a:spcBef>
                 <a:spcPts val="0"/>
               </a:spcBef>
@@ -6104,19 +6128,38 @@
               <a:buChar char="●"/>
             </a:pPr>
             <a:r>
-              <a:rPr lang="en">
-                <a:solidFill>
-                  <a:srgbClr val="EFEFEF"/>
-                </a:solidFill>
+              <a:rPr lang="en" u="sng">
+                <a:solidFill>
+                  <a:schemeClr val="hlink"/>
+                </a:solidFill>
+                <a:hlinkClick r:id="rId4"/>
               </a:rPr>
-              <a:t>Routing</a:t>
+              <a:t>ui-bootstrap</a:t>
             </a:r>
           </a:p>
           <a:p>
-            <a:pPr rtl="0" lvl="0" indent="-419100" marL="457200">
-              <a:lnSpc>
-                <a:spcPct val="150000"/>
-              </a:lnSpc>
+            <a:pPr indent="-381000" lvl="1" marL="914400" rtl="0">
+              <a:spcBef>
+                <a:spcPts val="0"/>
+              </a:spcBef>
+              <a:buClr>
+                <a:srgbClr val="EFEFEF"/>
+              </a:buClr>
+              <a:buSzPct val="80000"/>
+              <a:buFont typeface="Courier New"/>
+              <a:buChar char="o"/>
+            </a:pPr>
+            <a:r>
+              <a:rPr lang="en">
+                <a:solidFill>
+                  <a:srgbClr val="EFEFEF"/>
+                </a:solidFill>
+              </a:rPr>
+              <a:t>angularjs-compatible bootstrap components</a:t>
+            </a:r>
+          </a:p>
+          <a:p>
+            <a:pPr indent="-419100" lvl="0" marL="457200" rtl="0">
               <a:spcBef>
                 <a:spcPts val="0"/>
               </a:spcBef>
@@ -6128,28 +6171,26 @@
               <a:buChar char="●"/>
             </a:pPr>
             <a:r>
-              <a:rPr lang="en">
-                <a:solidFill>
-                  <a:srgbClr val="EFEFEF"/>
-                </a:solidFill>
+              <a:rPr lang="en" u="sng">
+                <a:solidFill>
+                  <a:schemeClr val="hlink"/>
+                </a:solidFill>
+                <a:hlinkClick r:id="rId5"/>
               </a:rPr>
-              <a:t>Providers</a:t>
+              <a:t>ui-router</a:t>
             </a:r>
           </a:p>
           <a:p>
-            <a:pPr rtl="0" lvl="0" indent="-419100" marL="457200">
-              <a:lnSpc>
-                <a:spcPct val="150000"/>
-              </a:lnSpc>
+            <a:pPr indent="-381000" lvl="1" marL="914400" rtl="0">
               <a:spcBef>
                 <a:spcPts val="0"/>
               </a:spcBef>
               <a:buClr>
                 <a:srgbClr val="EFEFEF"/>
               </a:buClr>
-              <a:buSzPct val="100000"/>
-              <a:buFont typeface="Arial"/>
-              <a:buChar char="●"/>
+              <a:buSzPct val="80000"/>
+              <a:buFont typeface="Courier New"/>
+              <a:buChar char="o"/>
             </a:pPr>
             <a:r>
               <a:rPr lang="en">
@@ -6157,7 +6198,7 @@
                   <a:srgbClr val="EFEFEF"/>
                 </a:solidFill>
               </a:rPr>
-              <a:t>More...</a:t>
+              <a:t>excellent routing library </a:t>
             </a:r>
           </a:p>
         </p:txBody>
@@ -6184,10 +6225,10 @@
       </p:nvGrpSpPr>
       <p:grpSpPr>
         <a:xfrm>
-          <a:off y="0" x="0"/>
-          <a:ext cy="0" cx="0"/>
-          <a:chOff y="0" x="0"/>
-          <a:chExt cy="0" cx="0"/>
+          <a:off x="0" y="0"/>
+          <a:ext cx="0" cy="0"/>
+          <a:chOff x="0" y="0"/>
+          <a:chExt cx="0" cy="0"/>
         </a:xfrm>
       </p:grpSpPr>
       <p:sp>
@@ -6200,15 +6241,15 @@
         </p:nvSpPr>
         <p:spPr>
           <a:xfrm>
-            <a:off y="1583342" x="685800"/>
-            <a:ext cy="1159799" cx="7772400"/>
+            <a:off x="685800" y="1583342"/>
+            <a:ext cx="7772400" cy="1159799"/>
           </a:xfrm>
           <a:prstGeom prst="rect">
             <a:avLst/>
           </a:prstGeom>
         </p:spPr>
         <p:txBody>
-          <a:bodyPr bIns="91425" rIns="91425" lIns="91425" tIns="91425" anchor="b" anchorCtr="0">
+          <a:bodyPr anchorCtr="0" anchor="b" bIns="91425" lIns="91425" rIns="91425" tIns="91425">
             <a:noAutofit/>
           </a:bodyPr>
           <a:lstStyle/>
@@ -6252,10 +6293,10 @@
       </p:nvGrpSpPr>
       <p:grpSpPr>
         <a:xfrm>
-          <a:off y="0" x="0"/>
-          <a:ext cy="0" cx="0"/>
-          <a:chOff y="0" x="0"/>
-          <a:chExt cy="0" cx="0"/>
+          <a:off x="0" y="0"/>
+          <a:ext cx="0" cy="0"/>
+          <a:chOff x="0" y="0"/>
+          <a:chExt cx="0" cy="0"/>
         </a:xfrm>
       </p:grpSpPr>
       <p:sp>
@@ -6268,15 +6309,15 @@
         </p:nvSpPr>
         <p:spPr>
           <a:xfrm>
-            <a:off y="205978" x="457200"/>
-            <a:ext cy="857400" cx="8229600"/>
+            <a:off x="457200" y="205978"/>
+            <a:ext cx="8229600" cy="857400"/>
           </a:xfrm>
           <a:prstGeom prst="rect">
             <a:avLst/>
           </a:prstGeom>
         </p:spPr>
         <p:txBody>
-          <a:bodyPr bIns="91425" rIns="91425" lIns="91425" tIns="91425" anchor="b" anchorCtr="0">
+          <a:bodyPr anchorCtr="0" anchor="b" bIns="91425" lIns="91425" rIns="91425" tIns="91425">
             <a:noAutofit/>
           </a:bodyPr>
           <a:lstStyle/>
@@ -6308,20 +6349,20 @@
         </p:nvSpPr>
         <p:spPr>
           <a:xfrm>
-            <a:off y="1200150" x="457200"/>
-            <a:ext cy="3725699" cx="8229600"/>
+            <a:off x="457200" y="1200150"/>
+            <a:ext cx="8229600" cy="3725699"/>
           </a:xfrm>
           <a:prstGeom prst="rect">
             <a:avLst/>
           </a:prstGeom>
         </p:spPr>
         <p:txBody>
-          <a:bodyPr bIns="91425" rIns="91425" lIns="91425" tIns="91425" anchor="t" anchorCtr="0">
+          <a:bodyPr anchorCtr="0" anchor="t" bIns="91425" lIns="91425" rIns="91425" tIns="91425">
             <a:noAutofit/>
           </a:bodyPr>
           <a:lstStyle/>
           <a:p>
-            <a:pPr rtl="0" lvl="0" indent="-419100" marL="457200">
+            <a:pPr indent="-419100" lvl="0" marL="457200" rtl="0">
               <a:lnSpc>
                 <a:spcPct val="150000"/>
               </a:lnSpc>
@@ -6336,7 +6377,7 @@
               <a:buChar char="●"/>
             </a:pPr>
             <a:r>
-              <a:rPr u="sng" lang="en">
+              <a:rPr lang="en" u="sng">
                 <a:solidFill>
                   <a:schemeClr val="hlink"/>
                 </a:solidFill>
@@ -6346,7 +6387,7 @@
             </a:r>
           </a:p>
           <a:p>
-            <a:pPr rtl="0" lvl="0" indent="-419100" marL="457200">
+            <a:pPr indent="-419100" lvl="0" marL="457200" rtl="0">
               <a:lnSpc>
                 <a:spcPct val="150000"/>
               </a:lnSpc>
@@ -6361,7 +6402,7 @@
               <a:buChar char="●"/>
             </a:pPr>
             <a:r>
-              <a:rPr u="sng" lang="en">
+              <a:rPr lang="en" u="sng">
                 <a:solidFill>
                   <a:schemeClr val="hlink"/>
                 </a:solidFill>
@@ -6371,7 +6412,7 @@
             </a:r>
           </a:p>
           <a:p>
-            <a:pPr lvl="0" indent="-419100" marL="457200">
+            <a:pPr indent="-419100" lvl="0" marL="457200">
               <a:lnSpc>
                 <a:spcPct val="150000"/>
               </a:lnSpc>
@@ -6386,7 +6427,7 @@
               <a:buChar char="●"/>
             </a:pPr>
             <a:r>
-              <a:rPr u="sng" lang="en">
+              <a:rPr lang="en" u="sng">
                 <a:solidFill>
                   <a:schemeClr val="hlink"/>
                 </a:solidFill>
@@ -6419,10 +6460,10 @@
       </p:nvGrpSpPr>
       <p:grpSpPr>
         <a:xfrm>
-          <a:off y="0" x="0"/>
-          <a:ext cy="0" cx="0"/>
-          <a:chOff y="0" x="0"/>
-          <a:chExt cy="0" cx="0"/>
+          <a:off x="0" y="0"/>
+          <a:ext cx="0" cy="0"/>
+          <a:chOff x="0" y="0"/>
+          <a:chExt cx="0" cy="0"/>
         </a:xfrm>
       </p:grpSpPr>
       <p:sp>
@@ -6435,15 +6476,15 @@
         </p:nvSpPr>
         <p:spPr>
           <a:xfrm>
-            <a:off y="205978" x="457200"/>
-            <a:ext cy="857400" cx="8229600"/>
+            <a:off x="457200" y="205978"/>
+            <a:ext cx="8229600" cy="857400"/>
           </a:xfrm>
           <a:prstGeom prst="rect">
             <a:avLst/>
           </a:prstGeom>
         </p:spPr>
         <p:txBody>
-          <a:bodyPr bIns="91425" rIns="91425" lIns="91425" tIns="91425" anchor="b" anchorCtr="0">
+          <a:bodyPr anchorCtr="0" anchor="b" bIns="91425" lIns="91425" rIns="91425" tIns="91425">
             <a:noAutofit/>
           </a:bodyPr>
           <a:lstStyle/>
@@ -6475,20 +6516,20 @@
         </p:nvSpPr>
         <p:spPr>
           <a:xfrm>
-            <a:off y="1200150" x="457200"/>
-            <a:ext cy="3725699" cx="8229600"/>
+            <a:off x="457200" y="1200150"/>
+            <a:ext cx="8229600" cy="3725699"/>
           </a:xfrm>
           <a:prstGeom prst="rect">
             <a:avLst/>
           </a:prstGeom>
         </p:spPr>
         <p:txBody>
-          <a:bodyPr bIns="91425" rIns="91425" lIns="91425" tIns="91425" anchor="t" anchorCtr="0">
+          <a:bodyPr anchorCtr="0" anchor="t" bIns="91425" lIns="91425" rIns="91425" tIns="91425">
             <a:noAutofit/>
           </a:bodyPr>
           <a:lstStyle/>
           <a:p>
-            <a:pPr rtl="0" lvl="0" indent="-419100" marL="457200">
+            <a:pPr indent="-419100" lvl="0" marL="457200" rtl="0">
               <a:lnSpc>
                 <a:spcPct val="150000"/>
               </a:lnSpc>
@@ -6503,7 +6544,7 @@
               <a:buChar char="●"/>
             </a:pPr>
             <a:r>
-              <a:rPr u="sng" lang="en">
+              <a:rPr lang="en" u="sng">
                 <a:solidFill>
                   <a:schemeClr val="hlink"/>
                 </a:solidFill>
@@ -6513,7 +6554,7 @@
             </a:r>
           </a:p>
           <a:p>
-            <a:pPr rtl="0" lvl="0" indent="-419100" marL="457200">
+            <a:pPr indent="-419100" lvl="0" marL="457200" rtl="0">
               <a:lnSpc>
                 <a:spcPct val="150000"/>
               </a:lnSpc>
@@ -6528,7 +6569,7 @@
               <a:buChar char="●"/>
             </a:pPr>
             <a:r>
-              <a:rPr u="sng" lang="en">
+              <a:rPr lang="en" u="sng">
                 <a:solidFill>
                   <a:schemeClr val="hlink"/>
                 </a:solidFill>
@@ -6538,7 +6579,7 @@
             </a:r>
           </a:p>
           <a:p>
-            <a:pPr rtl="0" lvl="0" indent="-419100" marL="457200">
+            <a:pPr indent="-419100" lvl="0" marL="457200" rtl="0">
               <a:lnSpc>
                 <a:spcPct val="150000"/>
               </a:lnSpc>
@@ -6553,7 +6594,7 @@
               <a:buChar char="●"/>
             </a:pPr>
             <a:r>
-              <a:rPr u="sng" lang="en">
+              <a:rPr lang="en" u="sng">
                 <a:solidFill>
                   <a:schemeClr val="hlink"/>
                 </a:solidFill>
@@ -6563,7 +6604,7 @@
             </a:r>
           </a:p>
           <a:p>
-            <a:pPr lvl="0" indent="-419100" marL="457200">
+            <a:pPr indent="-419100" lvl="0" marL="457200" rtl="0">
               <a:lnSpc>
                 <a:spcPct val="150000"/>
               </a:lnSpc>
@@ -6578,13 +6619,38 @@
               <a:buChar char="●"/>
             </a:pPr>
             <a:r>
-              <a:rPr u="sng" lang="en">
+              <a:rPr lang="en" u="sng">
                 <a:solidFill>
                   <a:schemeClr val="hlink"/>
                 </a:solidFill>
                 <a:hlinkClick r:id="rId6"/>
               </a:rPr>
               <a:t>egghead.io videos</a:t>
+            </a:r>
+          </a:p>
+          <a:p>
+            <a:pPr indent="-419100" lvl="0" marL="457200">
+              <a:lnSpc>
+                <a:spcPct val="150000"/>
+              </a:lnSpc>
+              <a:spcBef>
+                <a:spcPts val="0"/>
+              </a:spcBef>
+              <a:buClr>
+                <a:srgbClr val="EFEFEF"/>
+              </a:buClr>
+              <a:buSzPct val="100000"/>
+              <a:buFont typeface="Arial"/>
+              <a:buChar char="●"/>
+            </a:pPr>
+            <a:r>
+              <a:rPr lang="en" u="sng">
+                <a:solidFill>
+                  <a:schemeClr val="hlink"/>
+                </a:solidFill>
+                <a:hlinkClick r:id="rId7"/>
+              </a:rPr>
+              <a:t>10,000 word Angularjs tutorial</a:t>
             </a:r>
           </a:p>
         </p:txBody>
@@ -6611,10 +6677,10 @@
       </p:nvGrpSpPr>
       <p:grpSpPr>
         <a:xfrm>
-          <a:off y="0" x="0"/>
-          <a:ext cy="0" cx="0"/>
-          <a:chOff y="0" x="0"/>
-          <a:chExt cy="0" cx="0"/>
+          <a:off x="0" y="0"/>
+          <a:ext cx="0" cy="0"/>
+          <a:chOff x="0" y="0"/>
+          <a:chExt cx="0" cy="0"/>
         </a:xfrm>
       </p:grpSpPr>
       <p:sp>
@@ -6627,15 +6693,15 @@
         </p:nvSpPr>
         <p:spPr>
           <a:xfrm>
-            <a:off y="205978" x="457200"/>
-            <a:ext cy="857400" cx="8229600"/>
+            <a:off x="457200" y="205978"/>
+            <a:ext cx="8229600" cy="857400"/>
           </a:xfrm>
           <a:prstGeom prst="rect">
             <a:avLst/>
           </a:prstGeom>
         </p:spPr>
         <p:txBody>
-          <a:bodyPr bIns="91425" rIns="91425" lIns="91425" tIns="91425" anchor="b" anchorCtr="0">
+          <a:bodyPr anchorCtr="0" anchor="b" bIns="91425" lIns="91425" rIns="91425" tIns="91425">
             <a:noAutofit/>
           </a:bodyPr>
           <a:lstStyle/>
@@ -6667,20 +6733,20 @@
         </p:nvSpPr>
         <p:spPr>
           <a:xfrm>
-            <a:off y="1200150" x="457200"/>
-            <a:ext cy="3725699" cx="8229600"/>
+            <a:off x="457200" y="1200150"/>
+            <a:ext cx="8229600" cy="3725699"/>
           </a:xfrm>
           <a:prstGeom prst="rect">
             <a:avLst/>
           </a:prstGeom>
         </p:spPr>
         <p:txBody>
-          <a:bodyPr bIns="91425" rIns="91425" lIns="91425" tIns="91425" anchor="t" anchorCtr="0">
+          <a:bodyPr anchorCtr="0" anchor="t" bIns="91425" lIns="91425" rIns="91425" tIns="91425">
             <a:noAutofit/>
           </a:bodyPr>
           <a:lstStyle/>
           <a:p>
-            <a:pPr rtl="0" lvl="0" indent="-419100" marL="457200">
+            <a:pPr indent="-419100" lvl="0" marL="457200" rtl="0">
               <a:lnSpc>
                 <a:spcPct val="150000"/>
               </a:lnSpc>
@@ -6695,7 +6761,7 @@
               <a:buChar char="●"/>
             </a:pPr>
             <a:r>
-              <a:rPr u="sng" lang="en">
+              <a:rPr lang="en" u="sng">
                 <a:solidFill>
                   <a:schemeClr val="hlink"/>
                 </a:solidFill>
@@ -6705,7 +6771,7 @@
             </a:r>
           </a:p>
           <a:p>
-            <a:pPr lvl="0" indent="-419100" marL="457200">
+            <a:pPr indent="-419100" lvl="0" marL="457200" rtl="0">
               <a:lnSpc>
                 <a:spcPct val="150000"/>
               </a:lnSpc>
@@ -6720,13 +6786,46 @@
               <a:buChar char="●"/>
             </a:pPr>
             <a:r>
-              <a:rPr u="sng" lang="en">
+              <a:rPr lang="en" u="sng">
                 <a:solidFill>
                   <a:schemeClr val="hlink"/>
                 </a:solidFill>
                 <a:hlinkClick r:id="rId4"/>
               </a:rPr>
               <a:t>AngularJS-Learning</a:t>
+            </a:r>
+          </a:p>
+          <a:p>
+            <a:pPr indent="-419100" lvl="0" marL="457200" rtl="0">
+              <a:lnSpc>
+                <a:spcPct val="150000"/>
+              </a:lnSpc>
+              <a:spcBef>
+                <a:spcPts val="0"/>
+              </a:spcBef>
+              <a:buClr>
+                <a:srgbClr val="EFEFEF"/>
+              </a:buClr>
+              <a:buSzPct val="100000"/>
+              <a:buFont typeface="Arial"/>
+              <a:buChar char="●"/>
+            </a:pPr>
+            <a:r>
+              <a:rPr lang="en" u="sng">
+                <a:solidFill>
+                  <a:schemeClr val="hlink"/>
+                </a:solidFill>
+                <a:hlinkClick r:id="rId5"/>
+              </a:rPr>
+              <a:t>Angularjs cheat sheet</a:t>
+            </a:r>
+            <a:r>
+              <a:rPr lang="en">
+                <a:solidFill>
+                  <a:srgbClr val="EFEFEF"/>
+                </a:solidFill>
+              </a:rPr>
+              <a:t> </a:t>
             </a:r>
           </a:p>
         </p:txBody>
@@ -6753,10 +6852,10 @@
       </p:nvGrpSpPr>
       <p:grpSpPr>
         <a:xfrm>
-          <a:off y="0" x="0"/>
-          <a:ext cy="0" cx="0"/>
-          <a:chOff y="0" x="0"/>
-          <a:chExt cy="0" cx="0"/>
+          <a:off x="0" y="0"/>
+          <a:ext cx="0" cy="0"/>
+          <a:chOff x="0" y="0"/>
+          <a:chExt cx="0" cy="0"/>
         </a:xfrm>
       </p:grpSpPr>
       <p:sp>
@@ -6769,15 +6868,15 @@
         </p:nvSpPr>
         <p:spPr>
           <a:xfrm>
-            <a:off y="1583342" x="685800"/>
-            <a:ext cy="1159799" cx="7772400"/>
+            <a:off x="685800" y="1583342"/>
+            <a:ext cx="7772400" cy="1159799"/>
           </a:xfrm>
           <a:prstGeom prst="rect">
             <a:avLst/>
           </a:prstGeom>
         </p:spPr>
         <p:txBody>
-          <a:bodyPr bIns="91425" rIns="91425" lIns="91425" tIns="91425" anchor="b" anchorCtr="0">
+          <a:bodyPr anchorCtr="0" anchor="b" bIns="91425" lIns="91425" rIns="91425" tIns="91425">
             <a:noAutofit/>
           </a:bodyPr>
           <a:lstStyle/>
@@ -6821,10 +6920,10 @@
       </p:nvGrpSpPr>
       <p:grpSpPr>
         <a:xfrm>
-          <a:off y="0" x="0"/>
-          <a:ext cy="0" cx="0"/>
-          <a:chOff y="0" x="0"/>
-          <a:chExt cy="0" cx="0"/>
+          <a:off x="0" y="0"/>
+          <a:ext cx="0" cy="0"/>
+          <a:chOff x="0" y="0"/>
+          <a:chExt cx="0" cy="0"/>
         </a:xfrm>
       </p:grpSpPr>
       <p:sp>
@@ -6837,15 +6936,15 @@
         </p:nvSpPr>
         <p:spPr>
           <a:xfrm>
-            <a:off y="205978" x="457200"/>
-            <a:ext cy="857400" cx="8229600"/>
+            <a:off x="457200" y="205978"/>
+            <a:ext cx="8229600" cy="857400"/>
           </a:xfrm>
           <a:prstGeom prst="rect">
             <a:avLst/>
           </a:prstGeom>
         </p:spPr>
         <p:txBody>
-          <a:bodyPr bIns="91425" rIns="91425" lIns="91425" tIns="91425" anchor="b" anchorCtr="0">
+          <a:bodyPr anchorCtr="0" anchor="b" bIns="91425" lIns="91425" rIns="91425" tIns="91425">
             <a:noAutofit/>
           </a:bodyPr>
           <a:lstStyle/>
@@ -6874,15 +6973,17 @@
           <p:nvPr/>
         </p:nvPicPr>
         <p:blipFill>
-          <a:blip r:embed="rId3"/>
+          <a:blip r:embed="rId3">
+            <a:alphaModFix/>
+          </a:blip>
           <a:stretch>
             <a:fillRect/>
           </a:stretch>
         </p:blipFill>
         <p:spPr>
           <a:xfrm>
-            <a:off y="1603950" x="457200"/>
-            <a:ext cy="349474" cx="7843526"/>
+            <a:off x="457200" y="1603950"/>
+            <a:ext cx="7843526" cy="349474"/>
           </a:xfrm>
           <a:prstGeom prst="rect">
             <a:avLst/>
@@ -6915,10 +7016,10 @@
       </p:nvGrpSpPr>
       <p:grpSpPr>
         <a:xfrm>
-          <a:off y="0" x="0"/>
-          <a:ext cy="0" cx="0"/>
-          <a:chOff y="0" x="0"/>
-          <a:chExt cy="0" cx="0"/>
+          <a:off x="0" y="0"/>
+          <a:ext cx="0" cy="0"/>
+          <a:chOff x="0" y="0"/>
+          <a:chExt cx="0" cy="0"/>
         </a:xfrm>
       </p:grpSpPr>
       <p:sp>
@@ -6929,8 +7030,8 @@
         </p:nvSpPr>
         <p:spPr>
           <a:xfrm>
-            <a:off y="1722737" x="3466811"/>
-            <a:ext cy="186300" cx="3118499"/>
+            <a:off x="3466811" y="1722737"/>
+            <a:ext cx="3118499" cy="186300"/>
           </a:xfrm>
           <a:prstGeom prst="rect">
             <a:avLst/>
@@ -6941,19 +7042,19 @@
           </a:ln>
         </p:spPr>
         <p:txBody>
-          <a:bodyPr bIns="91425" rIns="91425" lIns="91425" tIns="91425" anchor="t" anchorCtr="0">
+          <a:bodyPr anchorCtr="0" anchor="t" bIns="91425" lIns="91425" rIns="91425" tIns="91425">
             <a:noAutofit/>
           </a:bodyPr>
           <a:lstStyle/>
           <a:p>
-            <a:pPr algn="ctr" rtl="0" lvl="0">
+            <a:pPr lvl="0" rtl="0" algn="ctr">
               <a:spcBef>
                 <a:spcPts val="0"/>
               </a:spcBef>
               <a:buNone/>
             </a:pPr>
             <a:r>
-              <a:rPr sz="1500" lang="en">
+              <a:rPr lang="en" sz="1500">
                 <a:solidFill>
                   <a:srgbClr val="EFEFEF"/>
                 </a:solidFill>
@@ -6970,15 +7071,17 @@
           <p:nvPr/>
         </p:nvPicPr>
         <p:blipFill>
-          <a:blip r:embed="rId3"/>
+          <a:blip r:embed="rId3">
+            <a:alphaModFix/>
+          </a:blip>
           <a:stretch>
             <a:fillRect/>
           </a:stretch>
         </p:blipFill>
         <p:spPr>
           <a:xfrm>
-            <a:off y="1757750" x="7046431"/>
-            <a:ext cy="1627999" cx="1562326"/>
+            <a:off x="7046431" y="1757750"/>
+            <a:ext cx="1562326" cy="1627999"/>
           </a:xfrm>
           <a:prstGeom prst="rect">
             <a:avLst/>
@@ -6997,8 +7100,8 @@
         </p:nvSpPr>
         <p:spPr>
           <a:xfrm>
-            <a:off y="1373300" x="188300"/>
-            <a:ext cy="457200" cx="3198600"/>
+            <a:off x="188300" y="1373300"/>
+            <a:ext cx="3198600" cy="457200"/>
           </a:xfrm>
           <a:prstGeom prst="rect">
             <a:avLst/>
@@ -7009,19 +7112,19 @@
           </a:ln>
         </p:spPr>
         <p:txBody>
-          <a:bodyPr bIns="91425" rIns="91425" lIns="91425" tIns="91425" anchor="t" anchorCtr="0">
+          <a:bodyPr anchorCtr="0" anchor="t" bIns="91425" lIns="91425" rIns="91425" tIns="91425">
             <a:noAutofit/>
           </a:bodyPr>
           <a:lstStyle/>
           <a:p>
-            <a:pPr algn="ctr" rtl="0" lvl="0">
+            <a:pPr lvl="0" rtl="0" algn="ctr">
               <a:spcBef>
                 <a:spcPts val="0"/>
               </a:spcBef>
               <a:buNone/>
             </a:pPr>
             <a:r>
-              <a:rPr sz="1500" lang="en">
+              <a:rPr lang="en" sz="1500">
                 <a:solidFill>
                   <a:srgbClr val="EFEFEF"/>
                 </a:solidFill>
@@ -7039,8 +7142,8 @@
         </p:nvSpPr>
         <p:spPr>
           <a:xfrm>
-            <a:off y="3544000" x="6767688"/>
-            <a:ext cy="457200" cx="2119800"/>
+            <a:off x="6767688" y="3544000"/>
+            <a:ext cx="2119800" cy="457200"/>
           </a:xfrm>
           <a:prstGeom prst="rect">
             <a:avLst/>
@@ -7051,19 +7154,19 @@
           </a:ln>
         </p:spPr>
         <p:txBody>
-          <a:bodyPr bIns="91425" rIns="91425" lIns="91425" tIns="91425" anchor="t" anchorCtr="0">
+          <a:bodyPr anchorCtr="0" anchor="t" bIns="91425" lIns="91425" rIns="91425" tIns="91425">
             <a:noAutofit/>
           </a:bodyPr>
           <a:lstStyle/>
           <a:p>
-            <a:pPr algn="ctr" rtl="0" lvl="0">
+            <a:pPr lvl="0" rtl="0" algn="ctr">
               <a:spcBef>
                 <a:spcPts val="0"/>
               </a:spcBef>
               <a:buNone/>
             </a:pPr>
             <a:r>
-              <a:rPr sz="1500" lang="en">
+              <a:rPr lang="en" sz="1500">
                 <a:solidFill>
                   <a:srgbClr val="EFEFEF"/>
                 </a:solidFill>
@@ -7072,7 +7175,7 @@
             </a:r>
           </a:p>
           <a:p>
-            <a:pPr algn="ctr" rtl="0" lvl="0">
+            <a:pPr lvl="0" rtl="0" algn="ctr">
               <a:spcBef>
                 <a:spcPts val="0"/>
               </a:spcBef>
@@ -7093,8 +7196,8 @@
         </p:nvSpPr>
         <p:spPr>
           <a:xfrm>
-            <a:off y="2957075" x="4003062"/>
-            <a:ext cy="186300" cx="2045999"/>
+            <a:off x="4003062" y="2957075"/>
+            <a:ext cx="2045999" cy="186300"/>
           </a:xfrm>
           <a:prstGeom prst="rect">
             <a:avLst/>
@@ -7105,19 +7208,19 @@
           </a:ln>
         </p:spPr>
         <p:txBody>
-          <a:bodyPr bIns="91425" rIns="91425" lIns="91425" tIns="91425" anchor="t" anchorCtr="0">
+          <a:bodyPr anchorCtr="0" anchor="t" bIns="91425" lIns="91425" rIns="91425" tIns="91425">
             <a:noAutofit/>
           </a:bodyPr>
           <a:lstStyle/>
           <a:p>
-            <a:pPr algn="ctr" rtl="0" lvl="0">
+            <a:pPr lvl="0" rtl="0" algn="ctr">
               <a:spcBef>
                 <a:spcPts val="0"/>
               </a:spcBef>
               <a:buNone/>
             </a:pPr>
             <a:r>
-              <a:rPr sz="1500" lang="en">
+              <a:rPr lang="en" sz="1500">
                 <a:solidFill>
                   <a:srgbClr val="EFEFEF"/>
                 </a:solidFill>
@@ -7135,8 +7238,8 @@
         </p:nvSpPr>
         <p:spPr>
           <a:xfrm>
-            <a:off y="3205475" x="465950"/>
-            <a:ext cy="457200" cx="2643299"/>
+            <a:off x="465950" y="3205475"/>
+            <a:ext cx="2643299" cy="457200"/>
           </a:xfrm>
           <a:prstGeom prst="rect">
             <a:avLst/>
@@ -7147,19 +7250,19 @@
           </a:ln>
         </p:spPr>
         <p:txBody>
-          <a:bodyPr bIns="91425" rIns="91425" lIns="91425" tIns="91425" anchor="t" anchorCtr="0">
+          <a:bodyPr anchorCtr="0" anchor="t" bIns="91425" lIns="91425" rIns="91425" tIns="91425">
             <a:noAutofit/>
           </a:bodyPr>
           <a:lstStyle/>
           <a:p>
-            <a:pPr algn="ctr" rtl="0" lvl="0" indent="0" marL="0">
+            <a:pPr indent="0" lvl="0" marL="0" rtl="0" algn="ctr">
               <a:spcBef>
                 <a:spcPts val="0"/>
               </a:spcBef>
               <a:buNone/>
             </a:pPr>
             <a:r>
-              <a:rPr sz="1500" lang="en">
+              <a:rPr lang="en" sz="1500">
                 <a:solidFill>
                   <a:srgbClr val="EFEFEF"/>
                 </a:solidFill>
@@ -7177,8 +7280,8 @@
         </p:nvSpPr>
         <p:spPr>
           <a:xfrm>
-            <a:off y="3727275" x="542462"/>
-            <a:ext cy="457200" cx="2490299"/>
+            <a:off x="542462" y="3727275"/>
+            <a:ext cx="2490299" cy="457200"/>
           </a:xfrm>
           <a:prstGeom prst="rect">
             <a:avLst/>
@@ -7189,19 +7292,19 @@
           </a:ln>
         </p:spPr>
         <p:txBody>
-          <a:bodyPr bIns="91425" rIns="91425" lIns="91425" tIns="91425" anchor="t" anchorCtr="0">
+          <a:bodyPr anchorCtr="0" anchor="t" bIns="91425" lIns="91425" rIns="91425" tIns="91425">
             <a:noAutofit/>
           </a:bodyPr>
           <a:lstStyle/>
           <a:p>
-            <a:pPr algn="ctr" rtl="0" lvl="0">
+            <a:pPr lvl="0" rtl="0" algn="ctr">
               <a:spcBef>
                 <a:spcPts val="0"/>
               </a:spcBef>
               <a:buNone/>
             </a:pPr>
             <a:r>
-              <a:rPr sz="1500" lang="en">
+              <a:rPr lang="en" sz="1500">
                 <a:solidFill>
                   <a:srgbClr val="EFEFEF"/>
                 </a:solidFill>
@@ -7219,8 +7322,8 @@
         </p:nvSpPr>
         <p:spPr>
           <a:xfrm>
-            <a:off y="4222446" x="639050"/>
-            <a:ext cy="457200" cx="2297099"/>
+            <a:off x="639050" y="4222446"/>
+            <a:ext cx="2297099" cy="457200"/>
           </a:xfrm>
           <a:prstGeom prst="rect">
             <a:avLst/>
@@ -7231,19 +7334,19 @@
           </a:ln>
         </p:spPr>
         <p:txBody>
-          <a:bodyPr bIns="91425" rIns="91425" lIns="91425" tIns="91425" anchor="t" anchorCtr="0">
+          <a:bodyPr anchorCtr="0" anchor="t" bIns="91425" lIns="91425" rIns="91425" tIns="91425">
             <a:noAutofit/>
           </a:bodyPr>
           <a:lstStyle/>
           <a:p>
-            <a:pPr algn="ctr" rtl="0" lvl="0">
+            <a:pPr lvl="0" rtl="0" algn="ctr">
               <a:spcBef>
                 <a:spcPts val="0"/>
               </a:spcBef>
               <a:buNone/>
             </a:pPr>
             <a:r>
-              <a:rPr sz="1500" lang="en">
+              <a:rPr lang="en" sz="1500">
                 <a:solidFill>
                   <a:srgbClr val="00FF00"/>
                 </a:solidFill>
@@ -7260,15 +7363,17 @@
           <p:nvPr/>
         </p:nvPicPr>
         <p:blipFill>
-          <a:blip r:embed="rId4"/>
+          <a:blip r:embed="rId4">
+            <a:alphaModFix/>
+          </a:blip>
           <a:stretch>
             <a:fillRect/>
           </a:stretch>
         </p:blipFill>
         <p:spPr>
           <a:xfrm>
-            <a:off y="2020525" x="1432412"/>
-            <a:ext cy="943175" cx="943175"/>
+            <a:off x="1432412" y="2020525"/>
+            <a:ext cx="943175" cy="943175"/>
           </a:xfrm>
           <a:prstGeom prst="rect">
             <a:avLst/>
@@ -7287,21 +7392,21 @@
         </p:nvCxnSpPr>
         <p:spPr>
           <a:xfrm>
-            <a:off y="2759050" x="3466812"/>
-            <a:ext cy="0" cx="3118499"/>
+            <a:off x="3466812" y="2759050"/>
+            <a:ext cx="3118499" cy="0"/>
           </a:xfrm>
           <a:prstGeom prst="straightConnector1">
             <a:avLst/>
           </a:prstGeom>
           <a:noFill/>
-          <a:ln w="19050" cap="flat">
+          <a:ln cap="flat" cmpd="sng" w="19050">
             <a:solidFill>
               <a:srgbClr val="FFFFFF"/>
             </a:solidFill>
             <a:prstDash val="solid"/>
             <a:round/>
-            <a:headEnd w="lg" len="lg" type="triangle"/>
-            <a:tailEnd w="lg" len="lg" type="none"/>
+            <a:headEnd len="lg" w="lg" type="triangle"/>
+            <a:tailEnd len="lg" w="lg" type="none"/>
           </a:ln>
         </p:spPr>
       </p:cxnSp>
@@ -7313,21 +7418,21 @@
         </p:nvCxnSpPr>
         <p:spPr>
           <a:xfrm>
-            <a:off y="2249662" x="3477307"/>
-            <a:ext cy="0" cx="3097500"/>
+            <a:off x="3477307" y="2249662"/>
+            <a:ext cx="3097500" cy="0"/>
           </a:xfrm>
           <a:prstGeom prst="straightConnector1">
             <a:avLst/>
           </a:prstGeom>
           <a:noFill/>
-          <a:ln w="19050" cap="flat">
+          <a:ln cap="flat" cmpd="sng" w="19050">
             <a:solidFill>
               <a:srgbClr val="FFFFFF"/>
             </a:solidFill>
             <a:prstDash val="solid"/>
             <a:round/>
-            <a:headEnd w="lg" len="lg" type="none"/>
-            <a:tailEnd w="lg" len="lg" type="triangle"/>
+            <a:headEnd len="lg" w="lg" type="none"/>
+            <a:tailEnd len="lg" w="lg" type="triangle"/>
           </a:ln>
         </p:spPr>
       </p:cxnSp>
@@ -7339,8 +7444,8 @@
         </p:nvSpPr>
         <p:spPr>
           <a:xfrm>
-            <a:off y="317475" x="2257800"/>
-            <a:ext cy="457200" cx="4628399"/>
+            <a:off x="2257800" y="317475"/>
+            <a:ext cx="4628399" cy="457200"/>
           </a:xfrm>
           <a:prstGeom prst="rect">
             <a:avLst/>
@@ -7351,12 +7456,12 @@
           </a:ln>
         </p:spPr>
         <p:txBody>
-          <a:bodyPr bIns="91425" rIns="91425" lIns="91425" tIns="91425" anchor="t" anchorCtr="0">
+          <a:bodyPr anchorCtr="0" anchor="t" bIns="91425" lIns="91425" rIns="91425" tIns="91425">
             <a:noAutofit/>
           </a:bodyPr>
           <a:lstStyle/>
           <a:p>
-            <a:pPr algn="ctr" rtl="0" lvl="0">
+            <a:pPr lvl="0" rtl="0" algn="ctr">
               <a:spcBef>
                 <a:spcPts val="0"/>
               </a:spcBef>
@@ -7383,20 +7488,20 @@
         </p:nvSpPr>
         <p:spPr>
           <a:xfrm>
-            <a:off y="197328" x="301075"/>
-            <a:ext cy="857400" cx="8229600"/>
+            <a:off x="301075" y="197328"/>
+            <a:ext cx="8229600" cy="857400"/>
           </a:xfrm>
           <a:prstGeom prst="rect">
             <a:avLst/>
           </a:prstGeom>
         </p:spPr>
         <p:txBody>
-          <a:bodyPr bIns="91425" rIns="91425" lIns="91425" tIns="91425" anchor="b" anchorCtr="0">
+          <a:bodyPr anchorCtr="0" anchor="b" bIns="91425" lIns="91425" rIns="91425" tIns="91425">
             <a:noAutofit/>
           </a:bodyPr>
           <a:lstStyle/>
           <a:p>
-            <a:pPr rtl="0" lvl="0">
+            <a:pPr lvl="0" rtl="0">
               <a:spcBef>
                 <a:spcPts val="0"/>
               </a:spcBef>
@@ -7435,10 +7540,10 @@
       </p:nvGrpSpPr>
       <p:grpSpPr>
         <a:xfrm>
-          <a:off y="0" x="0"/>
-          <a:ext cy="0" cx="0"/>
-          <a:chOff y="0" x="0"/>
-          <a:chExt cy="0" cx="0"/>
+          <a:off x="0" y="0"/>
+          <a:ext cx="0" cy="0"/>
+          <a:chOff x="0" y="0"/>
+          <a:chExt cx="0" cy="0"/>
         </a:xfrm>
       </p:grpSpPr>
       <p:sp>
@@ -7449,8 +7554,8 @@
         </p:nvSpPr>
         <p:spPr>
           <a:xfrm>
-            <a:off y="1117425" x="476394"/>
-            <a:ext cy="2967350" cx="2666700"/>
+            <a:off x="476394" y="1117425"/>
+            <a:ext cx="2666700" cy="2967350"/>
           </a:xfrm>
           <a:prstGeom prst="flowChartProcess">
             <a:avLst/>
@@ -7458,18 +7563,18 @@
           <a:solidFill>
             <a:srgbClr val="EFEFEF"/>
           </a:solidFill>
-          <a:ln w="19050" cap="flat">
+          <a:ln cap="flat" cmpd="sng" w="19050">
             <a:solidFill>
               <a:schemeClr val="dk2"/>
             </a:solidFill>
             <a:prstDash val="solid"/>
             <a:round/>
-            <a:headEnd w="med" len="med" type="none"/>
-            <a:tailEnd w="med" len="med" type="none"/>
+            <a:headEnd len="med" w="med" type="none"/>
+            <a:tailEnd len="med" w="med" type="none"/>
           </a:ln>
         </p:spPr>
         <p:txBody>
-          <a:bodyPr bIns="91425" rIns="91425" lIns="91425" tIns="91425" anchor="ctr" anchorCtr="0">
+          <a:bodyPr anchorCtr="0" anchor="ctr" bIns="91425" lIns="91425" rIns="91425" tIns="91425">
             <a:noAutofit/>
           </a:bodyPr>
           <a:lstStyle/>
@@ -7495,8 +7600,8 @@
         </p:nvSpPr>
         <p:spPr>
           <a:xfrm>
-            <a:off y="1010358" x="6110894"/>
-            <a:ext cy="3167950" cx="2542600"/>
+            <a:off x="6110894" y="1010358"/>
+            <a:ext cx="2542600" cy="3167950"/>
           </a:xfrm>
           <a:prstGeom prst="flowChartProcess">
             <a:avLst/>
@@ -7504,23 +7609,23 @@
           <a:solidFill>
             <a:srgbClr val="EFEFEF"/>
           </a:solidFill>
-          <a:ln w="19050" cap="flat">
+          <a:ln cap="flat" cmpd="sng" w="19050">
             <a:solidFill>
               <a:schemeClr val="dk2"/>
             </a:solidFill>
             <a:prstDash val="solid"/>
             <a:round/>
-            <a:headEnd w="med" len="med" type="none"/>
-            <a:tailEnd w="med" len="med" type="none"/>
+            <a:headEnd len="med" w="med" type="none"/>
+            <a:tailEnd len="med" w="med" type="none"/>
           </a:ln>
         </p:spPr>
         <p:txBody>
-          <a:bodyPr bIns="91425" rIns="91425" lIns="91425" tIns="91425" anchor="ctr" anchorCtr="0">
+          <a:bodyPr anchorCtr="0" anchor="ctr" bIns="91425" lIns="91425" rIns="91425" tIns="91425">
             <a:noAutofit/>
           </a:bodyPr>
           <a:lstStyle/>
           <a:p>
-            <a:pPr rtl="0" lvl="0">
+            <a:pPr lvl="0" rtl="0">
               <a:spcBef>
                 <a:spcPts val="0"/>
               </a:spcBef>
@@ -7541,8 +7646,8 @@
         </p:nvSpPr>
         <p:spPr>
           <a:xfrm>
-            <a:off y="427775" x="1181095"/>
-            <a:ext cy="457200" cx="1243200"/>
+            <a:off x="1181095" y="427775"/>
+            <a:ext cx="1243200" cy="457200"/>
           </a:xfrm>
           <a:prstGeom prst="rect">
             <a:avLst/>
@@ -7553,19 +7658,19 @@
           </a:ln>
         </p:spPr>
         <p:txBody>
-          <a:bodyPr bIns="91425" rIns="91425" lIns="91425" tIns="91425" anchor="t" anchorCtr="0">
+          <a:bodyPr anchorCtr="0" anchor="t" bIns="91425" lIns="91425" rIns="91425" tIns="91425">
             <a:noAutofit/>
           </a:bodyPr>
           <a:lstStyle/>
           <a:p>
-            <a:pPr algn="ctr" rtl="0" lvl="0">
+            <a:pPr lvl="0" rtl="0" algn="ctr">
               <a:spcBef>
                 <a:spcPts val="0"/>
               </a:spcBef>
               <a:buNone/>
             </a:pPr>
             <a:r>
-              <a:rPr sz="2400" lang="en">
+              <a:rPr lang="en" sz="2400">
                 <a:solidFill>
                   <a:srgbClr val="EFEFEF"/>
                 </a:solidFill>
@@ -7583,8 +7688,8 @@
         </p:nvSpPr>
         <p:spPr>
           <a:xfrm>
-            <a:off y="427775" x="6868597"/>
-            <a:ext cy="457200" cx="1027200"/>
+            <a:off x="6868597" y="427775"/>
+            <a:ext cx="1027200" cy="457200"/>
           </a:xfrm>
           <a:prstGeom prst="rect">
             <a:avLst/>
@@ -7595,19 +7700,19 @@
           </a:ln>
         </p:spPr>
         <p:txBody>
-          <a:bodyPr bIns="91425" rIns="91425" lIns="91425" tIns="91425" anchor="t" anchorCtr="0">
+          <a:bodyPr anchorCtr="0" anchor="t" bIns="91425" lIns="91425" rIns="91425" tIns="91425">
             <a:noAutofit/>
           </a:bodyPr>
           <a:lstStyle/>
           <a:p>
-            <a:pPr algn="ctr" rtl="0" lvl="0">
+            <a:pPr lvl="0" rtl="0" algn="ctr">
               <a:spcBef>
                 <a:spcPts val="0"/>
               </a:spcBef>
               <a:buNone/>
             </a:pPr>
             <a:r>
-              <a:rPr sz="2400" lang="en">
+              <a:rPr lang="en" sz="2400">
                 <a:solidFill>
                   <a:srgbClr val="EFEFEF"/>
                 </a:solidFill>
@@ -7625,8 +7730,8 @@
         </p:nvSpPr>
         <p:spPr>
           <a:xfrm>
-            <a:off y="1158500" x="3729093"/>
-            <a:ext cy="457200" cx="1795799"/>
+            <a:off x="3729093" y="1158500"/>
+            <a:ext cx="1795799" cy="457200"/>
           </a:xfrm>
           <a:prstGeom prst="rect">
             <a:avLst/>
@@ -7637,19 +7742,19 @@
           </a:ln>
         </p:spPr>
         <p:txBody>
-          <a:bodyPr bIns="91425" rIns="91425" lIns="91425" tIns="91425" anchor="t" anchorCtr="0">
+          <a:bodyPr anchorCtr="0" anchor="t" bIns="91425" lIns="91425" rIns="91425" tIns="91425">
             <a:noAutofit/>
           </a:bodyPr>
           <a:lstStyle/>
           <a:p>
-            <a:pPr algn="ctr" rtl="0" lvl="0">
+            <a:pPr lvl="0" rtl="0" algn="ctr">
               <a:spcBef>
                 <a:spcPts val="0"/>
               </a:spcBef>
               <a:buNone/>
             </a:pPr>
             <a:r>
-              <a:rPr sz="2400" lang="en">
+              <a:rPr lang="en" sz="2400">
                 <a:solidFill>
                   <a:srgbClr val="EFEFEF"/>
                 </a:solidFill>
@@ -7658,7 +7763,7 @@
             </a:r>
           </a:p>
           <a:p>
-            <a:pPr algn="ctr" rtl="0" lvl="0">
+            <a:pPr lvl="0" rtl="0" algn="ctr">
               <a:spcBef>
                 <a:spcPts val="0"/>
               </a:spcBef>
@@ -7679,8 +7784,8 @@
         </p:nvSpPr>
         <p:spPr>
           <a:xfrm>
-            <a:off y="1728850" x="3947927"/>
-            <a:ext cy="964799" cx="1308300"/>
+            <a:off x="3947927" y="1728850"/>
+            <a:ext cx="1308300" cy="964799"/>
           </a:xfrm>
           <a:prstGeom prst="rect">
             <a:avLst/>
@@ -7688,18 +7793,18 @@
           <a:solidFill>
             <a:srgbClr val="FFFFFF"/>
           </a:solidFill>
-          <a:ln w="19050" cap="flat">
+          <a:ln cap="flat" cmpd="sng" w="19050">
             <a:solidFill>
               <a:schemeClr val="dk2"/>
             </a:solidFill>
             <a:prstDash val="solid"/>
             <a:round/>
-            <a:headEnd w="med" len="med" type="none"/>
-            <a:tailEnd w="med" len="med" type="none"/>
+            <a:headEnd len="med" w="med" type="none"/>
+            <a:tailEnd len="med" w="med" type="none"/>
           </a:ln>
         </p:spPr>
         <p:txBody>
-          <a:bodyPr bIns="91425" rIns="91425" lIns="91425" tIns="91425" anchor="ctr" anchorCtr="0">
+          <a:bodyPr anchorCtr="0" anchor="ctr" bIns="91425" lIns="91425" rIns="91425" tIns="91425">
             <a:noAutofit/>
           </a:bodyPr>
           <a:lstStyle/>
@@ -7724,15 +7829,17 @@
           <p:nvPr/>
         </p:nvPicPr>
         <p:blipFill>
-          <a:blip r:embed="rId3"/>
+          <a:blip r:embed="rId3">
+            <a:alphaModFix/>
+          </a:blip>
           <a:stretch>
             <a:fillRect/>
           </a:stretch>
         </p:blipFill>
         <p:spPr>
           <a:xfrm>
-            <a:off y="1888537" x="4068304"/>
-            <a:ext cy="645424" cx="1027275"/>
+            <a:off x="4068304" y="1888537"/>
+            <a:ext cx="1027275" cy="645424"/>
           </a:xfrm>
           <a:prstGeom prst="rect">
             <a:avLst/>
@@ -7751,8 +7858,8 @@
         </p:nvSpPr>
         <p:spPr>
           <a:xfrm>
-            <a:off y="2002850" x="5331169"/>
-            <a:ext cy="19799" cx="521999"/>
+            <a:off x="5331169" y="2002850"/>
+            <a:ext cx="521999" cy="19799"/>
           </a:xfrm>
           <a:prstGeom prst="rect">
             <a:avLst/>
@@ -7763,7 +7870,7 @@
           </a:ln>
         </p:spPr>
         <p:txBody>
-          <a:bodyPr bIns="91425" rIns="91425" lIns="91425" tIns="91425" anchor="t" anchorCtr="0">
+          <a:bodyPr anchorCtr="0" anchor="t" bIns="91425" lIns="91425" rIns="91425" tIns="91425">
             <a:noAutofit/>
           </a:bodyPr>
           <a:lstStyle/>
@@ -7788,15 +7895,17 @@
           <p:nvPr/>
         </p:nvPicPr>
         <p:blipFill>
-          <a:blip r:embed="rId4"/>
+          <a:blip r:embed="rId4">
+            <a:alphaModFix/>
+          </a:blip>
           <a:stretch>
             <a:fillRect/>
           </a:stretch>
         </p:blipFill>
         <p:spPr>
           <a:xfrm>
-            <a:off y="3314944" x="4111239"/>
-            <a:ext cy="964798" cx="925893"/>
+            <a:off x="4111239" y="3314944"/>
+            <a:ext cx="925893" cy="964798"/>
           </a:xfrm>
           <a:prstGeom prst="rect">
             <a:avLst/>
@@ -7815,8 +7924,8 @@
         </p:nvSpPr>
         <p:spPr>
           <a:xfrm>
-            <a:off y="4377450" x="3934051"/>
-            <a:ext cy="457200" cx="1308300"/>
+            <a:off x="3934051" y="4377450"/>
+            <a:ext cx="1308300" cy="457200"/>
           </a:xfrm>
           <a:prstGeom prst="rect">
             <a:avLst/>
@@ -7827,19 +7936,19 @@
           </a:ln>
         </p:spPr>
         <p:txBody>
-          <a:bodyPr bIns="91425" rIns="91425" lIns="91425" tIns="91425" anchor="t" anchorCtr="0">
+          <a:bodyPr anchorCtr="0" anchor="t" bIns="91425" lIns="91425" rIns="91425" tIns="91425">
             <a:noAutofit/>
           </a:bodyPr>
           <a:lstStyle/>
           <a:p>
-            <a:pPr algn="ctr" rtl="0" lvl="0">
+            <a:pPr lvl="0" rtl="0" algn="ctr">
               <a:spcBef>
                 <a:spcPts val="0"/>
               </a:spcBef>
               <a:buNone/>
             </a:pPr>
             <a:r>
-              <a:rPr sz="2400" lang="en">
+              <a:rPr lang="en" sz="2400">
                 <a:solidFill>
                   <a:srgbClr val="EFEFEF"/>
                 </a:solidFill>
@@ -7856,15 +7965,17 @@
           <p:nvPr/>
         </p:nvPicPr>
         <p:blipFill>
-          <a:blip r:embed="rId5"/>
+          <a:blip r:embed="rId5">
+            <a:alphaModFix/>
+          </a:blip>
           <a:stretch>
             <a:fillRect/>
           </a:stretch>
         </p:blipFill>
         <p:spPr>
           <a:xfrm>
-            <a:off y="1194175" x="570941"/>
-            <a:ext cy="2799750" cx="2463500"/>
+            <a:off x="570941" y="1194175"/>
+            <a:ext cx="2463500" cy="2799750"/>
           </a:xfrm>
           <a:prstGeom prst="rect">
             <a:avLst/>
@@ -7883,21 +7994,21 @@
         </p:nvCxnSpPr>
         <p:spPr>
           <a:xfrm>
-            <a:off y="1912050" x="3291269"/>
-            <a:ext cy="0" cx="423300"/>
+            <a:off x="3291269" y="1912050"/>
+            <a:ext cx="423300" cy="0"/>
           </a:xfrm>
           <a:prstGeom prst="straightConnector1">
             <a:avLst/>
           </a:prstGeom>
           <a:noFill/>
-          <a:ln w="19050" cap="flat">
+          <a:ln cap="flat" cmpd="sng" w="19050">
             <a:solidFill>
               <a:srgbClr val="EFEFEF"/>
             </a:solidFill>
             <a:prstDash val="solid"/>
             <a:round/>
-            <a:headEnd w="lg" len="lg" type="none"/>
-            <a:tailEnd w="lg" len="lg" type="triangle"/>
+            <a:headEnd len="lg" w="lg" type="none"/>
+            <a:tailEnd len="lg" w="lg" type="triangle"/>
           </a:ln>
         </p:spPr>
       </p:cxnSp>
@@ -7909,21 +8020,21 @@
         </p:nvCxnSpPr>
         <p:spPr>
           <a:xfrm>
-            <a:off y="2208400" x="3291258"/>
-            <a:ext cy="0" cx="387899"/>
+            <a:off x="3291258" y="2208400"/>
+            <a:ext cx="387899" cy="0"/>
           </a:xfrm>
           <a:prstGeom prst="straightConnector1">
             <a:avLst/>
           </a:prstGeom>
           <a:noFill/>
-          <a:ln w="19050" cap="flat">
+          <a:ln cap="flat" cmpd="sng" w="19050">
             <a:solidFill>
               <a:srgbClr val="EFEFEF"/>
             </a:solidFill>
             <a:prstDash val="solid"/>
             <a:round/>
-            <a:headEnd w="lg" len="lg" type="triangle"/>
-            <a:tailEnd w="lg" len="lg" type="none"/>
+            <a:headEnd len="lg" w="lg" type="triangle"/>
+            <a:tailEnd len="lg" w="lg" type="none"/>
           </a:ln>
         </p:spPr>
       </p:cxnSp>
@@ -7935,21 +8046,21 @@
         </p:nvCxnSpPr>
         <p:spPr>
           <a:xfrm>
-            <a:off y="2208400" x="5440320"/>
-            <a:ext cy="0" cx="387899"/>
+            <a:off x="5440320" y="2208400"/>
+            <a:ext cx="387899" cy="0"/>
           </a:xfrm>
           <a:prstGeom prst="straightConnector1">
             <a:avLst/>
           </a:prstGeom>
           <a:noFill/>
-          <a:ln w="19050" cap="flat">
+          <a:ln cap="flat" cmpd="sng" w="19050">
             <a:solidFill>
               <a:srgbClr val="EFEFEF"/>
             </a:solidFill>
             <a:prstDash val="solid"/>
             <a:round/>
-            <a:headEnd w="lg" len="lg" type="triangle"/>
-            <a:tailEnd w="lg" len="lg" type="none"/>
+            <a:headEnd len="lg" w="lg" type="triangle"/>
+            <a:tailEnd len="lg" w="lg" type="none"/>
           </a:ln>
         </p:spPr>
       </p:cxnSp>
@@ -7960,22 +8071,22 @@
           <p:nvPr/>
         </p:nvCxnSpPr>
         <p:spPr>
-          <a:xfrm rot="10800000">
-            <a:off y="2924455" x="4510726"/>
-            <a:ext cy="0" cx="423300"/>
+          <a:xfrm rot="5400000">
+            <a:off x="4510726" y="2924455"/>
+            <a:ext cx="423300" cy="0"/>
           </a:xfrm>
           <a:prstGeom prst="straightConnector1">
             <a:avLst/>
           </a:prstGeom>
           <a:noFill/>
-          <a:ln w="19050" cap="flat">
+          <a:ln cap="flat" cmpd="sng" w="19050">
             <a:solidFill>
               <a:srgbClr val="EFEFEF"/>
             </a:solidFill>
             <a:prstDash val="solid"/>
             <a:round/>
-            <a:headEnd w="lg" len="lg" type="none"/>
-            <a:tailEnd w="lg" len="lg" type="triangle"/>
+            <a:headEnd len="lg" w="lg" type="none"/>
+            <a:tailEnd len="lg" w="lg" type="triangle"/>
           </a:ln>
         </p:spPr>
       </p:cxnSp>
@@ -7986,22 +8097,22 @@
           <p:nvPr/>
         </p:nvCxnSpPr>
         <p:spPr>
-          <a:xfrm rot="10800000">
-            <a:off y="2906744" x="4232076"/>
-            <a:ext cy="0" cx="387899"/>
+          <a:xfrm rot="5400000">
+            <a:off x="4232076" y="2906744"/>
+            <a:ext cx="387899" cy="0"/>
           </a:xfrm>
           <a:prstGeom prst="straightConnector1">
             <a:avLst/>
           </a:prstGeom>
           <a:noFill/>
-          <a:ln w="19050" cap="flat">
+          <a:ln cap="flat" cmpd="sng" w="19050">
             <a:solidFill>
               <a:srgbClr val="EFEFEF"/>
             </a:solidFill>
             <a:prstDash val="solid"/>
             <a:round/>
-            <a:headEnd w="lg" len="lg" type="triangle"/>
-            <a:tailEnd w="lg" len="lg" type="none"/>
+            <a:headEnd len="lg" w="lg" type="triangle"/>
+            <a:tailEnd len="lg" w="lg" type="none"/>
           </a:ln>
         </p:spPr>
       </p:cxnSp>
@@ -8012,15 +8123,17 @@
           <p:nvPr/>
         </p:nvPicPr>
         <p:blipFill>
-          <a:blip r:embed="rId6"/>
+          <a:blip r:embed="rId6">
+            <a:alphaModFix/>
+          </a:blip>
           <a:stretch>
             <a:fillRect/>
           </a:stretch>
         </p:blipFill>
         <p:spPr>
           <a:xfrm>
-            <a:off y="1117425" x="6201364"/>
-            <a:ext cy="2967350" cx="2347086"/>
+            <a:off x="6201364" y="1117425"/>
+            <a:ext cx="2347086" cy="2967350"/>
           </a:xfrm>
           <a:prstGeom prst="rect">
             <a:avLst/>
@@ -8053,10 +8166,10 @@
       </p:nvGrpSpPr>
       <p:grpSpPr>
         <a:xfrm>
-          <a:off y="0" x="0"/>
-          <a:ext cy="0" cx="0"/>
-          <a:chOff y="0" x="0"/>
-          <a:chExt cy="0" cx="0"/>
+          <a:off x="0" y="0"/>
+          <a:ext cx="0" cy="0"/>
+          <a:chOff x="0" y="0"/>
+          <a:chExt cx="0" cy="0"/>
         </a:xfrm>
       </p:grpSpPr>
       <p:sp>
@@ -8069,20 +8182,20 @@
         </p:nvSpPr>
         <p:spPr>
           <a:xfrm>
-            <a:off y="205978" x="457200"/>
-            <a:ext cy="857400" cx="8229600"/>
+            <a:off x="457200" y="205978"/>
+            <a:ext cx="8229600" cy="857400"/>
           </a:xfrm>
           <a:prstGeom prst="rect">
             <a:avLst/>
           </a:prstGeom>
         </p:spPr>
         <p:txBody>
-          <a:bodyPr bIns="91425" rIns="91425" lIns="91425" tIns="91425" anchor="b" anchorCtr="0">
+          <a:bodyPr anchorCtr="0" anchor="b" bIns="91425" lIns="91425" rIns="91425" tIns="91425">
             <a:noAutofit/>
           </a:bodyPr>
           <a:lstStyle/>
           <a:p>
-            <a:pPr rtl="0" lvl="0">
+            <a:pPr lvl="0" rtl="0">
               <a:spcBef>
                 <a:spcPts val="0"/>
               </a:spcBef>
@@ -8106,15 +8219,17 @@
           <p:nvPr/>
         </p:nvPicPr>
         <p:blipFill>
-          <a:blip r:embed="rId3"/>
+          <a:blip r:embed="rId3">
+            <a:alphaModFix/>
+          </a:blip>
           <a:stretch>
             <a:fillRect/>
           </a:stretch>
         </p:blipFill>
         <p:spPr>
           <a:xfrm>
-            <a:off y="320241" x="6218087"/>
-            <a:ext cy="1553450" cx="1762849"/>
+            <a:off x="6218087" y="320241"/>
+            <a:ext cx="1762849" cy="1553450"/>
           </a:xfrm>
           <a:prstGeom prst="rect">
             <a:avLst/>
@@ -8132,15 +8247,17 @@
           <p:nvPr/>
         </p:nvPicPr>
         <p:blipFill>
-          <a:blip r:embed="rId4"/>
+          <a:blip r:embed="rId4">
+            <a:alphaModFix/>
+          </a:blip>
           <a:stretch>
             <a:fillRect/>
           </a:stretch>
         </p:blipFill>
         <p:spPr>
           <a:xfrm>
-            <a:off y="1335387" x="2078670"/>
-            <a:ext cy="842950" cx="3301554"/>
+            <a:off x="2078670" y="1335387"/>
+            <a:ext cx="3301554" cy="842950"/>
           </a:xfrm>
           <a:prstGeom prst="rect">
             <a:avLst/>
@@ -8158,15 +8275,17 @@
           <p:nvPr/>
         </p:nvPicPr>
         <p:blipFill>
-          <a:blip r:embed="rId5"/>
+          <a:blip r:embed="rId5">
+            <a:alphaModFix/>
+          </a:blip>
           <a:stretch>
             <a:fillRect/>
           </a:stretch>
         </p:blipFill>
         <p:spPr>
           <a:xfrm>
-            <a:off y="3854912" x="3724259"/>
-            <a:ext cy="785950" cx="2353799"/>
+            <a:off x="3724259" y="3854912"/>
+            <a:ext cx="2353799" cy="785950"/>
           </a:xfrm>
           <a:prstGeom prst="rect">
             <a:avLst/>
@@ -8184,15 +8303,17 @@
           <p:nvPr/>
         </p:nvPicPr>
         <p:blipFill>
-          <a:blip r:embed="rId6"/>
+          <a:blip r:embed="rId6">
+            <a:alphaModFix/>
+          </a:blip>
           <a:stretch>
             <a:fillRect/>
           </a:stretch>
         </p:blipFill>
         <p:spPr>
           <a:xfrm>
-            <a:off y="2793025" x="656049"/>
-            <a:ext cy="1847849" cx="2719538"/>
+            <a:off x="656049" y="2793025"/>
+            <a:ext cx="2719538" cy="1847849"/>
           </a:xfrm>
           <a:prstGeom prst="rect">
             <a:avLst/>
@@ -8210,15 +8331,17 @@
           <p:nvPr/>
         </p:nvPicPr>
         <p:blipFill>
-          <a:blip r:embed="rId7"/>
+          <a:blip r:embed="rId7">
+            <a:alphaModFix/>
+          </a:blip>
           <a:stretch>
             <a:fillRect/>
           </a:stretch>
         </p:blipFill>
         <p:spPr>
           <a:xfrm>
-            <a:off y="2201860" x="5829725"/>
-            <a:ext cy="1303200" cx="2539575"/>
+            <a:off x="5829725" y="2201860"/>
+            <a:ext cx="2539575" cy="1303200"/>
           </a:xfrm>
           <a:prstGeom prst="rect">
             <a:avLst/>
@@ -8236,15 +8359,17 @@
           <p:nvPr/>
         </p:nvPicPr>
         <p:blipFill>
-          <a:blip r:embed="rId8"/>
+          <a:blip r:embed="rId8">
+            <a:alphaModFix/>
+          </a:blip>
           <a:stretch>
             <a:fillRect/>
           </a:stretch>
         </p:blipFill>
         <p:spPr>
           <a:xfrm>
-            <a:off y="2543291" x="4031068"/>
-            <a:ext cy="961775" cx="1084249"/>
+            <a:off x="4031068" y="2543291"/>
+            <a:ext cx="1084249" cy="961775"/>
           </a:xfrm>
           <a:prstGeom prst="rect">
             <a:avLst/>
@@ -8262,15 +8387,17 @@
           <p:nvPr/>
         </p:nvPicPr>
         <p:blipFill>
-          <a:blip r:embed="rId9"/>
+          <a:blip r:embed="rId9">
+            <a:alphaModFix/>
+          </a:blip>
           <a:stretch>
             <a:fillRect/>
           </a:stretch>
         </p:blipFill>
         <p:spPr>
           <a:xfrm>
-            <a:off y="1335387" x="656044"/>
-            <a:ext cy="1076975" cx="904050"/>
+            <a:off x="656044" y="1335387"/>
+            <a:ext cx="904050" cy="1076975"/>
           </a:xfrm>
           <a:prstGeom prst="rect">
             <a:avLst/>
@@ -8288,15 +8415,17 @@
           <p:nvPr/>
         </p:nvPicPr>
         <p:blipFill>
-          <a:blip r:embed="rId10"/>
+          <a:blip r:embed="rId10">
+            <a:alphaModFix/>
+          </a:blip>
           <a:stretch>
             <a:fillRect/>
           </a:stretch>
         </p:blipFill>
         <p:spPr>
           <a:xfrm>
-            <a:off y="3797923" x="6443775"/>
-            <a:ext cy="842950" cx="1925536"/>
+            <a:off x="6443775" y="3797923"/>
+            <a:ext cx="1925536" cy="842950"/>
           </a:xfrm>
           <a:prstGeom prst="rect">
             <a:avLst/>
@@ -8329,10 +8458,10 @@
       </p:nvGrpSpPr>
       <p:grpSpPr>
         <a:xfrm>
-          <a:off y="0" x="0"/>
-          <a:ext cy="0" cx="0"/>
-          <a:chOff y="0" x="0"/>
-          <a:chExt cy="0" cx="0"/>
+          <a:off x="0" y="0"/>
+          <a:ext cx="0" cy="0"/>
+          <a:chOff x="0" y="0"/>
+          <a:chExt cx="0" cy="0"/>
         </a:xfrm>
       </p:grpSpPr>
       <p:sp>
@@ -8345,15 +8474,15 @@
         </p:nvSpPr>
         <p:spPr>
           <a:xfrm>
-            <a:off y="1583342" x="685800"/>
-            <a:ext cy="1159799" cx="7772400"/>
+            <a:off x="685800" y="1583342"/>
+            <a:ext cx="7772400" cy="1159799"/>
           </a:xfrm>
           <a:prstGeom prst="rect">
             <a:avLst/>
           </a:prstGeom>
         </p:spPr>
         <p:txBody>
-          <a:bodyPr bIns="91425" rIns="91425" lIns="91425" tIns="91425" anchor="b" anchorCtr="0">
+          <a:bodyPr anchorCtr="0" anchor="b" bIns="91425" lIns="91425" rIns="91425" tIns="91425">
             <a:noAutofit/>
           </a:bodyPr>
           <a:lstStyle/>
@@ -8397,10 +8526,10 @@
       </p:nvGrpSpPr>
       <p:grpSpPr>
         <a:xfrm>
-          <a:off y="0" x="0"/>
-          <a:ext cy="0" cx="0"/>
-          <a:chOff y="0" x="0"/>
-          <a:chExt cy="0" cx="0"/>
+          <a:off x="0" y="0"/>
+          <a:ext cx="0" cy="0"/>
+          <a:chOff x="0" y="0"/>
+          <a:chExt cx="0" cy="0"/>
         </a:xfrm>
       </p:grpSpPr>
       <p:sp>
@@ -8413,15 +8542,15 @@
         </p:nvSpPr>
         <p:spPr>
           <a:xfrm>
-            <a:off y="1583342" x="685800"/>
-            <a:ext cy="1159799" cx="7772400"/>
+            <a:off x="685800" y="1583342"/>
+            <a:ext cx="7772400" cy="1159799"/>
           </a:xfrm>
           <a:prstGeom prst="rect">
             <a:avLst/>
           </a:prstGeom>
         </p:spPr>
         <p:txBody>
-          <a:bodyPr bIns="91425" rIns="91425" lIns="91425" tIns="91425" anchor="b" anchorCtr="0">
+          <a:bodyPr anchorCtr="0" anchor="b" bIns="91425" lIns="91425" rIns="91425" tIns="91425">
             <a:noAutofit/>
           </a:bodyPr>
           <a:lstStyle/>
@@ -8453,15 +8582,15 @@
         </p:nvSpPr>
         <p:spPr>
           <a:xfrm>
-            <a:off y="2840053" x="685800"/>
-            <a:ext cy="784799" cx="7772400"/>
+            <a:off x="685800" y="2840053"/>
+            <a:ext cx="7772400" cy="784799"/>
           </a:xfrm>
           <a:prstGeom prst="rect">
             <a:avLst/>
           </a:prstGeom>
         </p:spPr>
         <p:txBody>
-          <a:bodyPr bIns="91425" rIns="91425" lIns="91425" tIns="91425" anchor="t" anchorCtr="0">
+          <a:bodyPr anchorCtr="0" anchor="t" bIns="91425" lIns="91425" rIns="91425" tIns="91425">
             <a:noAutofit/>
           </a:bodyPr>
           <a:lstStyle/>
@@ -8505,10 +8634,10 @@
       </p:nvGrpSpPr>
       <p:grpSpPr>
         <a:xfrm>
-          <a:off y="0" x="0"/>
-          <a:ext cy="0" cx="0"/>
-          <a:chOff y="0" x="0"/>
-          <a:chExt cy="0" cx="0"/>
+          <a:off x="0" y="0"/>
+          <a:ext cx="0" cy="0"/>
+          <a:chOff x="0" y="0"/>
+          <a:chExt cx="0" cy="0"/>
         </a:xfrm>
       </p:grpSpPr>
       <p:sp>
@@ -8521,15 +8650,15 @@
         </p:nvSpPr>
         <p:spPr>
           <a:xfrm>
-            <a:off y="205978" x="457200"/>
-            <a:ext cy="857400" cx="8229600"/>
+            <a:off x="457200" y="205978"/>
+            <a:ext cx="8229600" cy="857400"/>
           </a:xfrm>
           <a:prstGeom prst="rect">
             <a:avLst/>
           </a:prstGeom>
         </p:spPr>
         <p:txBody>
-          <a:bodyPr bIns="91425" rIns="91425" lIns="91425" tIns="91425" anchor="b" anchorCtr="0">
+          <a:bodyPr anchorCtr="0" anchor="b" bIns="91425" lIns="91425" rIns="91425" tIns="91425">
             <a:noAutofit/>
           </a:bodyPr>
           <a:lstStyle/>
@@ -8558,15 +8687,17 @@
           <p:nvPr/>
         </p:nvPicPr>
         <p:blipFill>
-          <a:blip r:embed="rId3"/>
+          <a:blip r:embed="rId3">
+            <a:alphaModFix/>
+          </a:blip>
           <a:stretch>
             <a:fillRect/>
           </a:stretch>
         </p:blipFill>
         <p:spPr>
           <a:xfrm>
-            <a:off y="1324887" x="561284"/>
-            <a:ext cy="2493724" cx="5180699"/>
+            <a:off x="561284" y="1324887"/>
+            <a:ext cx="5180699" cy="2493724"/>
           </a:xfrm>
           <a:prstGeom prst="rect">
             <a:avLst/>
@@ -8584,15 +8715,17 @@
           <p:nvPr/>
         </p:nvPicPr>
         <p:blipFill>
-          <a:blip r:embed="rId4"/>
+          <a:blip r:embed="rId4">
+            <a:alphaModFix/>
+          </a:blip>
           <a:stretch>
             <a:fillRect/>
           </a:stretch>
         </p:blipFill>
         <p:spPr>
           <a:xfrm>
-            <a:off y="4080125" x="457200"/>
-            <a:ext cy="306200" cx="2439825"/>
+            <a:off x="457200" y="4080125"/>
+            <a:ext cx="2439825" cy="306200"/>
           </a:xfrm>
           <a:prstGeom prst="rect">
             <a:avLst/>
@@ -8625,10 +8758,10 @@
       </p:nvGrpSpPr>
       <p:grpSpPr>
         <a:xfrm>
-          <a:off y="0" x="0"/>
-          <a:ext cy="0" cx="0"/>
-          <a:chOff y="0" x="0"/>
-          <a:chExt cy="0" cx="0"/>
+          <a:off x="0" y="0"/>
+          <a:ext cx="0" cy="0"/>
+          <a:chOff x="0" y="0"/>
+          <a:chExt cx="0" cy="0"/>
         </a:xfrm>
       </p:grpSpPr>
       <p:sp>
@@ -8641,15 +8774,15 @@
         </p:nvSpPr>
         <p:spPr>
           <a:xfrm>
-            <a:off y="205978" x="457200"/>
-            <a:ext cy="857400" cx="8229600"/>
+            <a:off x="457200" y="205978"/>
+            <a:ext cx="8229600" cy="857400"/>
           </a:xfrm>
           <a:prstGeom prst="rect">
             <a:avLst/>
           </a:prstGeom>
         </p:spPr>
         <p:txBody>
-          <a:bodyPr bIns="91425" rIns="91425" lIns="91425" tIns="91425" anchor="b" anchorCtr="0">
+          <a:bodyPr anchorCtr="0" anchor="b" bIns="91425" lIns="91425" rIns="91425" tIns="91425">
             <a:noAutofit/>
           </a:bodyPr>
           <a:lstStyle/>
@@ -8678,15 +8811,17 @@
           <p:nvPr/>
         </p:nvPicPr>
         <p:blipFill>
-          <a:blip r:embed="rId3"/>
+          <a:blip r:embed="rId3">
+            <a:alphaModFix/>
+          </a:blip>
           <a:stretch>
             <a:fillRect/>
           </a:stretch>
         </p:blipFill>
         <p:spPr>
           <a:xfrm>
-            <a:off y="1454925" x="509242"/>
-            <a:ext cy="1647499" cx="4333175"/>
+            <a:off x="509242" y="1454925"/>
+            <a:ext cx="4333175" cy="1647499"/>
           </a:xfrm>
           <a:prstGeom prst="rect">
             <a:avLst/>
@@ -8704,15 +8839,17 @@
           <p:nvPr/>
         </p:nvPicPr>
         <p:blipFill>
-          <a:blip r:embed="rId4"/>
+          <a:blip r:embed="rId4">
+            <a:alphaModFix/>
+          </a:blip>
           <a:stretch>
             <a:fillRect/>
           </a:stretch>
         </p:blipFill>
         <p:spPr>
           <a:xfrm>
-            <a:off y="3628850" x="494750"/>
-            <a:ext cy="388700" cx="3269624"/>
+            <a:off x="494750" y="3628850"/>
+            <a:ext cx="3269624" cy="388700"/>
           </a:xfrm>
           <a:prstGeom prst="rect">
             <a:avLst/>
@@ -8735,44 +8872,44 @@
 </file>
 
 <file path=ppt/theme/theme1.xml><?xml version="1.0" encoding="utf-8"?>
-<a:theme xmlns:a="http://schemas.openxmlformats.org/drawingml/2006/main" xmlns:r="http://schemas.openxmlformats.org/officeDocument/2006/relationships" name="simple-light">
+<a:theme xmlns:a="http://schemas.openxmlformats.org/drawingml/2006/main" xmlns:r="http://schemas.openxmlformats.org/officeDocument/2006/relationships" name="Office Theme">
   <a:themeElements>
-    <a:clrScheme name="Custom 347">
+    <a:clrScheme name="Office">
       <a:dk1>
-        <a:srgbClr val="000000"/>
+        <a:sysClr lastClr="000000" val="windowText"/>
       </a:dk1>
       <a:lt1>
-        <a:srgbClr val="FFFFFF"/>
+        <a:sysClr lastClr="FFFFFF" val="window"/>
       </a:lt1>
       <a:dk2>
-        <a:srgbClr val="666666"/>
+        <a:srgbClr val="1F497D"/>
       </a:dk2>
       <a:lt2>
-        <a:srgbClr val="CCCCCC"/>
+        <a:srgbClr val="EEECE1"/>
       </a:lt2>
       <a:accent1>
-        <a:srgbClr val="3A81BA"/>
+        <a:srgbClr val="4F81BD"/>
       </a:accent1>
       <a:accent2>
-        <a:srgbClr val="D89F39"/>
+        <a:srgbClr val="C0504D"/>
       </a:accent2>
       <a:accent3>
-        <a:srgbClr val="8BAB42"/>
+        <a:srgbClr val="9BBB59"/>
       </a:accent3>
       <a:accent4>
-        <a:srgbClr val="57A7B5"/>
+        <a:srgbClr val="8064A2"/>
       </a:accent4>
       <a:accent5>
-        <a:srgbClr val="8B81D2"/>
+        <a:srgbClr val="4BACC6"/>
       </a:accent5>
       <a:accent6>
-        <a:srgbClr val="963334"/>
+        <a:srgbClr val="F79646"/>
       </a:accent6>
       <a:hlink>
-        <a:srgbClr val="1155CC"/>
+        <a:srgbClr val="0000FF"/>
       </a:hlink>
       <a:folHlink>
-        <a:srgbClr val="6611CC"/>
+        <a:srgbClr val="800080"/>
       </a:folHlink>
     </a:clrScheme>
     <a:fontScheme name="Office">
@@ -8780,69 +8917,69 @@
         <a:latin typeface="Arial"/>
         <a:ea typeface=""/>
         <a:cs typeface=""/>
-        <a:font typeface="ＭＳ Ｐゴシック" script="Jpan"/>
-        <a:font typeface="맑은 고딕" script="Hang"/>
-        <a:font typeface="宋体" script="Hans"/>
-        <a:font typeface="新細明體" script="Hant"/>
-        <a:font typeface="Times New Roman" script="Arab"/>
-        <a:font typeface="Times New Roman" script="Hebr"/>
-        <a:font typeface="Angsana New" script="Thai"/>
-        <a:font typeface="Nyala" script="Ethi"/>
-        <a:font typeface="Vrinda" script="Beng"/>
-        <a:font typeface="Shruti" script="Gujr"/>
-        <a:font typeface="MoolBoran" script="Khmr"/>
-        <a:font typeface="Tunga" script="Knda"/>
-        <a:font typeface="Raavi" script="Guru"/>
-        <a:font typeface="Euphemia" script="Cans"/>
-        <a:font typeface="Plantagenet Cherokee" script="Cher"/>
-        <a:font typeface="Microsoft Yi Baiti" script="Yiii"/>
-        <a:font typeface="Microsoft Himalaya" script="Tibt"/>
-        <a:font typeface="MV Boli" script="Thaa"/>
-        <a:font typeface="Mangal" script="Deva"/>
-        <a:font typeface="Gautami" script="Telu"/>
-        <a:font typeface="Latha" script="Taml"/>
-        <a:font typeface="Estrangelo Edessa" script="Syrc"/>
-        <a:font typeface="Kalinga" script="Orya"/>
-        <a:font typeface="Kartika" script="Mlym"/>
-        <a:font typeface="DokChampa" script="Laoo"/>
-        <a:font typeface="Iskoola Pota" script="Sinh"/>
-        <a:font typeface="Mongolian Baiti" script="Mong"/>
-        <a:font typeface="Times New Roman" script="Viet"/>
-        <a:font typeface="Microsoft Uighur" script="Uigh"/>
+        <a:font script="Jpan" typeface="ＭＳ Ｐゴシック"/>
+        <a:font script="Hang" typeface="맑은 고딕"/>
+        <a:font script="Hans" typeface="宋体"/>
+        <a:font script="Hant" typeface="新細明體"/>
+        <a:font script="Arab" typeface="Times New Roman"/>
+        <a:font script="Hebr" typeface="Times New Roman"/>
+        <a:font script="Thai" typeface="Angsana New"/>
+        <a:font script="Ethi" typeface="Nyala"/>
+        <a:font script="Beng" typeface="Vrinda"/>
+        <a:font script="Gujr" typeface="Shruti"/>
+        <a:font script="Khmr" typeface="MoolBoran"/>
+        <a:font script="Knda" typeface="Tunga"/>
+        <a:font script="Guru" typeface="Raavi"/>
+        <a:font script="Cans" typeface="Euphemia"/>
+        <a:font script="Cher" typeface="Plantagenet Cherokee"/>
+        <a:font script="Yiii" typeface="Microsoft Yi Baiti"/>
+        <a:font script="Tibt" typeface="Microsoft Himalaya"/>
+        <a:font script="Thaa" typeface="MV Boli"/>
+        <a:font script="Deva" typeface="Mangal"/>
+        <a:font script="Telu" typeface="Gautami"/>
+        <a:font script="Taml" typeface="Latha"/>
+        <a:font script="Syrc" typeface="Estrangelo Edessa"/>
+        <a:font script="Orya" typeface="Kalinga"/>
+        <a:font script="Mlym" typeface="Kartika"/>
+        <a:font script="Laoo" typeface="DokChampa"/>
+        <a:font script="Sinh" typeface="Iskoola Pota"/>
+        <a:font script="Mong" typeface="Mongolian Baiti"/>
+        <a:font script="Viet" typeface="Times New Roman"/>
+        <a:font script="Uigh" typeface="Microsoft Uighur"/>
       </a:majorFont>
       <a:minorFont>
         <a:latin typeface="Arial"/>
         <a:ea typeface=""/>
         <a:cs typeface=""/>
-        <a:font typeface="ＭＳ Ｐゴシック" script="Jpan"/>
-        <a:font typeface="맑은 고딕" script="Hang"/>
-        <a:font typeface="宋体" script="Hans"/>
-        <a:font typeface="新細明體" script="Hant"/>
-        <a:font typeface="Times New Roman" script="Arab"/>
-        <a:font typeface="Times New Roman" script="Hebr"/>
-        <a:font typeface="Angsana New" script="Thai"/>
-        <a:font typeface="Nyala" script="Ethi"/>
-        <a:font typeface="Vrinda" script="Beng"/>
-        <a:font typeface="Shruti" script="Gujr"/>
-        <a:font typeface="MoolBoran" script="Khmr"/>
-        <a:font typeface="Tunga" script="Knda"/>
-        <a:font typeface="Raavi" script="Guru"/>
-        <a:font typeface="Euphemia" script="Cans"/>
-        <a:font typeface="Plantagenet Cherokee" script="Cher"/>
-        <a:font typeface="Microsoft Yi Baiti" script="Yiii"/>
-        <a:font typeface="Microsoft Himalaya" script="Tibt"/>
-        <a:font typeface="MV Boli" script="Thaa"/>
-        <a:font typeface="Mangal" script="Deva"/>
-        <a:font typeface="Gautami" script="Telu"/>
-        <a:font typeface="Latha" script="Taml"/>
-        <a:font typeface="Estrangelo Edessa" script="Syrc"/>
-        <a:font typeface="Kalinga" script="Orya"/>
-        <a:font typeface="Kartika" script="Mlym"/>
-        <a:font typeface="DokChampa" script="Laoo"/>
-        <a:font typeface="Iskoola Pota" script="Sinh"/>
-        <a:font typeface="Mongolian Baiti" script="Mong"/>
-        <a:font typeface="Times New Roman" script="Viet"/>
-        <a:font typeface="Microsoft Uighur" script="Uigh"/>
+        <a:font script="Jpan" typeface="ＭＳ Ｐゴシック"/>
+        <a:font script="Hang" typeface="맑은 고딕"/>
+        <a:font script="Hans" typeface="宋体"/>
+        <a:font script="Hant" typeface="新細明體"/>
+        <a:font script="Arab" typeface="Times New Roman"/>
+        <a:font script="Hebr" typeface="Times New Roman"/>
+        <a:font script="Thai" typeface="Angsana New"/>
+        <a:font script="Ethi" typeface="Nyala"/>
+        <a:font script="Beng" typeface="Vrinda"/>
+        <a:font script="Gujr" typeface="Shruti"/>
+        <a:font script="Khmr" typeface="MoolBoran"/>
+        <a:font script="Knda" typeface="Tunga"/>
+        <a:font script="Guru" typeface="Raavi"/>
+        <a:font script="Cans" typeface="Euphemia"/>
+        <a:font script="Cher" typeface="Plantagenet Cherokee"/>
+        <a:font script="Yiii" typeface="Microsoft Yi Baiti"/>
+        <a:font script="Tibt" typeface="Microsoft Himalaya"/>
+        <a:font script="Thaa" typeface="MV Boli"/>
+        <a:font script="Deva" typeface="Mangal"/>
+        <a:font script="Telu" typeface="Gautami"/>
+        <a:font script="Taml" typeface="Latha"/>
+        <a:font script="Syrc" typeface="Estrangelo Edessa"/>
+        <a:font script="Orya" typeface="Kalinga"/>
+        <a:font script="Mlym" typeface="Kartika"/>
+        <a:font script="Laoo" typeface="DokChampa"/>
+        <a:font script="Sinh" typeface="Iskoola Pota"/>
+        <a:font script="Mong" typeface="Mongolian Baiti"/>
+        <a:font script="Viet" typeface="Times New Roman"/>
+        <a:font script="Uigh" typeface="Microsoft Uighur"/>
       </a:minorFont>
     </a:fontScheme>
     <a:fmtScheme name="Office">
@@ -8894,7 +9031,7 @@
         </a:gradFill>
       </a:fillStyleLst>
       <a:lnStyleLst>
-        <a:ln w="9525" algn="ctr" cap="flat" cmpd="sng">
+        <a:ln cap="flat" cmpd="sng" w="9525" algn="ctr">
           <a:solidFill>
             <a:schemeClr val="phClr">
               <a:shade val="95000"/>
@@ -8903,13 +9040,13 @@
           </a:solidFill>
           <a:prstDash val="solid"/>
         </a:ln>
-        <a:ln w="25400" algn="ctr" cap="flat" cmpd="sng">
+        <a:ln cap="flat" cmpd="sng" w="25400" algn="ctr">
           <a:solidFill>
             <a:schemeClr val="phClr"/>
           </a:solidFill>
           <a:prstDash val="solid"/>
         </a:ln>
-        <a:ln w="38100" algn="ctr" cap="flat" cmpd="sng">
+        <a:ln cap="flat" cmpd="sng" w="38100" algn="ctr">
           <a:solidFill>
             <a:schemeClr val="phClr"/>
           </a:solidFill>
@@ -8919,7 +9056,7 @@
       <a:effectStyleLst>
         <a:effectStyle>
           <a:effectLst>
-            <a:outerShdw rotWithShape="0" dir="5400000" blurRad="40000" dist="20000">
+            <a:outerShdw blurRad="40000" rotWithShape="0" dir="5400000" dist="20000">
               <a:srgbClr val="000000">
                 <a:alpha val="38000"/>
               </a:srgbClr>
@@ -8928,7 +9065,7 @@
         </a:effectStyle>
         <a:effectStyle>
           <a:effectLst>
-            <a:outerShdw rotWithShape="0" dir="5400000" blurRad="40000" dist="23000">
+            <a:outerShdw blurRad="40000" rotWithShape="0" dir="5400000" dist="23000">
               <a:srgbClr val="000000">
                 <a:alpha val="35000"/>
               </a:srgbClr>
@@ -8937,7 +9074,7 @@
         </a:effectStyle>
         <a:effectStyle>
           <a:effectLst>
-            <a:outerShdw rotWithShape="0" dir="5400000" blurRad="40000" dist="23000">
+            <a:outerShdw blurRad="40000" rotWithShape="0" dir="5400000" dist="23000">
               <a:srgbClr val="000000">
                 <a:alpha val="35000"/>
               </a:srgbClr>
@@ -8945,14 +9082,14 @@
           </a:effectLst>
           <a:scene3d>
             <a:camera prst="orthographicFront">
-              <a:rot rev="0" lon="0" lat="0"/>
+              <a:rot lat="0" lon="0" rev="0"/>
             </a:camera>
             <a:lightRig dir="t" rig="threePt">
-              <a:rot rev="1200000" lon="0" lat="0"/>
+              <a:rot lat="0" lon="0" rev="1200000"/>
             </a:lightRig>
           </a:scene3d>
           <a:sp3d>
-            <a:bevelB w="63500" h="25400"/>
+            <a:bevelT h="25400" w="63500"/>
           </a:sp3d>
         </a:effectStyle>
       </a:effectStyleLst>
@@ -8983,7 +9120,7 @@
             </a:gs>
           </a:gsLst>
           <a:path path="circle">
-            <a:fillToRect t="-80000" b="180000" r="50000" l="50000"/>
+            <a:fillToRect b="180000" l="50000" r="50000" t="-80000"/>
           </a:path>
         </a:gradFill>
         <a:gradFill rotWithShape="1">
@@ -9002,12 +9139,52 @@
             </a:gs>
           </a:gsLst>
           <a:path path="circle">
-            <a:fillToRect t="50000" b="50000" r="50000" l="50000"/>
+            <a:fillToRect b="50000" l="50000" r="50000" t="50000"/>
           </a:path>
         </a:gradFill>
       </a:bgFillStyleLst>
     </a:fmtScheme>
   </a:themeElements>
+  <a:objectDefaults>
+    <a:spDef>
+      <a:spPr/>
+      <a:bodyPr/>
+      <a:lstStyle/>
+      <a:style>
+        <a:lnRef idx="1">
+          <a:schemeClr val="accent1"/>
+        </a:lnRef>
+        <a:fillRef idx="3">
+          <a:schemeClr val="accent1"/>
+        </a:fillRef>
+        <a:effectRef idx="2">
+          <a:schemeClr val="accent1"/>
+        </a:effectRef>
+        <a:fontRef idx="minor">
+          <a:schemeClr val="lt1"/>
+        </a:fontRef>
+      </a:style>
+    </a:spDef>
+    <a:lnDef>
+      <a:spPr/>
+      <a:bodyPr/>
+      <a:lstStyle/>
+      <a:style>
+        <a:lnRef idx="2">
+          <a:schemeClr val="accent1"/>
+        </a:lnRef>
+        <a:fillRef idx="0">
+          <a:schemeClr val="accent1"/>
+        </a:fillRef>
+        <a:effectRef idx="1">
+          <a:schemeClr val="accent1"/>
+        </a:effectRef>
+        <a:fontRef idx="minor">
+          <a:schemeClr val="tx1"/>
+        </a:fontRef>
+      </a:style>
+    </a:lnDef>
+  </a:objectDefaults>
 </a:theme>
 </file>
 
@@ -9057,69 +9234,69 @@
         <a:latin typeface="Arial"/>
         <a:ea typeface=""/>
         <a:cs typeface=""/>
-        <a:font typeface="ＭＳ Ｐゴシック" script="Jpan"/>
-        <a:font typeface="맑은 고딕" script="Hang"/>
-        <a:font typeface="宋体" script="Hans"/>
-        <a:font typeface="新細明體" script="Hant"/>
-        <a:font typeface="Times New Roman" script="Arab"/>
-        <a:font typeface="Times New Roman" script="Hebr"/>
-        <a:font typeface="Angsana New" script="Thai"/>
-        <a:font typeface="Nyala" script="Ethi"/>
-        <a:font typeface="Vrinda" script="Beng"/>
-        <a:font typeface="Shruti" script="Gujr"/>
-        <a:font typeface="MoolBoran" script="Khmr"/>
-        <a:font typeface="Tunga" script="Knda"/>
-        <a:font typeface="Raavi" script="Guru"/>
-        <a:font typeface="Euphemia" script="Cans"/>
-        <a:font typeface="Plantagenet Cherokee" script="Cher"/>
-        <a:font typeface="Microsoft Yi Baiti" script="Yiii"/>
-        <a:font typeface="Microsoft Himalaya" script="Tibt"/>
-        <a:font typeface="MV Boli" script="Thaa"/>
-        <a:font typeface="Mangal" script="Deva"/>
-        <a:font typeface="Gautami" script="Telu"/>
-        <a:font typeface="Latha" script="Taml"/>
-        <a:font typeface="Estrangelo Edessa" script="Syrc"/>
-        <a:font typeface="Kalinga" script="Orya"/>
-        <a:font typeface="Kartika" script="Mlym"/>
-        <a:font typeface="DokChampa" script="Laoo"/>
-        <a:font typeface="Iskoola Pota" script="Sinh"/>
-        <a:font typeface="Mongolian Baiti" script="Mong"/>
-        <a:font typeface="Times New Roman" script="Viet"/>
-        <a:font typeface="Microsoft Uighur" script="Uigh"/>
+        <a:font script="Jpan" typeface="ＭＳ Ｐゴシック"/>
+        <a:font script="Hang" typeface="맑은 고딕"/>
+        <a:font script="Hans" typeface="宋体"/>
+        <a:font script="Hant" typeface="新細明體"/>
+        <a:font script="Arab" typeface="Times New Roman"/>
+        <a:font script="Hebr" typeface="Times New Roman"/>
+        <a:font script="Thai" typeface="Angsana New"/>
+        <a:font script="Ethi" typeface="Nyala"/>
+        <a:font script="Beng" typeface="Vrinda"/>
+        <a:font script="Gujr" typeface="Shruti"/>
+        <a:font script="Khmr" typeface="MoolBoran"/>
+        <a:font script="Knda" typeface="Tunga"/>
+        <a:font script="Guru" typeface="Raavi"/>
+        <a:font script="Cans" typeface="Euphemia"/>
+        <a:font script="Cher" typeface="Plantagenet Cherokee"/>
+        <a:font script="Yiii" typeface="Microsoft Yi Baiti"/>
+        <a:font script="Tibt" typeface="Microsoft Himalaya"/>
+        <a:font script="Thaa" typeface="MV Boli"/>
+        <a:font script="Deva" typeface="Mangal"/>
+        <a:font script="Telu" typeface="Gautami"/>
+        <a:font script="Taml" typeface="Latha"/>
+        <a:font script="Syrc" typeface="Estrangelo Edessa"/>
+        <a:font script="Orya" typeface="Kalinga"/>
+        <a:font script="Mlym" typeface="Kartika"/>
+        <a:font script="Laoo" typeface="DokChampa"/>
+        <a:font script="Sinh" typeface="Iskoola Pota"/>
+        <a:font script="Mong" typeface="Mongolian Baiti"/>
+        <a:font script="Viet" typeface="Times New Roman"/>
+        <a:font script="Uigh" typeface="Microsoft Uighur"/>
       </a:majorFont>
       <a:minorFont>
         <a:latin typeface="Arial"/>
         <a:ea typeface=""/>
         <a:cs typeface=""/>
-        <a:font typeface="ＭＳ Ｐゴシック" script="Jpan"/>
-        <a:font typeface="맑은 고딕" script="Hang"/>
-        <a:font typeface="宋体" script="Hans"/>
-        <a:font typeface="新細明體" script="Hant"/>
-        <a:font typeface="Times New Roman" script="Arab"/>
-        <a:font typeface="Times New Roman" script="Hebr"/>
-        <a:font typeface="Angsana New" script="Thai"/>
-        <a:font typeface="Nyala" script="Ethi"/>
-        <a:font typeface="Vrinda" script="Beng"/>
-        <a:font typeface="Shruti" script="Gujr"/>
-        <a:font typeface="MoolBoran" script="Khmr"/>
-        <a:font typeface="Tunga" script="Knda"/>
-        <a:font typeface="Raavi" script="Guru"/>
-        <a:font typeface="Euphemia" script="Cans"/>
-        <a:font typeface="Plantagenet Cherokee" script="Cher"/>
-        <a:font typeface="Microsoft Yi Baiti" script="Yiii"/>
-        <a:font typeface="Microsoft Himalaya" script="Tibt"/>
-        <a:font typeface="MV Boli" script="Thaa"/>
-        <a:font typeface="Mangal" script="Deva"/>
-        <a:font typeface="Gautami" script="Telu"/>
-        <a:font typeface="Latha" script="Taml"/>
-        <a:font typeface="Estrangelo Edessa" script="Syrc"/>
-        <a:font typeface="Kalinga" script="Orya"/>
-        <a:font typeface="Kartika" script="Mlym"/>
-        <a:font typeface="DokChampa" script="Laoo"/>
-        <a:font typeface="Iskoola Pota" script="Sinh"/>
-        <a:font typeface="Mongolian Baiti" script="Mong"/>
-        <a:font typeface="Times New Roman" script="Viet"/>
-        <a:font typeface="Microsoft Uighur" script="Uigh"/>
+        <a:font script="Jpan" typeface="ＭＳ Ｐゴシック"/>
+        <a:font script="Hang" typeface="맑은 고딕"/>
+        <a:font script="Hans" typeface="宋体"/>
+        <a:font script="Hant" typeface="新細明體"/>
+        <a:font script="Arab" typeface="Times New Roman"/>
+        <a:font script="Hebr" typeface="Times New Roman"/>
+        <a:font script="Thai" typeface="Angsana New"/>
+        <a:font script="Ethi" typeface="Nyala"/>
+        <a:font script="Beng" typeface="Vrinda"/>
+        <a:font script="Gujr" typeface="Shruti"/>
+        <a:font script="Khmr" typeface="MoolBoran"/>
+        <a:font script="Knda" typeface="Tunga"/>
+        <a:font script="Guru" typeface="Raavi"/>
+        <a:font script="Cans" typeface="Euphemia"/>
+        <a:font script="Cher" typeface="Plantagenet Cherokee"/>
+        <a:font script="Yiii" typeface="Microsoft Yi Baiti"/>
+        <a:font script="Tibt" typeface="Microsoft Himalaya"/>
+        <a:font script="Thaa" typeface="MV Boli"/>
+        <a:font script="Deva" typeface="Mangal"/>
+        <a:font script="Telu" typeface="Gautami"/>
+        <a:font script="Taml" typeface="Latha"/>
+        <a:font script="Syrc" typeface="Estrangelo Edessa"/>
+        <a:font script="Orya" typeface="Kalinga"/>
+        <a:font script="Mlym" typeface="Kartika"/>
+        <a:font script="Laoo" typeface="DokChampa"/>
+        <a:font script="Sinh" typeface="Iskoola Pota"/>
+        <a:font script="Mong" typeface="Mongolian Baiti"/>
+        <a:font script="Viet" typeface="Times New Roman"/>
+        <a:font script="Uigh" typeface="Microsoft Uighur"/>
       </a:minorFont>
     </a:fontScheme>
     <a:fmtScheme name="Office">
@@ -9171,7 +9348,7 @@
         </a:gradFill>
       </a:fillStyleLst>
       <a:lnStyleLst>
-        <a:ln w="9525" algn="ctr" cap="flat" cmpd="sng">
+        <a:ln cap="flat" cmpd="sng" w="9525" algn="ctr">
           <a:solidFill>
             <a:schemeClr val="phClr">
               <a:shade val="95000"/>
@@ -9180,13 +9357,13 @@
           </a:solidFill>
           <a:prstDash val="solid"/>
         </a:ln>
-        <a:ln w="25400" algn="ctr" cap="flat" cmpd="sng">
+        <a:ln cap="flat" cmpd="sng" w="25400" algn="ctr">
           <a:solidFill>
             <a:schemeClr val="phClr"/>
           </a:solidFill>
           <a:prstDash val="solid"/>
         </a:ln>
-        <a:ln w="38100" algn="ctr" cap="flat" cmpd="sng">
+        <a:ln cap="flat" cmpd="sng" w="38100" algn="ctr">
           <a:solidFill>
             <a:schemeClr val="phClr"/>
           </a:solidFill>
@@ -9196,7 +9373,7 @@
       <a:effectStyleLst>
         <a:effectStyle>
           <a:effectLst>
-            <a:outerShdw rotWithShape="0" dir="5400000" blurRad="40000" dist="20000">
+            <a:outerShdw blurRad="40000" rotWithShape="0" dir="5400000" dist="20000">
               <a:srgbClr val="000000">
                 <a:alpha val="38000"/>
               </a:srgbClr>
@@ -9205,7 +9382,7 @@
         </a:effectStyle>
         <a:effectStyle>
           <a:effectLst>
-            <a:outerShdw rotWithShape="0" dir="5400000" blurRad="40000" dist="23000">
+            <a:outerShdw blurRad="40000" rotWithShape="0" dir="5400000" dist="23000">
               <a:srgbClr val="000000">
                 <a:alpha val="35000"/>
               </a:srgbClr>
@@ -9214,7 +9391,7 @@
         </a:effectStyle>
         <a:effectStyle>
           <a:effectLst>
-            <a:outerShdw rotWithShape="0" dir="5400000" blurRad="40000" dist="23000">
+            <a:outerShdw blurRad="40000" rotWithShape="0" dir="5400000" dist="23000">
               <a:srgbClr val="000000">
                 <a:alpha val="35000"/>
               </a:srgbClr>
@@ -9222,14 +9399,14 @@
           </a:effectLst>
           <a:scene3d>
             <a:camera prst="orthographicFront">
-              <a:rot rev="0" lon="0" lat="0"/>
+              <a:rot lat="0" lon="0" rev="0"/>
             </a:camera>
             <a:lightRig dir="t" rig="threePt">
-              <a:rot rev="1200000" lon="0" lat="0"/>
+              <a:rot lat="0" lon="0" rev="1200000"/>
             </a:lightRig>
           </a:scene3d>
           <a:sp3d>
-            <a:bevelB w="63500" h="25400"/>
+            <a:bevelT h="25400" w="63500"/>
           </a:sp3d>
         </a:effectStyle>
       </a:effectStyleLst>
@@ -9260,7 +9437,7 @@
             </a:gs>
           </a:gsLst>
           <a:path path="circle">
-            <a:fillToRect t="-80000" b="180000" r="50000" l="50000"/>
+            <a:fillToRect b="180000" l="50000" r="50000" t="-80000"/>
           </a:path>
         </a:gradFill>
         <a:gradFill rotWithShape="1">
@@ -9279,7 +9456,7 @@
             </a:gs>
           </a:gsLst>
           <a:path path="circle">
-            <a:fillToRect t="50000" b="50000" r="50000" l="50000"/>
+            <a:fillToRect b="50000" l="50000" r="50000" t="50000"/>
           </a:path>
         </a:gradFill>
       </a:bgFillStyleLst>
@@ -9289,9 +9466,9 @@
 </file>
 
 <file path=ppt/theme/theme3.xml><?xml version="1.0" encoding="utf-8"?>
-<a:theme xmlns:a="http://schemas.openxmlformats.org/drawingml/2006/main" xmlns:r="http://schemas.openxmlformats.org/officeDocument/2006/relationships" name="Custom Theme">
+<a:theme xmlns:a="http://schemas.openxmlformats.org/drawingml/2006/main" xmlns:r="http://schemas.openxmlformats.org/officeDocument/2006/relationships" name="simple-light">
   <a:themeElements>
-    <a:clrScheme name="Default">
+    <a:clrScheme name="Custom 347">
       <a:dk1>
         <a:srgbClr val="000000"/>
       </a:dk1>
@@ -9299,34 +9476,34 @@
         <a:srgbClr val="FFFFFF"/>
       </a:lt1>
       <a:dk2>
-        <a:srgbClr val="158158"/>
+        <a:srgbClr val="666666"/>
       </a:dk2>
       <a:lt2>
-        <a:srgbClr val="F3F3F3"/>
+        <a:srgbClr val="CCCCCC"/>
       </a:lt2>
       <a:accent1>
-        <a:srgbClr val="058DC7"/>
+        <a:srgbClr val="3A81BA"/>
       </a:accent1>
       <a:accent2>
-        <a:srgbClr val="50B432"/>
+        <a:srgbClr val="D89F39"/>
       </a:accent2>
       <a:accent3>
-        <a:srgbClr val="ED561B"/>
+        <a:srgbClr val="8BAB42"/>
       </a:accent3>
       <a:accent4>
-        <a:srgbClr val="EDEF00"/>
+        <a:srgbClr val="57A7B5"/>
       </a:accent4>
       <a:accent5>
-        <a:srgbClr val="24CBE5"/>
+        <a:srgbClr val="8B81D2"/>
       </a:accent5>
       <a:accent6>
-        <a:srgbClr val="64E572"/>
+        <a:srgbClr val="963334"/>
       </a:accent6>
       <a:hlink>
-        <a:srgbClr val="2200CC"/>
+        <a:srgbClr val="1155CC"/>
       </a:hlink>
       <a:folHlink>
-        <a:srgbClr val="551A8B"/>
+        <a:srgbClr val="6611CC"/>
       </a:folHlink>
     </a:clrScheme>
     <a:fontScheme name="Office">
@@ -9334,69 +9511,69 @@
         <a:latin typeface="Arial"/>
         <a:ea typeface=""/>
         <a:cs typeface=""/>
-        <a:font typeface="ＭＳ Ｐゴシック" script="Jpan"/>
-        <a:font typeface="맑은 고딕" script="Hang"/>
-        <a:font typeface="宋体" script="Hans"/>
-        <a:font typeface="新細明體" script="Hant"/>
-        <a:font typeface="Times New Roman" script="Arab"/>
-        <a:font typeface="Times New Roman" script="Hebr"/>
-        <a:font typeface="Angsana New" script="Thai"/>
-        <a:font typeface="Nyala" script="Ethi"/>
-        <a:font typeface="Vrinda" script="Beng"/>
-        <a:font typeface="Shruti" script="Gujr"/>
-        <a:font typeface="MoolBoran" script="Khmr"/>
-        <a:font typeface="Tunga" script="Knda"/>
-        <a:font typeface="Raavi" script="Guru"/>
-        <a:font typeface="Euphemia" script="Cans"/>
-        <a:font typeface="Plantagenet Cherokee" script="Cher"/>
-        <a:font typeface="Microsoft Yi Baiti" script="Yiii"/>
-        <a:font typeface="Microsoft Himalaya" script="Tibt"/>
-        <a:font typeface="MV Boli" script="Thaa"/>
-        <a:font typeface="Mangal" script="Deva"/>
-        <a:font typeface="Gautami" script="Telu"/>
-        <a:font typeface="Latha" script="Taml"/>
-        <a:font typeface="Estrangelo Edessa" script="Syrc"/>
-        <a:font typeface="Kalinga" script="Orya"/>
-        <a:font typeface="Kartika" script="Mlym"/>
-        <a:font typeface="DokChampa" script="Laoo"/>
-        <a:font typeface="Iskoola Pota" script="Sinh"/>
-        <a:font typeface="Mongolian Baiti" script="Mong"/>
-        <a:font typeface="Times New Roman" script="Viet"/>
-        <a:font typeface="Microsoft Uighur" script="Uigh"/>
+        <a:font script="Jpan" typeface="ＭＳ Ｐゴシック"/>
+        <a:font script="Hang" typeface="맑은 고딕"/>
+        <a:font script="Hans" typeface="宋体"/>
+        <a:font script="Hant" typeface="新細明體"/>
+        <a:font script="Arab" typeface="Times New Roman"/>
+        <a:font script="Hebr" typeface="Times New Roman"/>
+        <a:font script="Thai" typeface="Angsana New"/>
+        <a:font script="Ethi" typeface="Nyala"/>
+        <a:font script="Beng" typeface="Vrinda"/>
+        <a:font script="Gujr" typeface="Shruti"/>
+        <a:font script="Khmr" typeface="MoolBoran"/>
+        <a:font script="Knda" typeface="Tunga"/>
+        <a:font script="Guru" typeface="Raavi"/>
+        <a:font script="Cans" typeface="Euphemia"/>
+        <a:font script="Cher" typeface="Plantagenet Cherokee"/>
+        <a:font script="Yiii" typeface="Microsoft Yi Baiti"/>
+        <a:font script="Tibt" typeface="Microsoft Himalaya"/>
+        <a:font script="Thaa" typeface="MV Boli"/>
+        <a:font script="Deva" typeface="Mangal"/>
+        <a:font script="Telu" typeface="Gautami"/>
+        <a:font script="Taml" typeface="Latha"/>
+        <a:font script="Syrc" typeface="Estrangelo Edessa"/>
+        <a:font script="Orya" typeface="Kalinga"/>
+        <a:font script="Mlym" typeface="Kartika"/>
+        <a:font script="Laoo" typeface="DokChampa"/>
+        <a:font script="Sinh" typeface="Iskoola Pota"/>
+        <a:font script="Mong" typeface="Mongolian Baiti"/>
+        <a:font script="Viet" typeface="Times New Roman"/>
+        <a:font script="Uigh" typeface="Microsoft Uighur"/>
       </a:majorFont>
       <a:minorFont>
         <a:latin typeface="Arial"/>
         <a:ea typeface=""/>
         <a:cs typeface=""/>
-        <a:font typeface="ＭＳ Ｐゴシック" script="Jpan"/>
-        <a:font typeface="맑은 고딕" script="Hang"/>
-        <a:font typeface="宋体" script="Hans"/>
-        <a:font typeface="新細明體" script="Hant"/>
-        <a:font typeface="Times New Roman" script="Arab"/>
-        <a:font typeface="Times New Roman" script="Hebr"/>
-        <a:font typeface="Angsana New" script="Thai"/>
-        <a:font typeface="Nyala" script="Ethi"/>
-        <a:font typeface="Vrinda" script="Beng"/>
-        <a:font typeface="Shruti" script="Gujr"/>
-        <a:font typeface="MoolBoran" script="Khmr"/>
-        <a:font typeface="Tunga" script="Knda"/>
-        <a:font typeface="Raavi" script="Guru"/>
-        <a:font typeface="Euphemia" script="Cans"/>
-        <a:font typeface="Plantagenet Cherokee" script="Cher"/>
-        <a:font typeface="Microsoft Yi Baiti" script="Yiii"/>
-        <a:font typeface="Microsoft Himalaya" script="Tibt"/>
-        <a:font typeface="MV Boli" script="Thaa"/>
-        <a:font typeface="Mangal" script="Deva"/>
-        <a:font typeface="Gautami" script="Telu"/>
-        <a:font typeface="Latha" script="Taml"/>
-        <a:font typeface="Estrangelo Edessa" script="Syrc"/>
-        <a:font typeface="Kalinga" script="Orya"/>
-        <a:font typeface="Kartika" script="Mlym"/>
-        <a:font typeface="DokChampa" script="Laoo"/>
-        <a:font typeface="Iskoola Pota" script="Sinh"/>
-        <a:font typeface="Mongolian Baiti" script="Mong"/>
-        <a:font typeface="Times New Roman" script="Viet"/>
-        <a:font typeface="Microsoft Uighur" script="Uigh"/>
+        <a:font script="Jpan" typeface="ＭＳ Ｐゴシック"/>
+        <a:font script="Hang" typeface="맑은 고딕"/>
+        <a:font script="Hans" typeface="宋体"/>
+        <a:font script="Hant" typeface="新細明體"/>
+        <a:font script="Arab" typeface="Times New Roman"/>
+        <a:font script="Hebr" typeface="Times New Roman"/>
+        <a:font script="Thai" typeface="Angsana New"/>
+        <a:font script="Ethi" typeface="Nyala"/>
+        <a:font script="Beng" typeface="Vrinda"/>
+        <a:font script="Gujr" typeface="Shruti"/>
+        <a:font script="Khmr" typeface="MoolBoran"/>
+        <a:font script="Knda" typeface="Tunga"/>
+        <a:font script="Guru" typeface="Raavi"/>
+        <a:font script="Cans" typeface="Euphemia"/>
+        <a:font script="Cher" typeface="Plantagenet Cherokee"/>
+        <a:font script="Yiii" typeface="Microsoft Yi Baiti"/>
+        <a:font script="Tibt" typeface="Microsoft Himalaya"/>
+        <a:font script="Thaa" typeface="MV Boli"/>
+        <a:font script="Deva" typeface="Mangal"/>
+        <a:font script="Telu" typeface="Gautami"/>
+        <a:font script="Taml" typeface="Latha"/>
+        <a:font script="Syrc" typeface="Estrangelo Edessa"/>
+        <a:font script="Orya" typeface="Kalinga"/>
+        <a:font script="Mlym" typeface="Kartika"/>
+        <a:font script="Laoo" typeface="DokChampa"/>
+        <a:font script="Sinh" typeface="Iskoola Pota"/>
+        <a:font script="Mong" typeface="Mongolian Baiti"/>
+        <a:font script="Viet" typeface="Times New Roman"/>
+        <a:font script="Uigh" typeface="Microsoft Uighur"/>
       </a:minorFont>
     </a:fontScheme>
     <a:fmtScheme name="Office">
@@ -9448,7 +9625,7 @@
         </a:gradFill>
       </a:fillStyleLst>
       <a:lnStyleLst>
-        <a:ln w="9525" algn="ctr" cap="flat" cmpd="sng">
+        <a:ln cap="flat" cmpd="sng" w="9525" algn="ctr">
           <a:solidFill>
             <a:schemeClr val="phClr">
               <a:shade val="95000"/>
@@ -9457,13 +9634,13 @@
           </a:solidFill>
           <a:prstDash val="solid"/>
         </a:ln>
-        <a:ln w="25400" algn="ctr" cap="flat" cmpd="sng">
+        <a:ln cap="flat" cmpd="sng" w="25400" algn="ctr">
           <a:solidFill>
             <a:schemeClr val="phClr"/>
           </a:solidFill>
           <a:prstDash val="solid"/>
         </a:ln>
-        <a:ln w="38100" algn="ctr" cap="flat" cmpd="sng">
+        <a:ln cap="flat" cmpd="sng" w="38100" algn="ctr">
           <a:solidFill>
             <a:schemeClr val="phClr"/>
           </a:solidFill>
@@ -9473,7 +9650,7 @@
       <a:effectStyleLst>
         <a:effectStyle>
           <a:effectLst>
-            <a:outerShdw rotWithShape="0" dir="5400000" blurRad="40000" dist="20000">
+            <a:outerShdw blurRad="40000" rotWithShape="0" dir="5400000" dist="20000">
               <a:srgbClr val="000000">
                 <a:alpha val="38000"/>
               </a:srgbClr>
@@ -9482,7 +9659,7 @@
         </a:effectStyle>
         <a:effectStyle>
           <a:effectLst>
-            <a:outerShdw rotWithShape="0" dir="5400000" blurRad="40000" dist="23000">
+            <a:outerShdw blurRad="40000" rotWithShape="0" dir="5400000" dist="23000">
               <a:srgbClr val="000000">
                 <a:alpha val="35000"/>
               </a:srgbClr>
@@ -9491,7 +9668,7 @@
         </a:effectStyle>
         <a:effectStyle>
           <a:effectLst>
-            <a:outerShdw rotWithShape="0" dir="5400000" blurRad="40000" dist="23000">
+            <a:outerShdw blurRad="40000" rotWithShape="0" dir="5400000" dist="23000">
               <a:srgbClr val="000000">
                 <a:alpha val="35000"/>
               </a:srgbClr>
@@ -9499,14 +9676,14 @@
           </a:effectLst>
           <a:scene3d>
             <a:camera prst="orthographicFront">
-              <a:rot rev="0" lon="0" lat="0"/>
+              <a:rot lat="0" lon="0" rev="0"/>
             </a:camera>
             <a:lightRig dir="t" rig="threePt">
-              <a:rot rev="1200000" lon="0" lat="0"/>
+              <a:rot lat="0" lon="0" rev="1200000"/>
             </a:lightRig>
           </a:scene3d>
           <a:sp3d>
-            <a:bevelB w="63500" h="25400"/>
+            <a:bevelT h="25400" w="63500"/>
           </a:sp3d>
         </a:effectStyle>
       </a:effectStyleLst>
@@ -9537,7 +9714,7 @@
             </a:gs>
           </a:gsLst>
           <a:path path="circle">
-            <a:fillToRect t="-80000" b="180000" r="50000" l="50000"/>
+            <a:fillToRect b="180000" l="50000" r="50000" t="-80000"/>
           </a:path>
         </a:gradFill>
         <a:gradFill rotWithShape="1">
@@ -9556,7 +9733,7 @@
             </a:gs>
           </a:gsLst>
           <a:path path="circle">
-            <a:fillToRect t="50000" b="50000" r="50000" l="50000"/>
+            <a:fillToRect b="50000" l="50000" r="50000" t="50000"/>
           </a:path>
         </a:gradFill>
       </a:bgFillStyleLst>
@@ -9566,44 +9743,44 @@
 </file>
 
 <file path=ppt/theme/theme4.xml><?xml version="1.0" encoding="utf-8"?>
-<a:theme xmlns:a="http://schemas.openxmlformats.org/drawingml/2006/main" xmlns:r="http://schemas.openxmlformats.org/officeDocument/2006/relationships" name="Office Theme">
+<a:theme xmlns:a="http://schemas.openxmlformats.org/drawingml/2006/main" xmlns:r="http://schemas.openxmlformats.org/officeDocument/2006/relationships" name="Custom Theme">
   <a:themeElements>
-    <a:clrScheme name="Office">
+    <a:clrScheme name="Default">
       <a:dk1>
-        <a:sysClr val="windowText" lastClr="000000"/>
+        <a:srgbClr val="000000"/>
       </a:dk1>
       <a:lt1>
-        <a:sysClr val="window" lastClr="FFFFFF"/>
+        <a:srgbClr val="FFFFFF"/>
       </a:lt1>
       <a:dk2>
-        <a:srgbClr val="1F497D"/>
+        <a:srgbClr val="158158"/>
       </a:dk2>
       <a:lt2>
-        <a:srgbClr val="EEECE1"/>
+        <a:srgbClr val="F3F3F3"/>
       </a:lt2>
       <a:accent1>
-        <a:srgbClr val="4F81BD"/>
+        <a:srgbClr val="058DC7"/>
       </a:accent1>
       <a:accent2>
-        <a:srgbClr val="C0504D"/>
+        <a:srgbClr val="50B432"/>
       </a:accent2>
       <a:accent3>
-        <a:srgbClr val="9BBB59"/>
+        <a:srgbClr val="ED561B"/>
       </a:accent3>
       <a:accent4>
-        <a:srgbClr val="8064A2"/>
+        <a:srgbClr val="EDEF00"/>
       </a:accent4>
       <a:accent5>
-        <a:srgbClr val="4BACC6"/>
+        <a:srgbClr val="24CBE5"/>
       </a:accent5>
       <a:accent6>
-        <a:srgbClr val="F79646"/>
+        <a:srgbClr val="64E572"/>
       </a:accent6>
       <a:hlink>
-        <a:srgbClr val="0000FF"/>
+        <a:srgbClr val="2200CC"/>
       </a:hlink>
       <a:folHlink>
-        <a:srgbClr val="800080"/>
+        <a:srgbClr val="551A8B"/>
       </a:folHlink>
     </a:clrScheme>
     <a:fontScheme name="Office">
@@ -9611,69 +9788,69 @@
         <a:latin typeface="Arial"/>
         <a:ea typeface=""/>
         <a:cs typeface=""/>
-        <a:font typeface="ＭＳ Ｐゴシック" script="Jpan"/>
-        <a:font typeface="맑은 고딕" script="Hang"/>
-        <a:font typeface="宋体" script="Hans"/>
-        <a:font typeface="新細明體" script="Hant"/>
-        <a:font typeface="Times New Roman" script="Arab"/>
-        <a:font typeface="Times New Roman" script="Hebr"/>
-        <a:font typeface="Angsana New" script="Thai"/>
-        <a:font typeface="Nyala" script="Ethi"/>
-        <a:font typeface="Vrinda" script="Beng"/>
-        <a:font typeface="Shruti" script="Gujr"/>
-        <a:font typeface="MoolBoran" script="Khmr"/>
-        <a:font typeface="Tunga" script="Knda"/>
-        <a:font typeface="Raavi" script="Guru"/>
-        <a:font typeface="Euphemia" script="Cans"/>
-        <a:font typeface="Plantagenet Cherokee" script="Cher"/>
-        <a:font typeface="Microsoft Yi Baiti" script="Yiii"/>
-        <a:font typeface="Microsoft Himalaya" script="Tibt"/>
-        <a:font typeface="MV Boli" script="Thaa"/>
-        <a:font typeface="Mangal" script="Deva"/>
-        <a:font typeface="Gautami" script="Telu"/>
-        <a:font typeface="Latha" script="Taml"/>
-        <a:font typeface="Estrangelo Edessa" script="Syrc"/>
-        <a:font typeface="Kalinga" script="Orya"/>
-        <a:font typeface="Kartika" script="Mlym"/>
-        <a:font typeface="DokChampa" script="Laoo"/>
-        <a:font typeface="Iskoola Pota" script="Sinh"/>
-        <a:font typeface="Mongolian Baiti" script="Mong"/>
-        <a:font typeface="Times New Roman" script="Viet"/>
-        <a:font typeface="Microsoft Uighur" script="Uigh"/>
+        <a:font script="Jpan" typeface="ＭＳ Ｐゴシック"/>
+        <a:font script="Hang" typeface="맑은 고딕"/>
+        <a:font script="Hans" typeface="宋体"/>
+        <a:font script="Hant" typeface="新細明體"/>
+        <a:font script="Arab" typeface="Times New Roman"/>
+        <a:font script="Hebr" typeface="Times New Roman"/>
+        <a:font script="Thai" typeface="Angsana New"/>
+        <a:font script="Ethi" typeface="Nyala"/>
+        <a:font script="Beng" typeface="Vrinda"/>
+        <a:font script="Gujr" typeface="Shruti"/>
+        <a:font script="Khmr" typeface="MoolBoran"/>
+        <a:font script="Knda" typeface="Tunga"/>
+        <a:font script="Guru" typeface="Raavi"/>
+        <a:font script="Cans" typeface="Euphemia"/>
+        <a:font script="Cher" typeface="Plantagenet Cherokee"/>
+        <a:font script="Yiii" typeface="Microsoft Yi Baiti"/>
+        <a:font script="Tibt" typeface="Microsoft Himalaya"/>
+        <a:font script="Thaa" typeface="MV Boli"/>
+        <a:font script="Deva" typeface="Mangal"/>
+        <a:font script="Telu" typeface="Gautami"/>
+        <a:font script="Taml" typeface="Latha"/>
+        <a:font script="Syrc" typeface="Estrangelo Edessa"/>
+        <a:font script="Orya" typeface="Kalinga"/>
+        <a:font script="Mlym" typeface="Kartika"/>
+        <a:font script="Laoo" typeface="DokChampa"/>
+        <a:font script="Sinh" typeface="Iskoola Pota"/>
+        <a:font script="Mong" typeface="Mongolian Baiti"/>
+        <a:font script="Viet" typeface="Times New Roman"/>
+        <a:font script="Uigh" typeface="Microsoft Uighur"/>
       </a:majorFont>
       <a:minorFont>
         <a:latin typeface="Arial"/>
         <a:ea typeface=""/>
         <a:cs typeface=""/>
-        <a:font typeface="ＭＳ Ｐゴシック" script="Jpan"/>
-        <a:font typeface="맑은 고딕" script="Hang"/>
-        <a:font typeface="宋体" script="Hans"/>
-        <a:font typeface="新細明體" script="Hant"/>
-        <a:font typeface="Times New Roman" script="Arab"/>
-        <a:font typeface="Times New Roman" script="Hebr"/>
-        <a:font typeface="Angsana New" script="Thai"/>
-        <a:font typeface="Nyala" script="Ethi"/>
-        <a:font typeface="Vrinda" script="Beng"/>
-        <a:font typeface="Shruti" script="Gujr"/>
-        <a:font typeface="MoolBoran" script="Khmr"/>
-        <a:font typeface="Tunga" script="Knda"/>
-        <a:font typeface="Raavi" script="Guru"/>
-        <a:font typeface="Euphemia" script="Cans"/>
-        <a:font typeface="Plantagenet Cherokee" script="Cher"/>
-        <a:font typeface="Microsoft Yi Baiti" script="Yiii"/>
-        <a:font typeface="Microsoft Himalaya" script="Tibt"/>
-        <a:font typeface="MV Boli" script="Thaa"/>
-        <a:font typeface="Mangal" script="Deva"/>
-        <a:font typeface="Gautami" script="Telu"/>
-        <a:font typeface="Latha" script="Taml"/>
-        <a:font typeface="Estrangelo Edessa" script="Syrc"/>
-        <a:font typeface="Kalinga" script="Orya"/>
-        <a:font typeface="Kartika" script="Mlym"/>
-        <a:font typeface="DokChampa" script="Laoo"/>
-        <a:font typeface="Iskoola Pota" script="Sinh"/>
-        <a:font typeface="Mongolian Baiti" script="Mong"/>
-        <a:font typeface="Times New Roman" script="Viet"/>
-        <a:font typeface="Microsoft Uighur" script="Uigh"/>
+        <a:font script="Jpan" typeface="ＭＳ Ｐゴシック"/>
+        <a:font script="Hang" typeface="맑은 고딕"/>
+        <a:font script="Hans" typeface="宋体"/>
+        <a:font script="Hant" typeface="新細明體"/>
+        <a:font script="Arab" typeface="Times New Roman"/>
+        <a:font script="Hebr" typeface="Times New Roman"/>
+        <a:font script="Thai" typeface="Angsana New"/>
+        <a:font script="Ethi" typeface="Nyala"/>
+        <a:font script="Beng" typeface="Vrinda"/>
+        <a:font script="Gujr" typeface="Shruti"/>
+        <a:font script="Khmr" typeface="MoolBoran"/>
+        <a:font script="Knda" typeface="Tunga"/>
+        <a:font script="Guru" typeface="Raavi"/>
+        <a:font script="Cans" typeface="Euphemia"/>
+        <a:font script="Cher" typeface="Plantagenet Cherokee"/>
+        <a:font script="Yiii" typeface="Microsoft Yi Baiti"/>
+        <a:font script="Tibt" typeface="Microsoft Himalaya"/>
+        <a:font script="Thaa" typeface="MV Boli"/>
+        <a:font script="Deva" typeface="Mangal"/>
+        <a:font script="Telu" typeface="Gautami"/>
+        <a:font script="Taml" typeface="Latha"/>
+        <a:font script="Syrc" typeface="Estrangelo Edessa"/>
+        <a:font script="Orya" typeface="Kalinga"/>
+        <a:font script="Mlym" typeface="Kartika"/>
+        <a:font script="Laoo" typeface="DokChampa"/>
+        <a:font script="Sinh" typeface="Iskoola Pota"/>
+        <a:font script="Mong" typeface="Mongolian Baiti"/>
+        <a:font script="Viet" typeface="Times New Roman"/>
+        <a:font script="Uigh" typeface="Microsoft Uighur"/>
       </a:minorFont>
     </a:fontScheme>
     <a:fmtScheme name="Office">
@@ -9725,7 +9902,7 @@
         </a:gradFill>
       </a:fillStyleLst>
       <a:lnStyleLst>
-        <a:ln w="9525" algn="ctr" cap="flat" cmpd="sng">
+        <a:ln cap="flat" cmpd="sng" w="9525" algn="ctr">
           <a:solidFill>
             <a:schemeClr val="phClr">
               <a:shade val="95000"/>
@@ -9734,13 +9911,13 @@
           </a:solidFill>
           <a:prstDash val="solid"/>
         </a:ln>
-        <a:ln w="25400" algn="ctr" cap="flat" cmpd="sng">
+        <a:ln cap="flat" cmpd="sng" w="25400" algn="ctr">
           <a:solidFill>
             <a:schemeClr val="phClr"/>
           </a:solidFill>
           <a:prstDash val="solid"/>
         </a:ln>
-        <a:ln w="38100" algn="ctr" cap="flat" cmpd="sng">
+        <a:ln cap="flat" cmpd="sng" w="38100" algn="ctr">
           <a:solidFill>
             <a:schemeClr val="phClr"/>
           </a:solidFill>
@@ -9750,7 +9927,7 @@
       <a:effectStyleLst>
         <a:effectStyle>
           <a:effectLst>
-            <a:outerShdw rotWithShape="0" dir="5400000" blurRad="40000" dist="20000">
+            <a:outerShdw blurRad="40000" rotWithShape="0" dir="5400000" dist="20000">
               <a:srgbClr val="000000">
                 <a:alpha val="38000"/>
               </a:srgbClr>
@@ -9759,7 +9936,7 @@
         </a:effectStyle>
         <a:effectStyle>
           <a:effectLst>
-            <a:outerShdw rotWithShape="0" dir="5400000" blurRad="40000" dist="23000">
+            <a:outerShdw blurRad="40000" rotWithShape="0" dir="5400000" dist="23000">
               <a:srgbClr val="000000">
                 <a:alpha val="35000"/>
               </a:srgbClr>
@@ -9768,7 +9945,7 @@
         </a:effectStyle>
         <a:effectStyle>
           <a:effectLst>
-            <a:outerShdw rotWithShape="0" dir="5400000" blurRad="40000" dist="23000">
+            <a:outerShdw blurRad="40000" rotWithShape="0" dir="5400000" dist="23000">
               <a:srgbClr val="000000">
                 <a:alpha val="35000"/>
               </a:srgbClr>
@@ -9776,14 +9953,14 @@
           </a:effectLst>
           <a:scene3d>
             <a:camera prst="orthographicFront">
-              <a:rot rev="0" lon="0" lat="0"/>
+              <a:rot lat="0" lon="0" rev="0"/>
             </a:camera>
             <a:lightRig dir="t" rig="threePt">
-              <a:rot rev="1200000" lon="0" lat="0"/>
+              <a:rot lat="0" lon="0" rev="1200000"/>
             </a:lightRig>
           </a:scene3d>
           <a:sp3d>
-            <a:bevelB w="63500" h="25400"/>
+            <a:bevelT h="25400" w="63500"/>
           </a:sp3d>
         </a:effectStyle>
       </a:effectStyleLst>
@@ -9814,7 +9991,7 @@
             </a:gs>
           </a:gsLst>
           <a:path path="circle">
-            <a:fillToRect t="-80000" b="180000" r="50000" l="50000"/>
+            <a:fillToRect b="180000" l="50000" r="50000" t="-80000"/>
           </a:path>
         </a:gradFill>
         <a:gradFill rotWithShape="1">
@@ -9833,51 +10010,11 @@
             </a:gs>
           </a:gsLst>
           <a:path path="circle">
-            <a:fillToRect t="50000" b="50000" r="50000" l="50000"/>
+            <a:fillToRect b="50000" l="50000" r="50000" t="50000"/>
           </a:path>
         </a:gradFill>
       </a:bgFillStyleLst>
     </a:fmtScheme>
   </a:themeElements>
-  <a:objectDefaults>
-    <a:spDef>
-      <a:spPr/>
-      <a:bodyPr/>
-      <a:lstStyle/>
-      <a:style>
-        <a:lnRef idx="1">
-          <a:schemeClr val="accent1"/>
-        </a:lnRef>
-        <a:fillRef idx="3">
-          <a:schemeClr val="accent1"/>
-        </a:fillRef>
-        <a:effectRef idx="2">
-          <a:schemeClr val="accent1"/>
-        </a:effectRef>
-        <a:fontRef idx="minor">
-          <a:schemeClr val="lt1"/>
-        </a:fontRef>
-      </a:style>
-    </a:spDef>
-    <a:lnDef>
-      <a:spPr/>
-      <a:bodyPr/>
-      <a:lstStyle/>
-      <a:style>
-        <a:lnRef idx="2">
-          <a:schemeClr val="accent1"/>
-        </a:lnRef>
-        <a:fillRef idx="0">
-          <a:schemeClr val="accent1"/>
-        </a:fillRef>
-        <a:effectRef idx="1">
-          <a:schemeClr val="accent1"/>
-        </a:effectRef>
-        <a:fontRef idx="minor">
-          <a:schemeClr val="tx1"/>
-        </a:fontRef>
-      </a:style>
-    </a:lnDef>
-  </a:objectDefaults>
 </a:theme>
 </file>